--- a/MKIImpedancePoster/introductionPicture.pptx
+++ b/MKIImpedancePoster/introductionPicture.pptx
@@ -3560,8 +3560,8 @@
         </p:blipFill>
         <p:spPr bwMode="auto">
           <a:xfrm>
-            <a:off x="2028489" y="5472708"/>
-            <a:ext cx="7968531" cy="4608512"/>
+            <a:off x="324123" y="9577164"/>
+            <a:ext cx="7945496" cy="4595190"/>
           </a:xfrm>
           <a:prstGeom prst="rect">
             <a:avLst/>
@@ -3712,7 +3712,7 @@
         </p:nvSpPr>
         <p:spPr>
           <a:xfrm>
-            <a:off x="155223" y="10297244"/>
+            <a:off x="324123" y="12529492"/>
             <a:ext cx="11665296" cy="1477328"/>
           </a:xfrm>
           <a:prstGeom prst="rect">
@@ -3854,8 +3854,8 @@
         </p:nvSpPr>
         <p:spPr>
           <a:xfrm>
-            <a:off x="332507" y="2520380"/>
-            <a:ext cx="11665296" cy="1938992"/>
+            <a:off x="3708499" y="2088332"/>
+            <a:ext cx="8893076" cy="1938992"/>
           </a:xfrm>
           <a:prstGeom prst="rect">
             <a:avLst/>
@@ -4025,8 +4025,1646 @@
               <a:t> image </a:t>
             </a:r>
             <a:r>
-              <a:rPr lang="fr-CA" smtClean="0"/>
+              <a:rPr lang="fr-CA" dirty="0" err="1" smtClean="0"/>
               <a:t>currents</a:t>
+            </a:r>
+            <a:endParaRPr lang="en-GB" dirty="0"/>
+          </a:p>
+        </p:txBody>
+      </p:sp>
+      <p:sp>
+        <p:nvSpPr>
+          <p:cNvPr id="98" name="Oval 97"/>
+          <p:cNvSpPr/>
+          <p:nvPr/>
+        </p:nvSpPr>
+        <p:spPr>
+          <a:xfrm>
+            <a:off x="7812955" y="4548587"/>
+            <a:ext cx="3144984" cy="3144985"/>
+          </a:xfrm>
+          <a:prstGeom prst="ellipse">
+            <a:avLst/>
+          </a:prstGeom>
+          <a:noFill/>
+          <a:ln w="400050">
+            <a:solidFill>
+              <a:schemeClr val="bg2">
+                <a:lumMod val="75000"/>
+              </a:schemeClr>
+            </a:solidFill>
+          </a:ln>
+        </p:spPr>
+        <p:style>
+          <a:lnRef idx="2">
+            <a:schemeClr val="accent1">
+              <a:shade val="50000"/>
+            </a:schemeClr>
+          </a:lnRef>
+          <a:fillRef idx="1">
+            <a:schemeClr val="accent1"/>
+          </a:fillRef>
+          <a:effectRef idx="0">
+            <a:schemeClr val="accent1"/>
+          </a:effectRef>
+          <a:fontRef idx="minor">
+            <a:schemeClr val="lt1"/>
+          </a:fontRef>
+        </p:style>
+        <p:txBody>
+          <a:bodyPr rtlCol="0" anchor="ctr"/>
+          <a:lstStyle/>
+          <a:p>
+            <a:pPr algn="ctr"/>
+            <a:endParaRPr lang="en-GB"/>
+          </a:p>
+        </p:txBody>
+      </p:sp>
+      <p:sp>
+        <p:nvSpPr>
+          <p:cNvPr id="99" name="Rectangle 98"/>
+          <p:cNvSpPr/>
+          <p:nvPr/>
+        </p:nvSpPr>
+        <p:spPr>
+          <a:xfrm>
+            <a:off x="9253115" y="4668603"/>
+            <a:ext cx="216024" cy="72008"/>
+          </a:xfrm>
+          <a:prstGeom prst="rect">
+            <a:avLst/>
+          </a:prstGeom>
+          <a:solidFill>
+            <a:schemeClr val="tx1"/>
+          </a:solidFill>
+          <a:ln>
+            <a:solidFill>
+              <a:schemeClr val="tx1"/>
+            </a:solidFill>
+          </a:ln>
+        </p:spPr>
+        <p:style>
+          <a:lnRef idx="2">
+            <a:schemeClr val="accent1">
+              <a:shade val="50000"/>
+            </a:schemeClr>
+          </a:lnRef>
+          <a:fillRef idx="1">
+            <a:schemeClr val="accent1"/>
+          </a:fillRef>
+          <a:effectRef idx="0">
+            <a:schemeClr val="accent1"/>
+          </a:effectRef>
+          <a:fontRef idx="minor">
+            <a:schemeClr val="lt1"/>
+          </a:fontRef>
+        </p:style>
+        <p:txBody>
+          <a:bodyPr rtlCol="0" anchor="ctr"/>
+          <a:lstStyle/>
+          <a:p>
+            <a:pPr algn="ctr"/>
+            <a:endParaRPr lang="en-GB"/>
+          </a:p>
+        </p:txBody>
+      </p:sp>
+      <p:sp>
+        <p:nvSpPr>
+          <p:cNvPr id="100" name="Rectangle 99"/>
+          <p:cNvSpPr/>
+          <p:nvPr/>
+        </p:nvSpPr>
+        <p:spPr>
+          <a:xfrm rot="9722556">
+            <a:off x="8897561" y="4718454"/>
+            <a:ext cx="216024" cy="80391"/>
+          </a:xfrm>
+          <a:prstGeom prst="rect">
+            <a:avLst/>
+          </a:prstGeom>
+          <a:solidFill>
+            <a:schemeClr val="tx1"/>
+          </a:solidFill>
+          <a:ln>
+            <a:solidFill>
+              <a:schemeClr val="tx1"/>
+            </a:solidFill>
+          </a:ln>
+        </p:spPr>
+        <p:style>
+          <a:lnRef idx="2">
+            <a:schemeClr val="accent1">
+              <a:shade val="50000"/>
+            </a:schemeClr>
+          </a:lnRef>
+          <a:fillRef idx="1">
+            <a:schemeClr val="accent1"/>
+          </a:fillRef>
+          <a:effectRef idx="0">
+            <a:schemeClr val="accent1"/>
+          </a:effectRef>
+          <a:fontRef idx="minor">
+            <a:schemeClr val="lt1"/>
+          </a:fontRef>
+        </p:style>
+        <p:txBody>
+          <a:bodyPr rtlCol="0" anchor="ctr"/>
+          <a:lstStyle/>
+          <a:p>
+            <a:pPr algn="ctr"/>
+            <a:endParaRPr lang="en-GB"/>
+          </a:p>
+        </p:txBody>
+      </p:sp>
+      <p:sp>
+        <p:nvSpPr>
+          <p:cNvPr id="101" name="Rectangle 100"/>
+          <p:cNvSpPr/>
+          <p:nvPr/>
+        </p:nvSpPr>
+        <p:spPr>
+          <a:xfrm rot="8209251">
+            <a:off x="8290039" y="5076143"/>
+            <a:ext cx="216025" cy="72008"/>
+          </a:xfrm>
+          <a:prstGeom prst="rect">
+            <a:avLst/>
+          </a:prstGeom>
+          <a:solidFill>
+            <a:schemeClr val="tx1"/>
+          </a:solidFill>
+          <a:ln>
+            <a:solidFill>
+              <a:schemeClr val="tx1"/>
+            </a:solidFill>
+          </a:ln>
+        </p:spPr>
+        <p:style>
+          <a:lnRef idx="2">
+            <a:schemeClr val="accent1">
+              <a:shade val="50000"/>
+            </a:schemeClr>
+          </a:lnRef>
+          <a:fillRef idx="1">
+            <a:schemeClr val="accent1"/>
+          </a:fillRef>
+          <a:effectRef idx="0">
+            <a:schemeClr val="accent1"/>
+          </a:effectRef>
+          <a:fontRef idx="minor">
+            <a:schemeClr val="lt1"/>
+          </a:fontRef>
+        </p:style>
+        <p:txBody>
+          <a:bodyPr rtlCol="0" anchor="ctr"/>
+          <a:lstStyle/>
+          <a:p>
+            <a:pPr algn="ctr"/>
+            <a:endParaRPr lang="en-GB"/>
+          </a:p>
+        </p:txBody>
+      </p:sp>
+      <p:sp>
+        <p:nvSpPr>
+          <p:cNvPr id="102" name="Rectangle 101"/>
+          <p:cNvSpPr/>
+          <p:nvPr/>
+        </p:nvSpPr>
+        <p:spPr>
+          <a:xfrm rot="7196690">
+            <a:off x="8075744" y="5384750"/>
+            <a:ext cx="216025" cy="72008"/>
+          </a:xfrm>
+          <a:prstGeom prst="rect">
+            <a:avLst/>
+          </a:prstGeom>
+          <a:solidFill>
+            <a:schemeClr val="tx1"/>
+          </a:solidFill>
+          <a:ln>
+            <a:solidFill>
+              <a:schemeClr val="tx1"/>
+            </a:solidFill>
+          </a:ln>
+        </p:spPr>
+        <p:style>
+          <a:lnRef idx="2">
+            <a:schemeClr val="accent1">
+              <a:shade val="50000"/>
+            </a:schemeClr>
+          </a:lnRef>
+          <a:fillRef idx="1">
+            <a:schemeClr val="accent1"/>
+          </a:fillRef>
+          <a:effectRef idx="0">
+            <a:schemeClr val="accent1"/>
+          </a:effectRef>
+          <a:fontRef idx="minor">
+            <a:schemeClr val="lt1"/>
+          </a:fontRef>
+        </p:style>
+        <p:txBody>
+          <a:bodyPr rtlCol="0" anchor="ctr"/>
+          <a:lstStyle/>
+          <a:p>
+            <a:pPr algn="ctr"/>
+            <a:endParaRPr lang="en-GB"/>
+          </a:p>
+        </p:txBody>
+      </p:sp>
+      <p:sp>
+        <p:nvSpPr>
+          <p:cNvPr id="103" name="Rectangle 102"/>
+          <p:cNvSpPr/>
+          <p:nvPr/>
+        </p:nvSpPr>
+        <p:spPr>
+          <a:xfrm rot="9190614">
+            <a:off x="8573319" y="4869570"/>
+            <a:ext cx="216024" cy="72008"/>
+          </a:xfrm>
+          <a:prstGeom prst="rect">
+            <a:avLst/>
+          </a:prstGeom>
+          <a:solidFill>
+            <a:schemeClr val="tx1"/>
+          </a:solidFill>
+          <a:ln>
+            <a:solidFill>
+              <a:schemeClr val="tx1"/>
+            </a:solidFill>
+          </a:ln>
+        </p:spPr>
+        <p:style>
+          <a:lnRef idx="2">
+            <a:schemeClr val="accent1">
+              <a:shade val="50000"/>
+            </a:schemeClr>
+          </a:lnRef>
+          <a:fillRef idx="1">
+            <a:schemeClr val="accent1"/>
+          </a:fillRef>
+          <a:effectRef idx="0">
+            <a:schemeClr val="accent1"/>
+          </a:effectRef>
+          <a:fontRef idx="minor">
+            <a:schemeClr val="lt1"/>
+          </a:fontRef>
+        </p:style>
+        <p:txBody>
+          <a:bodyPr rtlCol="0" anchor="ctr"/>
+          <a:lstStyle/>
+          <a:p>
+            <a:pPr algn="ctr"/>
+            <a:endParaRPr lang="en-GB"/>
+          </a:p>
+        </p:txBody>
+      </p:sp>
+      <p:sp>
+        <p:nvSpPr>
+          <p:cNvPr id="104" name="Rectangle 103"/>
+          <p:cNvSpPr/>
+          <p:nvPr/>
+        </p:nvSpPr>
+        <p:spPr>
+          <a:xfrm rot="6509065">
+            <a:off x="7921705" y="5724933"/>
+            <a:ext cx="216025" cy="72008"/>
+          </a:xfrm>
+          <a:prstGeom prst="rect">
+            <a:avLst/>
+          </a:prstGeom>
+          <a:solidFill>
+            <a:schemeClr val="tx1"/>
+          </a:solidFill>
+          <a:ln>
+            <a:solidFill>
+              <a:schemeClr val="tx1"/>
+            </a:solidFill>
+          </a:ln>
+        </p:spPr>
+        <p:style>
+          <a:lnRef idx="2">
+            <a:schemeClr val="accent1">
+              <a:shade val="50000"/>
+            </a:schemeClr>
+          </a:lnRef>
+          <a:fillRef idx="1">
+            <a:schemeClr val="accent1"/>
+          </a:fillRef>
+          <a:effectRef idx="0">
+            <a:schemeClr val="accent1"/>
+          </a:effectRef>
+          <a:fontRef idx="minor">
+            <a:schemeClr val="lt1"/>
+          </a:fontRef>
+        </p:style>
+        <p:txBody>
+          <a:bodyPr rtlCol="0" anchor="ctr"/>
+          <a:lstStyle/>
+          <a:p>
+            <a:pPr algn="ctr"/>
+            <a:endParaRPr lang="en-GB"/>
+          </a:p>
+        </p:txBody>
+      </p:sp>
+      <p:sp>
+        <p:nvSpPr>
+          <p:cNvPr id="105" name="Rectangle 104"/>
+          <p:cNvSpPr/>
+          <p:nvPr/>
+        </p:nvSpPr>
+        <p:spPr>
+          <a:xfrm>
+            <a:off x="9253115" y="7508158"/>
+            <a:ext cx="216024" cy="72008"/>
+          </a:xfrm>
+          <a:prstGeom prst="rect">
+            <a:avLst/>
+          </a:prstGeom>
+          <a:solidFill>
+            <a:schemeClr val="tx1"/>
+          </a:solidFill>
+          <a:ln>
+            <a:solidFill>
+              <a:schemeClr val="tx1"/>
+            </a:solidFill>
+          </a:ln>
+        </p:spPr>
+        <p:style>
+          <a:lnRef idx="2">
+            <a:schemeClr val="accent1">
+              <a:shade val="50000"/>
+            </a:schemeClr>
+          </a:lnRef>
+          <a:fillRef idx="1">
+            <a:schemeClr val="accent1"/>
+          </a:fillRef>
+          <a:effectRef idx="0">
+            <a:schemeClr val="accent1"/>
+          </a:effectRef>
+          <a:fontRef idx="minor">
+            <a:schemeClr val="lt1"/>
+          </a:fontRef>
+        </p:style>
+        <p:txBody>
+          <a:bodyPr rtlCol="0" anchor="ctr"/>
+          <a:lstStyle/>
+          <a:p>
+            <a:pPr algn="ctr"/>
+            <a:endParaRPr lang="en-GB"/>
+          </a:p>
+        </p:txBody>
+      </p:sp>
+      <p:sp>
+        <p:nvSpPr>
+          <p:cNvPr id="106" name="Rectangle 105"/>
+          <p:cNvSpPr/>
+          <p:nvPr/>
+        </p:nvSpPr>
+        <p:spPr>
+          <a:xfrm rot="7979625" flipV="1">
+            <a:off x="10255035" y="7118205"/>
+            <a:ext cx="208755" cy="68211"/>
+          </a:xfrm>
+          <a:prstGeom prst="rect">
+            <a:avLst/>
+          </a:prstGeom>
+          <a:solidFill>
+            <a:schemeClr val="tx1"/>
+          </a:solidFill>
+          <a:ln>
+            <a:solidFill>
+              <a:schemeClr val="tx1"/>
+            </a:solidFill>
+          </a:ln>
+        </p:spPr>
+        <p:style>
+          <a:lnRef idx="2">
+            <a:schemeClr val="accent1">
+              <a:shade val="50000"/>
+            </a:schemeClr>
+          </a:lnRef>
+          <a:fillRef idx="1">
+            <a:schemeClr val="accent1"/>
+          </a:fillRef>
+          <a:effectRef idx="0">
+            <a:schemeClr val="accent1"/>
+          </a:effectRef>
+          <a:fontRef idx="minor">
+            <a:schemeClr val="lt1"/>
+          </a:fontRef>
+        </p:style>
+        <p:txBody>
+          <a:bodyPr rtlCol="0" anchor="ctr"/>
+          <a:lstStyle/>
+          <a:p>
+            <a:pPr algn="ctr"/>
+            <a:endParaRPr lang="en-GB"/>
+          </a:p>
+        </p:txBody>
+      </p:sp>
+      <p:sp>
+        <p:nvSpPr>
+          <p:cNvPr id="107" name="Rectangle 106"/>
+          <p:cNvSpPr/>
+          <p:nvPr/>
+        </p:nvSpPr>
+        <p:spPr>
+          <a:xfrm rot="6502455">
+            <a:off x="10628302" y="6508222"/>
+            <a:ext cx="216025" cy="72008"/>
+          </a:xfrm>
+          <a:prstGeom prst="rect">
+            <a:avLst/>
+          </a:prstGeom>
+          <a:solidFill>
+            <a:schemeClr val="tx1"/>
+          </a:solidFill>
+          <a:ln>
+            <a:solidFill>
+              <a:schemeClr val="tx1"/>
+            </a:solidFill>
+          </a:ln>
+        </p:spPr>
+        <p:style>
+          <a:lnRef idx="2">
+            <a:schemeClr val="accent1">
+              <a:shade val="50000"/>
+            </a:schemeClr>
+          </a:lnRef>
+          <a:fillRef idx="1">
+            <a:schemeClr val="accent1"/>
+          </a:fillRef>
+          <a:effectRef idx="0">
+            <a:schemeClr val="accent1"/>
+          </a:effectRef>
+          <a:fontRef idx="minor">
+            <a:schemeClr val="lt1"/>
+          </a:fontRef>
+        </p:style>
+        <p:txBody>
+          <a:bodyPr rtlCol="0" anchor="ctr"/>
+          <a:lstStyle/>
+          <a:p>
+            <a:pPr algn="ctr"/>
+            <a:endParaRPr lang="en-GB"/>
+          </a:p>
+        </p:txBody>
+      </p:sp>
+      <p:sp>
+        <p:nvSpPr>
+          <p:cNvPr id="108" name="Rectangle 107"/>
+          <p:cNvSpPr/>
+          <p:nvPr/>
+        </p:nvSpPr>
+        <p:spPr>
+          <a:xfrm rot="15203973">
+            <a:off x="7918677" y="6497104"/>
+            <a:ext cx="216025" cy="72008"/>
+          </a:xfrm>
+          <a:prstGeom prst="rect">
+            <a:avLst/>
+          </a:prstGeom>
+          <a:solidFill>
+            <a:schemeClr val="tx1"/>
+          </a:solidFill>
+          <a:ln>
+            <a:solidFill>
+              <a:schemeClr val="tx1"/>
+            </a:solidFill>
+          </a:ln>
+        </p:spPr>
+        <p:style>
+          <a:lnRef idx="2">
+            <a:schemeClr val="accent1">
+              <a:shade val="50000"/>
+            </a:schemeClr>
+          </a:lnRef>
+          <a:fillRef idx="1">
+            <a:schemeClr val="accent1"/>
+          </a:fillRef>
+          <a:effectRef idx="0">
+            <a:schemeClr val="accent1"/>
+          </a:effectRef>
+          <a:fontRef idx="minor">
+            <a:schemeClr val="lt1"/>
+          </a:fontRef>
+        </p:style>
+        <p:txBody>
+          <a:bodyPr rtlCol="0" anchor="ctr"/>
+          <a:lstStyle/>
+          <a:p>
+            <a:pPr algn="ctr"/>
+            <a:endParaRPr lang="en-GB"/>
+          </a:p>
+        </p:txBody>
+      </p:sp>
+      <p:sp>
+        <p:nvSpPr>
+          <p:cNvPr id="109" name="Rectangle 108"/>
+          <p:cNvSpPr/>
+          <p:nvPr/>
+        </p:nvSpPr>
+        <p:spPr>
+          <a:xfrm rot="7385526">
+            <a:off x="10467526" y="6832786"/>
+            <a:ext cx="216024" cy="72008"/>
+          </a:xfrm>
+          <a:prstGeom prst="rect">
+            <a:avLst/>
+          </a:prstGeom>
+          <a:solidFill>
+            <a:schemeClr val="tx1"/>
+          </a:solidFill>
+          <a:ln>
+            <a:solidFill>
+              <a:schemeClr val="tx1"/>
+            </a:solidFill>
+          </a:ln>
+        </p:spPr>
+        <p:style>
+          <a:lnRef idx="2">
+            <a:schemeClr val="accent1">
+              <a:shade val="50000"/>
+            </a:schemeClr>
+          </a:lnRef>
+          <a:fillRef idx="1">
+            <a:schemeClr val="accent1"/>
+          </a:fillRef>
+          <a:effectRef idx="0">
+            <a:schemeClr val="accent1"/>
+          </a:effectRef>
+          <a:fontRef idx="minor">
+            <a:schemeClr val="lt1"/>
+          </a:fontRef>
+        </p:style>
+        <p:txBody>
+          <a:bodyPr rtlCol="0" anchor="ctr"/>
+          <a:lstStyle/>
+          <a:p>
+            <a:pPr algn="ctr"/>
+            <a:endParaRPr lang="en-GB"/>
+          </a:p>
+        </p:txBody>
+      </p:sp>
+      <p:sp>
+        <p:nvSpPr>
+          <p:cNvPr id="110" name="Rectangle 109"/>
+          <p:cNvSpPr/>
+          <p:nvPr/>
+        </p:nvSpPr>
+        <p:spPr>
+          <a:xfrm rot="5400000">
+            <a:off x="10695152" y="6130459"/>
+            <a:ext cx="216025" cy="72008"/>
+          </a:xfrm>
+          <a:prstGeom prst="rect">
+            <a:avLst/>
+          </a:prstGeom>
+          <a:solidFill>
+            <a:schemeClr val="tx1"/>
+          </a:solidFill>
+          <a:ln>
+            <a:solidFill>
+              <a:schemeClr val="tx1"/>
+            </a:solidFill>
+          </a:ln>
+        </p:spPr>
+        <p:style>
+          <a:lnRef idx="2">
+            <a:schemeClr val="accent1">
+              <a:shade val="50000"/>
+            </a:schemeClr>
+          </a:lnRef>
+          <a:fillRef idx="1">
+            <a:schemeClr val="accent1"/>
+          </a:fillRef>
+          <a:effectRef idx="0">
+            <a:schemeClr val="accent1"/>
+          </a:effectRef>
+          <a:fontRef idx="minor">
+            <a:schemeClr val="lt1"/>
+          </a:fontRef>
+        </p:style>
+        <p:txBody>
+          <a:bodyPr rtlCol="0" anchor="ctr"/>
+          <a:lstStyle/>
+          <a:p>
+            <a:pPr algn="ctr"/>
+            <a:endParaRPr lang="en-GB"/>
+          </a:p>
+        </p:txBody>
+      </p:sp>
+      <p:sp>
+        <p:nvSpPr>
+          <p:cNvPr id="111" name="Rectangle 110"/>
+          <p:cNvSpPr/>
+          <p:nvPr/>
+        </p:nvSpPr>
+        <p:spPr>
+          <a:xfrm rot="15229357">
+            <a:off x="10652384" y="5720474"/>
+            <a:ext cx="216025" cy="72008"/>
+          </a:xfrm>
+          <a:prstGeom prst="rect">
+            <a:avLst/>
+          </a:prstGeom>
+          <a:solidFill>
+            <a:schemeClr val="tx1"/>
+          </a:solidFill>
+          <a:ln>
+            <a:solidFill>
+              <a:schemeClr val="tx1"/>
+            </a:solidFill>
+          </a:ln>
+        </p:spPr>
+        <p:style>
+          <a:lnRef idx="2">
+            <a:schemeClr val="accent1">
+              <a:shade val="50000"/>
+            </a:schemeClr>
+          </a:lnRef>
+          <a:fillRef idx="1">
+            <a:schemeClr val="accent1"/>
+          </a:fillRef>
+          <a:effectRef idx="0">
+            <a:schemeClr val="accent1"/>
+          </a:effectRef>
+          <a:fontRef idx="minor">
+            <a:schemeClr val="lt1"/>
+          </a:fontRef>
+        </p:style>
+        <p:txBody>
+          <a:bodyPr rtlCol="0" anchor="ctr"/>
+          <a:lstStyle/>
+          <a:p>
+            <a:pPr algn="ctr"/>
+            <a:endParaRPr lang="en-GB"/>
+          </a:p>
+        </p:txBody>
+      </p:sp>
+      <p:sp>
+        <p:nvSpPr>
+          <p:cNvPr id="112" name="Rectangle 111"/>
+          <p:cNvSpPr/>
+          <p:nvPr/>
+        </p:nvSpPr>
+        <p:spPr>
+          <a:xfrm rot="12811241" flipV="1">
+            <a:off x="9978214" y="4861670"/>
+            <a:ext cx="208755" cy="68211"/>
+          </a:xfrm>
+          <a:prstGeom prst="rect">
+            <a:avLst/>
+          </a:prstGeom>
+          <a:solidFill>
+            <a:schemeClr val="tx1"/>
+          </a:solidFill>
+          <a:ln>
+            <a:solidFill>
+              <a:schemeClr val="tx1"/>
+            </a:solidFill>
+          </a:ln>
+        </p:spPr>
+        <p:style>
+          <a:lnRef idx="2">
+            <a:schemeClr val="accent1">
+              <a:shade val="50000"/>
+            </a:schemeClr>
+          </a:lnRef>
+          <a:fillRef idx="1">
+            <a:schemeClr val="accent1"/>
+          </a:fillRef>
+          <a:effectRef idx="0">
+            <a:schemeClr val="accent1"/>
+          </a:effectRef>
+          <a:fontRef idx="minor">
+            <a:schemeClr val="lt1"/>
+          </a:fontRef>
+        </p:style>
+        <p:txBody>
+          <a:bodyPr rtlCol="0" anchor="ctr"/>
+          <a:lstStyle/>
+          <a:p>
+            <a:pPr algn="ctr"/>
+            <a:endParaRPr lang="en-GB"/>
+          </a:p>
+        </p:txBody>
+      </p:sp>
+      <p:sp>
+        <p:nvSpPr>
+          <p:cNvPr id="113" name="Rectangle 112"/>
+          <p:cNvSpPr/>
+          <p:nvPr/>
+        </p:nvSpPr>
+        <p:spPr>
+          <a:xfrm rot="14380017">
+            <a:off x="10517337" y="5392660"/>
+            <a:ext cx="216025" cy="72008"/>
+          </a:xfrm>
+          <a:prstGeom prst="rect">
+            <a:avLst/>
+          </a:prstGeom>
+          <a:solidFill>
+            <a:schemeClr val="tx1"/>
+          </a:solidFill>
+          <a:ln>
+            <a:solidFill>
+              <a:schemeClr val="tx1"/>
+            </a:solidFill>
+          </a:ln>
+        </p:spPr>
+        <p:style>
+          <a:lnRef idx="2">
+            <a:schemeClr val="accent1">
+              <a:shade val="50000"/>
+            </a:schemeClr>
+          </a:lnRef>
+          <a:fillRef idx="1">
+            <a:schemeClr val="accent1"/>
+          </a:fillRef>
+          <a:effectRef idx="0">
+            <a:schemeClr val="accent1"/>
+          </a:effectRef>
+          <a:fontRef idx="minor">
+            <a:schemeClr val="lt1"/>
+          </a:fontRef>
+        </p:style>
+        <p:txBody>
+          <a:bodyPr rtlCol="0" anchor="ctr"/>
+          <a:lstStyle/>
+          <a:p>
+            <a:pPr algn="ctr"/>
+            <a:endParaRPr lang="en-GB"/>
+          </a:p>
+        </p:txBody>
+      </p:sp>
+      <p:sp>
+        <p:nvSpPr>
+          <p:cNvPr id="114" name="Rectangle 113"/>
+          <p:cNvSpPr/>
+          <p:nvPr/>
+        </p:nvSpPr>
+        <p:spPr>
+          <a:xfrm rot="11821362">
+            <a:off x="9645123" y="4722647"/>
+            <a:ext cx="216024" cy="72008"/>
+          </a:xfrm>
+          <a:prstGeom prst="rect">
+            <a:avLst/>
+          </a:prstGeom>
+          <a:solidFill>
+            <a:schemeClr val="tx1"/>
+          </a:solidFill>
+          <a:ln>
+            <a:solidFill>
+              <a:schemeClr val="tx1"/>
+            </a:solidFill>
+          </a:ln>
+        </p:spPr>
+        <p:style>
+          <a:lnRef idx="2">
+            <a:schemeClr val="accent1">
+              <a:shade val="50000"/>
+            </a:schemeClr>
+          </a:lnRef>
+          <a:fillRef idx="1">
+            <a:schemeClr val="accent1"/>
+          </a:fillRef>
+          <a:effectRef idx="0">
+            <a:schemeClr val="accent1"/>
+          </a:effectRef>
+          <a:fontRef idx="minor">
+            <a:schemeClr val="lt1"/>
+          </a:fontRef>
+        </p:style>
+        <p:txBody>
+          <a:bodyPr rtlCol="0" anchor="ctr"/>
+          <a:lstStyle/>
+          <a:p>
+            <a:pPr algn="ctr"/>
+            <a:endParaRPr lang="en-GB"/>
+          </a:p>
+        </p:txBody>
+      </p:sp>
+      <p:sp>
+        <p:nvSpPr>
+          <p:cNvPr id="115" name="Rectangle 114"/>
+          <p:cNvSpPr/>
+          <p:nvPr/>
+        </p:nvSpPr>
+        <p:spPr>
+          <a:xfrm rot="13322342">
+            <a:off x="10287046" y="5083749"/>
+            <a:ext cx="216025" cy="72008"/>
+          </a:xfrm>
+          <a:prstGeom prst="rect">
+            <a:avLst/>
+          </a:prstGeom>
+          <a:solidFill>
+            <a:schemeClr val="tx1"/>
+          </a:solidFill>
+          <a:ln>
+            <a:solidFill>
+              <a:schemeClr val="tx1"/>
+            </a:solidFill>
+          </a:ln>
+        </p:spPr>
+        <p:style>
+          <a:lnRef idx="2">
+            <a:schemeClr val="accent1">
+              <a:shade val="50000"/>
+            </a:schemeClr>
+          </a:lnRef>
+          <a:fillRef idx="1">
+            <a:schemeClr val="accent1"/>
+          </a:fillRef>
+          <a:effectRef idx="0">
+            <a:schemeClr val="accent1"/>
+          </a:effectRef>
+          <a:fontRef idx="minor">
+            <a:schemeClr val="lt1"/>
+          </a:fontRef>
+        </p:style>
+        <p:txBody>
+          <a:bodyPr rtlCol="0" anchor="ctr"/>
+          <a:lstStyle/>
+          <a:p>
+            <a:pPr algn="ctr"/>
+            <a:endParaRPr lang="en-GB"/>
+          </a:p>
+        </p:txBody>
+      </p:sp>
+      <p:sp>
+        <p:nvSpPr>
+          <p:cNvPr id="116" name="Rectangle 115"/>
+          <p:cNvSpPr/>
+          <p:nvPr/>
+        </p:nvSpPr>
+        <p:spPr>
+          <a:xfrm rot="14553433">
+            <a:off x="8078317" y="6829489"/>
+            <a:ext cx="216025" cy="72008"/>
+          </a:xfrm>
+          <a:prstGeom prst="rect">
+            <a:avLst/>
+          </a:prstGeom>
+          <a:solidFill>
+            <a:schemeClr val="tx1"/>
+          </a:solidFill>
+          <a:ln>
+            <a:solidFill>
+              <a:schemeClr val="tx1"/>
+            </a:solidFill>
+          </a:ln>
+        </p:spPr>
+        <p:style>
+          <a:lnRef idx="2">
+            <a:schemeClr val="accent1">
+              <a:shade val="50000"/>
+            </a:schemeClr>
+          </a:lnRef>
+          <a:fillRef idx="1">
+            <a:schemeClr val="accent1"/>
+          </a:fillRef>
+          <a:effectRef idx="0">
+            <a:schemeClr val="accent1"/>
+          </a:effectRef>
+          <a:fontRef idx="minor">
+            <a:schemeClr val="lt1"/>
+          </a:fontRef>
+        </p:style>
+        <p:txBody>
+          <a:bodyPr rtlCol="0" anchor="ctr"/>
+          <a:lstStyle/>
+          <a:p>
+            <a:pPr algn="ctr"/>
+            <a:endParaRPr lang="en-GB"/>
+          </a:p>
+        </p:txBody>
+      </p:sp>
+      <p:sp>
+        <p:nvSpPr>
+          <p:cNvPr id="117" name="Rectangle 116"/>
+          <p:cNvSpPr/>
+          <p:nvPr/>
+        </p:nvSpPr>
+        <p:spPr>
+          <a:xfrm rot="16200000">
+            <a:off x="7870375" y="6130458"/>
+            <a:ext cx="216025" cy="72008"/>
+          </a:xfrm>
+          <a:prstGeom prst="rect">
+            <a:avLst/>
+          </a:prstGeom>
+          <a:solidFill>
+            <a:schemeClr val="tx1"/>
+          </a:solidFill>
+          <a:ln>
+            <a:solidFill>
+              <a:schemeClr val="tx1"/>
+            </a:solidFill>
+          </a:ln>
+        </p:spPr>
+        <p:style>
+          <a:lnRef idx="2">
+            <a:schemeClr val="accent1">
+              <a:shade val="50000"/>
+            </a:schemeClr>
+          </a:lnRef>
+          <a:fillRef idx="1">
+            <a:schemeClr val="accent1"/>
+          </a:fillRef>
+          <a:effectRef idx="0">
+            <a:schemeClr val="accent1"/>
+          </a:effectRef>
+          <a:fontRef idx="minor">
+            <a:schemeClr val="lt1"/>
+          </a:fontRef>
+        </p:style>
+        <p:txBody>
+          <a:bodyPr rtlCol="0" anchor="ctr"/>
+          <a:lstStyle/>
+          <a:p>
+            <a:pPr algn="ctr"/>
+            <a:endParaRPr lang="en-GB"/>
+          </a:p>
+        </p:txBody>
+      </p:sp>
+      <p:sp>
+        <p:nvSpPr>
+          <p:cNvPr id="118" name="Rectangle 117"/>
+          <p:cNvSpPr/>
+          <p:nvPr/>
+        </p:nvSpPr>
+        <p:spPr>
+          <a:xfrm rot="12624710">
+            <a:off x="8590320" y="7326713"/>
+            <a:ext cx="216024" cy="72008"/>
+          </a:xfrm>
+          <a:prstGeom prst="rect">
+            <a:avLst/>
+          </a:prstGeom>
+          <a:solidFill>
+            <a:schemeClr val="tx1"/>
+          </a:solidFill>
+          <a:ln>
+            <a:solidFill>
+              <a:schemeClr val="tx1"/>
+            </a:solidFill>
+          </a:ln>
+        </p:spPr>
+        <p:style>
+          <a:lnRef idx="2">
+            <a:schemeClr val="accent1">
+              <a:shade val="50000"/>
+            </a:schemeClr>
+          </a:lnRef>
+          <a:fillRef idx="1">
+            <a:schemeClr val="accent1"/>
+          </a:fillRef>
+          <a:effectRef idx="0">
+            <a:schemeClr val="accent1"/>
+          </a:effectRef>
+          <a:fontRef idx="minor">
+            <a:schemeClr val="lt1"/>
+          </a:fontRef>
+        </p:style>
+        <p:txBody>
+          <a:bodyPr rtlCol="0" anchor="ctr"/>
+          <a:lstStyle/>
+          <a:p>
+            <a:pPr algn="ctr"/>
+            <a:endParaRPr lang="en-GB"/>
+          </a:p>
+        </p:txBody>
+      </p:sp>
+      <p:sp>
+        <p:nvSpPr>
+          <p:cNvPr id="119" name="Rectangle 118"/>
+          <p:cNvSpPr/>
+          <p:nvPr/>
+        </p:nvSpPr>
+        <p:spPr>
+          <a:xfrm rot="13526096">
+            <a:off x="8290039" y="7103172"/>
+            <a:ext cx="216024" cy="72008"/>
+          </a:xfrm>
+          <a:prstGeom prst="rect">
+            <a:avLst/>
+          </a:prstGeom>
+          <a:solidFill>
+            <a:schemeClr val="tx1"/>
+          </a:solidFill>
+          <a:ln>
+            <a:solidFill>
+              <a:schemeClr val="tx1"/>
+            </a:solidFill>
+          </a:ln>
+        </p:spPr>
+        <p:style>
+          <a:lnRef idx="2">
+            <a:schemeClr val="accent1">
+              <a:shade val="50000"/>
+            </a:schemeClr>
+          </a:lnRef>
+          <a:fillRef idx="1">
+            <a:schemeClr val="accent1"/>
+          </a:fillRef>
+          <a:effectRef idx="0">
+            <a:schemeClr val="accent1"/>
+          </a:effectRef>
+          <a:fontRef idx="minor">
+            <a:schemeClr val="lt1"/>
+          </a:fontRef>
+        </p:style>
+        <p:txBody>
+          <a:bodyPr rtlCol="0" anchor="ctr"/>
+          <a:lstStyle/>
+          <a:p>
+            <a:pPr algn="ctr"/>
+            <a:endParaRPr lang="en-GB"/>
+          </a:p>
+        </p:txBody>
+      </p:sp>
+      <p:sp>
+        <p:nvSpPr>
+          <p:cNvPr id="120" name="Rectangle 119"/>
+          <p:cNvSpPr/>
+          <p:nvPr/>
+        </p:nvSpPr>
+        <p:spPr>
+          <a:xfrm>
+            <a:off x="4065461" y="4738579"/>
+            <a:ext cx="216024" cy="268891"/>
+          </a:xfrm>
+          <a:prstGeom prst="rect">
+            <a:avLst/>
+          </a:prstGeom>
+          <a:solidFill>
+            <a:schemeClr val="bg2">
+              <a:lumMod val="75000"/>
+            </a:schemeClr>
+          </a:solidFill>
+          <a:ln>
+            <a:solidFill>
+              <a:schemeClr val="bg2">
+                <a:lumMod val="75000"/>
+              </a:schemeClr>
+            </a:solidFill>
+          </a:ln>
+        </p:spPr>
+        <p:style>
+          <a:lnRef idx="2">
+            <a:schemeClr val="accent1">
+              <a:shade val="50000"/>
+            </a:schemeClr>
+          </a:lnRef>
+          <a:fillRef idx="1">
+            <a:schemeClr val="accent1"/>
+          </a:fillRef>
+          <a:effectRef idx="0">
+            <a:schemeClr val="accent1"/>
+          </a:effectRef>
+          <a:fontRef idx="minor">
+            <a:schemeClr val="lt1"/>
+          </a:fontRef>
+        </p:style>
+        <p:txBody>
+          <a:bodyPr rtlCol="0" anchor="ctr"/>
+          <a:lstStyle/>
+          <a:p>
+            <a:pPr algn="ctr"/>
+            <a:endParaRPr lang="en-GB"/>
+          </a:p>
+        </p:txBody>
+      </p:sp>
+      <p:sp>
+        <p:nvSpPr>
+          <p:cNvPr id="121" name="Rectangle 120"/>
+          <p:cNvSpPr/>
+          <p:nvPr/>
+        </p:nvSpPr>
+        <p:spPr>
+          <a:xfrm>
+            <a:off x="4065461" y="5143368"/>
+            <a:ext cx="216024" cy="243283"/>
+          </a:xfrm>
+          <a:prstGeom prst="rect">
+            <a:avLst/>
+          </a:prstGeom>
+          <a:solidFill>
+            <a:schemeClr val="tx1"/>
+          </a:solidFill>
+          <a:ln>
+            <a:solidFill>
+              <a:schemeClr val="tx1"/>
+            </a:solidFill>
+          </a:ln>
+        </p:spPr>
+        <p:style>
+          <a:lnRef idx="2">
+            <a:schemeClr val="accent1">
+              <a:shade val="50000"/>
+            </a:schemeClr>
+          </a:lnRef>
+          <a:fillRef idx="1">
+            <a:schemeClr val="accent1"/>
+          </a:fillRef>
+          <a:effectRef idx="0">
+            <a:schemeClr val="accent1"/>
+          </a:effectRef>
+          <a:fontRef idx="minor">
+            <a:schemeClr val="lt1"/>
+          </a:fontRef>
+        </p:style>
+        <p:txBody>
+          <a:bodyPr rtlCol="0" anchor="ctr"/>
+          <a:lstStyle/>
+          <a:p>
+            <a:pPr algn="ctr"/>
+            <a:endParaRPr lang="en-GB">
+              <a:ln>
+                <a:solidFill>
+                  <a:schemeClr val="tx1"/>
+                </a:solidFill>
+              </a:ln>
+            </a:endParaRPr>
+          </a:p>
+        </p:txBody>
+      </p:sp>
+      <p:sp>
+        <p:nvSpPr>
+          <p:cNvPr id="122" name="TextBox 121"/>
+          <p:cNvSpPr txBox="1"/>
+          <p:nvPr/>
+        </p:nvSpPr>
+        <p:spPr>
+          <a:xfrm>
+            <a:off x="4281486" y="4601748"/>
+            <a:ext cx="944554" cy="369332"/>
+          </a:xfrm>
+          <a:prstGeom prst="rect">
+            <a:avLst/>
+          </a:prstGeom>
+          <a:noFill/>
+        </p:spPr>
+        <p:txBody>
+          <a:bodyPr wrap="none" rtlCol="0">
+            <a:spAutoFit/>
+          </a:bodyPr>
+          <a:lstStyle/>
+          <a:p>
+            <a:r>
+              <a:rPr lang="en-GB" dirty="0" smtClean="0"/>
+              <a:t>Ceramic</a:t>
+            </a:r>
+            <a:endParaRPr lang="en-GB" dirty="0"/>
+          </a:p>
+        </p:txBody>
+      </p:sp>
+      <p:sp>
+        <p:nvSpPr>
+          <p:cNvPr id="123" name="TextBox 122"/>
+          <p:cNvSpPr txBox="1"/>
+          <p:nvPr/>
+        </p:nvSpPr>
+        <p:spPr>
+          <a:xfrm>
+            <a:off x="4281486" y="5018521"/>
+            <a:ext cx="1169872" cy="369332"/>
+          </a:xfrm>
+          <a:prstGeom prst="rect">
+            <a:avLst/>
+          </a:prstGeom>
+          <a:noFill/>
+        </p:spPr>
+        <p:txBody>
+          <a:bodyPr wrap="none" rtlCol="0">
+            <a:spAutoFit/>
+          </a:bodyPr>
+          <a:lstStyle/>
+          <a:p>
+            <a:r>
+              <a:rPr lang="en-GB" dirty="0" smtClean="0"/>
+              <a:t>Conductor</a:t>
+            </a:r>
+            <a:endParaRPr lang="en-GB" dirty="0"/>
+          </a:p>
+        </p:txBody>
+      </p:sp>
+      <p:sp>
+        <p:nvSpPr>
+          <p:cNvPr id="124" name="Rectangle 123"/>
+          <p:cNvSpPr/>
+          <p:nvPr/>
+        </p:nvSpPr>
+        <p:spPr>
+          <a:xfrm rot="20808089">
+            <a:off x="9597611" y="7472154"/>
+            <a:ext cx="216024" cy="72008"/>
+          </a:xfrm>
+          <a:prstGeom prst="rect">
+            <a:avLst/>
+          </a:prstGeom>
+          <a:solidFill>
+            <a:schemeClr val="tx1"/>
+          </a:solidFill>
+          <a:ln>
+            <a:solidFill>
+              <a:schemeClr val="tx1"/>
+            </a:solidFill>
+          </a:ln>
+        </p:spPr>
+        <p:style>
+          <a:lnRef idx="2">
+            <a:schemeClr val="accent1">
+              <a:shade val="50000"/>
+            </a:schemeClr>
+          </a:lnRef>
+          <a:fillRef idx="1">
+            <a:schemeClr val="accent1"/>
+          </a:fillRef>
+          <a:effectRef idx="0">
+            <a:schemeClr val="accent1"/>
+          </a:effectRef>
+          <a:fontRef idx="minor">
+            <a:schemeClr val="lt1"/>
+          </a:fontRef>
+        </p:style>
+        <p:txBody>
+          <a:bodyPr rtlCol="0" anchor="ctr"/>
+          <a:lstStyle/>
+          <a:p>
+            <a:pPr algn="ctr"/>
+            <a:endParaRPr lang="en-GB"/>
+          </a:p>
+        </p:txBody>
+      </p:sp>
+      <p:sp>
+        <p:nvSpPr>
+          <p:cNvPr id="125" name="Rectangle 124"/>
+          <p:cNvSpPr/>
+          <p:nvPr/>
+        </p:nvSpPr>
+        <p:spPr>
+          <a:xfrm rot="11852315">
+            <a:off x="8899116" y="7455578"/>
+            <a:ext cx="216024" cy="72008"/>
+          </a:xfrm>
+          <a:prstGeom prst="rect">
+            <a:avLst/>
+          </a:prstGeom>
+          <a:solidFill>
+            <a:schemeClr val="tx1"/>
+          </a:solidFill>
+          <a:ln>
+            <a:solidFill>
+              <a:schemeClr val="tx1"/>
+            </a:solidFill>
+          </a:ln>
+        </p:spPr>
+        <p:style>
+          <a:lnRef idx="2">
+            <a:schemeClr val="accent1">
+              <a:shade val="50000"/>
+            </a:schemeClr>
+          </a:lnRef>
+          <a:fillRef idx="1">
+            <a:schemeClr val="accent1"/>
+          </a:fillRef>
+          <a:effectRef idx="0">
+            <a:schemeClr val="accent1"/>
+          </a:effectRef>
+          <a:fontRef idx="minor">
+            <a:schemeClr val="lt1"/>
+          </a:fontRef>
+        </p:style>
+        <p:txBody>
+          <a:bodyPr rtlCol="0" anchor="ctr"/>
+          <a:lstStyle/>
+          <a:p>
+            <a:pPr algn="ctr"/>
+            <a:endParaRPr lang="en-GB"/>
+          </a:p>
+        </p:txBody>
+      </p:sp>
+      <p:sp>
+        <p:nvSpPr>
+          <p:cNvPr id="126" name="Rectangle 125"/>
+          <p:cNvSpPr/>
+          <p:nvPr/>
+        </p:nvSpPr>
+        <p:spPr>
+          <a:xfrm rot="20317571">
+            <a:off x="9947365" y="7342298"/>
+            <a:ext cx="216024" cy="72008"/>
+          </a:xfrm>
+          <a:prstGeom prst="rect">
+            <a:avLst/>
+          </a:prstGeom>
+          <a:solidFill>
+            <a:schemeClr val="tx1"/>
+          </a:solidFill>
+          <a:ln>
+            <a:solidFill>
+              <a:schemeClr val="tx1"/>
+            </a:solidFill>
+          </a:ln>
+        </p:spPr>
+        <p:style>
+          <a:lnRef idx="2">
+            <a:schemeClr val="accent1">
+              <a:shade val="50000"/>
+            </a:schemeClr>
+          </a:lnRef>
+          <a:fillRef idx="1">
+            <a:schemeClr val="accent1"/>
+          </a:fillRef>
+          <a:effectRef idx="0">
+            <a:schemeClr val="accent1"/>
+          </a:effectRef>
+          <a:fontRef idx="minor">
+            <a:schemeClr val="lt1"/>
+          </a:fontRef>
+        </p:style>
+        <p:txBody>
+          <a:bodyPr rtlCol="0" anchor="ctr"/>
+          <a:lstStyle/>
+          <a:p>
+            <a:pPr algn="ctr"/>
+            <a:endParaRPr lang="en-GB"/>
+          </a:p>
+        </p:txBody>
+      </p:sp>
+      <p:sp>
+        <p:nvSpPr>
+          <p:cNvPr id="94" name="Rectangle 93"/>
+          <p:cNvSpPr/>
+          <p:nvPr/>
+        </p:nvSpPr>
+        <p:spPr>
+          <a:xfrm>
+            <a:off x="6156771" y="4548587"/>
+            <a:ext cx="1166494" cy="4524521"/>
+          </a:xfrm>
+          <a:prstGeom prst="rect">
+            <a:avLst/>
+          </a:prstGeom>
+          <a:solidFill>
+            <a:srgbClr val="FF0000"/>
+          </a:solidFill>
+          <a:ln>
+            <a:noFill/>
+          </a:ln>
+        </p:spPr>
+        <p:style>
+          <a:lnRef idx="2">
+            <a:schemeClr val="accent1">
+              <a:shade val="50000"/>
+            </a:schemeClr>
+          </a:lnRef>
+          <a:fillRef idx="1">
+            <a:schemeClr val="accent1"/>
+          </a:fillRef>
+          <a:effectRef idx="0">
+            <a:schemeClr val="accent1"/>
+          </a:effectRef>
+          <a:fontRef idx="minor">
+            <a:schemeClr val="lt1"/>
+          </a:fontRef>
+        </p:style>
+        <p:txBody>
+          <a:bodyPr rtlCol="0" anchor="ctr"/>
+          <a:lstStyle/>
+          <a:p>
+            <a:pPr algn="ctr"/>
+            <a:endParaRPr lang="en-GB"/>
+          </a:p>
+        </p:txBody>
+      </p:sp>
+      <p:sp>
+        <p:nvSpPr>
+          <p:cNvPr id="129" name="Rectangle 128"/>
+          <p:cNvSpPr/>
+          <p:nvPr/>
+        </p:nvSpPr>
+        <p:spPr>
+          <a:xfrm>
+            <a:off x="7172026" y="7943679"/>
+            <a:ext cx="4234146" cy="1129429"/>
+          </a:xfrm>
+          <a:prstGeom prst="rect">
+            <a:avLst/>
+          </a:prstGeom>
+          <a:solidFill>
+            <a:srgbClr val="FF0000"/>
+          </a:solidFill>
+          <a:ln>
+            <a:noFill/>
+          </a:ln>
+        </p:spPr>
+        <p:style>
+          <a:lnRef idx="2">
+            <a:schemeClr val="accent1">
+              <a:shade val="50000"/>
+            </a:schemeClr>
+          </a:lnRef>
+          <a:fillRef idx="1">
+            <a:schemeClr val="accent1"/>
+          </a:fillRef>
+          <a:effectRef idx="0">
+            <a:schemeClr val="accent1"/>
+          </a:effectRef>
+          <a:fontRef idx="minor">
+            <a:schemeClr val="lt1"/>
+          </a:fontRef>
+        </p:style>
+        <p:txBody>
+          <a:bodyPr rtlCol="0" anchor="ctr"/>
+          <a:lstStyle/>
+          <a:p>
+            <a:pPr algn="ctr"/>
+            <a:endParaRPr lang="en-GB"/>
+          </a:p>
+        </p:txBody>
+      </p:sp>
+      <p:sp>
+        <p:nvSpPr>
+          <p:cNvPr id="131" name="Rectangle 130"/>
+          <p:cNvSpPr/>
+          <p:nvPr/>
+        </p:nvSpPr>
+        <p:spPr>
+          <a:xfrm>
+            <a:off x="11406172" y="4548586"/>
+            <a:ext cx="1166494" cy="4524521"/>
+          </a:xfrm>
+          <a:prstGeom prst="rect">
+            <a:avLst/>
+          </a:prstGeom>
+          <a:solidFill>
+            <a:srgbClr val="FF0000"/>
+          </a:solidFill>
+          <a:ln>
+            <a:noFill/>
+          </a:ln>
+        </p:spPr>
+        <p:style>
+          <a:lnRef idx="2">
+            <a:schemeClr val="accent1">
+              <a:shade val="50000"/>
+            </a:schemeClr>
+          </a:lnRef>
+          <a:fillRef idx="1">
+            <a:schemeClr val="accent1"/>
+          </a:fillRef>
+          <a:effectRef idx="0">
+            <a:schemeClr val="accent1"/>
+          </a:effectRef>
+          <a:fontRef idx="minor">
+            <a:schemeClr val="lt1"/>
+          </a:fontRef>
+        </p:style>
+        <p:txBody>
+          <a:bodyPr rtlCol="0" anchor="ctr"/>
+          <a:lstStyle/>
+          <a:p>
+            <a:pPr algn="ctr"/>
+            <a:endParaRPr lang="en-GB"/>
+          </a:p>
+        </p:txBody>
+      </p:sp>
+      <p:sp>
+        <p:nvSpPr>
+          <p:cNvPr id="127" name="Rectangle 126"/>
+          <p:cNvSpPr/>
+          <p:nvPr/>
+        </p:nvSpPr>
+        <p:spPr>
+          <a:xfrm>
+            <a:off x="7596931" y="6705477"/>
+            <a:ext cx="3600400" cy="1296144"/>
+          </a:xfrm>
+          <a:prstGeom prst="rect">
+            <a:avLst/>
+          </a:prstGeom>
+          <a:noFill/>
+          <a:ln w="57150">
+            <a:solidFill>
+              <a:schemeClr val="tx1"/>
+            </a:solidFill>
+          </a:ln>
+        </p:spPr>
+        <p:style>
+          <a:lnRef idx="2">
+            <a:schemeClr val="accent1">
+              <a:shade val="50000"/>
+            </a:schemeClr>
+          </a:lnRef>
+          <a:fillRef idx="1">
+            <a:schemeClr val="accent1"/>
+          </a:fillRef>
+          <a:effectRef idx="0">
+            <a:schemeClr val="accent1"/>
+          </a:effectRef>
+          <a:fontRef idx="minor">
+            <a:schemeClr val="lt1"/>
+          </a:fontRef>
+        </p:style>
+        <p:txBody>
+          <a:bodyPr rtlCol="0" anchor="ctr"/>
+          <a:lstStyle/>
+          <a:p>
+            <a:pPr algn="ctr"/>
+            <a:endParaRPr lang="en-GB">
+              <a:solidFill>
+                <a:schemeClr val="tx2"/>
+              </a:solidFill>
+            </a:endParaRPr>
+          </a:p>
+        </p:txBody>
+      </p:sp>
+      <p:sp>
+        <p:nvSpPr>
+          <p:cNvPr id="132" name="Rectangle 131"/>
+          <p:cNvSpPr/>
+          <p:nvPr/>
+        </p:nvSpPr>
+        <p:spPr>
+          <a:xfrm>
+            <a:off x="4065462" y="5539504"/>
+            <a:ext cx="216024" cy="243283"/>
+          </a:xfrm>
+          <a:prstGeom prst="rect">
+            <a:avLst/>
+          </a:prstGeom>
+          <a:solidFill>
+            <a:srgbClr val="FF0000"/>
+          </a:solidFill>
+          <a:ln>
+            <a:solidFill>
+              <a:srgbClr val="FF0000"/>
+            </a:solidFill>
+          </a:ln>
+        </p:spPr>
+        <p:style>
+          <a:lnRef idx="2">
+            <a:schemeClr val="accent1">
+              <a:shade val="50000"/>
+            </a:schemeClr>
+          </a:lnRef>
+          <a:fillRef idx="1">
+            <a:schemeClr val="accent1"/>
+          </a:fillRef>
+          <a:effectRef idx="0">
+            <a:schemeClr val="accent1"/>
+          </a:effectRef>
+          <a:fontRef idx="minor">
+            <a:schemeClr val="lt1"/>
+          </a:fontRef>
+        </p:style>
+        <p:txBody>
+          <a:bodyPr rtlCol="0" anchor="ctr"/>
+          <a:lstStyle/>
+          <a:p>
+            <a:pPr algn="ctr"/>
+            <a:endParaRPr lang="en-GB">
+              <a:ln>
+                <a:solidFill>
+                  <a:schemeClr val="tx1"/>
+                </a:solidFill>
+              </a:ln>
+            </a:endParaRPr>
+          </a:p>
+        </p:txBody>
+      </p:sp>
+      <p:sp>
+        <p:nvSpPr>
+          <p:cNvPr id="133" name="TextBox 132"/>
+          <p:cNvSpPr txBox="1"/>
+          <p:nvPr/>
+        </p:nvSpPr>
+        <p:spPr>
+          <a:xfrm>
+            <a:off x="4309363" y="5420754"/>
+            <a:ext cx="1218475" cy="553998"/>
+          </a:xfrm>
+          <a:prstGeom prst="rect">
+            <a:avLst/>
+          </a:prstGeom>
+          <a:noFill/>
+        </p:spPr>
+        <p:txBody>
+          <a:bodyPr wrap="none" rtlCol="0">
+            <a:spAutoFit/>
+          </a:bodyPr>
+          <a:lstStyle/>
+          <a:p>
+            <a:r>
+              <a:rPr lang="en-GB" dirty="0" smtClean="0"/>
+              <a:t>Ferrite</a:t>
             </a:r>
             <a:endParaRPr lang="en-GB" dirty="0"/>
           </a:p>

--- a/MKIImpedancePoster/introductionPicture.pptx
+++ b/MKIImpedancePoster/introductionPicture.pptx
@@ -10,14 +10,14 @@
   <p:sldIdLst>
     <p:sldId id="256" r:id="rId2"/>
   </p:sldIdLst>
-  <p:sldSz cx="12601575" cy="14401800"/>
+  <p:sldSz cx="19802475" cy="18002250"/>
   <p:notesSz cx="6858000" cy="9144000"/>
   <p:defaultTextStyle>
     <a:defPPr>
       <a:defRPr lang="en-US"/>
     </a:defPPr>
-    <a:lvl1pPr marL="0" algn="l" defTabSz="1543050" rtl="0" eaLnBrk="1" latinLnBrk="0" hangingPunct="1">
-      <a:defRPr sz="3000" kern="1200">
+    <a:lvl1pPr marL="0" algn="l" defTabSz="1905975" rtl="0" eaLnBrk="1" latinLnBrk="0" hangingPunct="1">
+      <a:defRPr sz="3700" kern="1200">
         <a:solidFill>
           <a:schemeClr val="tx1"/>
         </a:solidFill>
@@ -26,8 +26,8 @@
         <a:cs typeface="+mn-cs"/>
       </a:defRPr>
     </a:lvl1pPr>
-    <a:lvl2pPr marL="771525" algn="l" defTabSz="1543050" rtl="0" eaLnBrk="1" latinLnBrk="0" hangingPunct="1">
-      <a:defRPr sz="3000" kern="1200">
+    <a:lvl2pPr marL="952988" algn="l" defTabSz="1905975" rtl="0" eaLnBrk="1" latinLnBrk="0" hangingPunct="1">
+      <a:defRPr sz="3700" kern="1200">
         <a:solidFill>
           <a:schemeClr val="tx1"/>
         </a:solidFill>
@@ -36,8 +36,8 @@
         <a:cs typeface="+mn-cs"/>
       </a:defRPr>
     </a:lvl2pPr>
-    <a:lvl3pPr marL="1543050" algn="l" defTabSz="1543050" rtl="0" eaLnBrk="1" latinLnBrk="0" hangingPunct="1">
-      <a:defRPr sz="3000" kern="1200">
+    <a:lvl3pPr marL="1905975" algn="l" defTabSz="1905975" rtl="0" eaLnBrk="1" latinLnBrk="0" hangingPunct="1">
+      <a:defRPr sz="3700" kern="1200">
         <a:solidFill>
           <a:schemeClr val="tx1"/>
         </a:solidFill>
@@ -46,8 +46,8 @@
         <a:cs typeface="+mn-cs"/>
       </a:defRPr>
     </a:lvl3pPr>
-    <a:lvl4pPr marL="2314575" algn="l" defTabSz="1543050" rtl="0" eaLnBrk="1" latinLnBrk="0" hangingPunct="1">
-      <a:defRPr sz="3000" kern="1200">
+    <a:lvl4pPr marL="2858963" algn="l" defTabSz="1905975" rtl="0" eaLnBrk="1" latinLnBrk="0" hangingPunct="1">
+      <a:defRPr sz="3700" kern="1200">
         <a:solidFill>
           <a:schemeClr val="tx1"/>
         </a:solidFill>
@@ -56,8 +56,8 @@
         <a:cs typeface="+mn-cs"/>
       </a:defRPr>
     </a:lvl4pPr>
-    <a:lvl5pPr marL="3086100" algn="l" defTabSz="1543050" rtl="0" eaLnBrk="1" latinLnBrk="0" hangingPunct="1">
-      <a:defRPr sz="3000" kern="1200">
+    <a:lvl5pPr marL="3811951" algn="l" defTabSz="1905975" rtl="0" eaLnBrk="1" latinLnBrk="0" hangingPunct="1">
+      <a:defRPr sz="3700" kern="1200">
         <a:solidFill>
           <a:schemeClr val="tx1"/>
         </a:solidFill>
@@ -66,8 +66,8 @@
         <a:cs typeface="+mn-cs"/>
       </a:defRPr>
     </a:lvl5pPr>
-    <a:lvl6pPr marL="3857625" algn="l" defTabSz="1543050" rtl="0" eaLnBrk="1" latinLnBrk="0" hangingPunct="1">
-      <a:defRPr sz="3000" kern="1200">
+    <a:lvl6pPr marL="4764938" algn="l" defTabSz="1905975" rtl="0" eaLnBrk="1" latinLnBrk="0" hangingPunct="1">
+      <a:defRPr sz="3700" kern="1200">
         <a:solidFill>
           <a:schemeClr val="tx1"/>
         </a:solidFill>
@@ -76,8 +76,8 @@
         <a:cs typeface="+mn-cs"/>
       </a:defRPr>
     </a:lvl6pPr>
-    <a:lvl7pPr marL="4629150" algn="l" defTabSz="1543050" rtl="0" eaLnBrk="1" latinLnBrk="0" hangingPunct="1">
-      <a:defRPr sz="3000" kern="1200">
+    <a:lvl7pPr marL="5717926" algn="l" defTabSz="1905975" rtl="0" eaLnBrk="1" latinLnBrk="0" hangingPunct="1">
+      <a:defRPr sz="3700" kern="1200">
         <a:solidFill>
           <a:schemeClr val="tx1"/>
         </a:solidFill>
@@ -86,8 +86,8 @@
         <a:cs typeface="+mn-cs"/>
       </a:defRPr>
     </a:lvl7pPr>
-    <a:lvl8pPr marL="5400675" algn="l" defTabSz="1543050" rtl="0" eaLnBrk="1" latinLnBrk="0" hangingPunct="1">
-      <a:defRPr sz="3000" kern="1200">
+    <a:lvl8pPr marL="6670914" algn="l" defTabSz="1905975" rtl="0" eaLnBrk="1" latinLnBrk="0" hangingPunct="1">
+      <a:defRPr sz="3700" kern="1200">
         <a:solidFill>
           <a:schemeClr val="tx1"/>
         </a:solidFill>
@@ -96,8 +96,8 @@
         <a:cs typeface="+mn-cs"/>
       </a:defRPr>
     </a:lvl8pPr>
-    <a:lvl9pPr marL="6172200" algn="l" defTabSz="1543050" rtl="0" eaLnBrk="1" latinLnBrk="0" hangingPunct="1">
-      <a:defRPr sz="3000" kern="1200">
+    <a:lvl9pPr marL="7623901" algn="l" defTabSz="1905975" rtl="0" eaLnBrk="1" latinLnBrk="0" hangingPunct="1">
+      <a:defRPr sz="3700" kern="1200">
         <a:solidFill>
           <a:schemeClr val="tx1"/>
         </a:solidFill>
@@ -192,7 +192,7 @@
           <a:p>
             <a:fld id="{09973353-A222-4BB2-9810-F11B29D6B68C}" type="datetimeFigureOut">
               <a:rPr lang="en-GB" smtClean="0"/>
-              <a:t>05/06/2014</a:t>
+              <a:t>10/06/2014</a:t>
             </a:fld>
             <a:endParaRPr lang="en-GB"/>
           </a:p>
@@ -210,8 +210,8 @@
         </p:nvSpPr>
         <p:spPr>
           <a:xfrm>
-            <a:off x="1928813" y="685800"/>
-            <a:ext cx="3000375" cy="3429000"/>
+            <a:off x="1543050" y="685800"/>
+            <a:ext cx="3771900" cy="3429000"/>
           </a:xfrm>
           <a:prstGeom prst="rect">
             <a:avLst/>
@@ -366,8 +366,8 @@
   </p:cSld>
   <p:clrMap bg1="lt1" tx1="dk1" bg2="lt2" tx2="dk2" accent1="accent1" accent2="accent2" accent3="accent3" accent4="accent4" accent5="accent5" accent6="accent6" hlink="hlink" folHlink="folHlink"/>
   <p:notesStyle>
-    <a:lvl1pPr marL="0" algn="l" defTabSz="1543050" rtl="0" eaLnBrk="1" latinLnBrk="0" hangingPunct="1">
-      <a:defRPr sz="2000" kern="1200">
+    <a:lvl1pPr marL="0" algn="l" defTabSz="1905975" rtl="0" eaLnBrk="1" latinLnBrk="0" hangingPunct="1">
+      <a:defRPr sz="2500" kern="1200">
         <a:solidFill>
           <a:schemeClr val="tx1"/>
         </a:solidFill>
@@ -376,8 +376,8 @@
         <a:cs typeface="+mn-cs"/>
       </a:defRPr>
     </a:lvl1pPr>
-    <a:lvl2pPr marL="771525" algn="l" defTabSz="1543050" rtl="0" eaLnBrk="1" latinLnBrk="0" hangingPunct="1">
-      <a:defRPr sz="2000" kern="1200">
+    <a:lvl2pPr marL="952988" algn="l" defTabSz="1905975" rtl="0" eaLnBrk="1" latinLnBrk="0" hangingPunct="1">
+      <a:defRPr sz="2500" kern="1200">
         <a:solidFill>
           <a:schemeClr val="tx1"/>
         </a:solidFill>
@@ -386,8 +386,8 @@
         <a:cs typeface="+mn-cs"/>
       </a:defRPr>
     </a:lvl2pPr>
-    <a:lvl3pPr marL="1543050" algn="l" defTabSz="1543050" rtl="0" eaLnBrk="1" latinLnBrk="0" hangingPunct="1">
-      <a:defRPr sz="2000" kern="1200">
+    <a:lvl3pPr marL="1905975" algn="l" defTabSz="1905975" rtl="0" eaLnBrk="1" latinLnBrk="0" hangingPunct="1">
+      <a:defRPr sz="2500" kern="1200">
         <a:solidFill>
           <a:schemeClr val="tx1"/>
         </a:solidFill>
@@ -396,8 +396,8 @@
         <a:cs typeface="+mn-cs"/>
       </a:defRPr>
     </a:lvl3pPr>
-    <a:lvl4pPr marL="2314575" algn="l" defTabSz="1543050" rtl="0" eaLnBrk="1" latinLnBrk="0" hangingPunct="1">
-      <a:defRPr sz="2000" kern="1200">
+    <a:lvl4pPr marL="2858963" algn="l" defTabSz="1905975" rtl="0" eaLnBrk="1" latinLnBrk="0" hangingPunct="1">
+      <a:defRPr sz="2500" kern="1200">
         <a:solidFill>
           <a:schemeClr val="tx1"/>
         </a:solidFill>
@@ -406,8 +406,8 @@
         <a:cs typeface="+mn-cs"/>
       </a:defRPr>
     </a:lvl4pPr>
-    <a:lvl5pPr marL="3086100" algn="l" defTabSz="1543050" rtl="0" eaLnBrk="1" latinLnBrk="0" hangingPunct="1">
-      <a:defRPr sz="2000" kern="1200">
+    <a:lvl5pPr marL="3811951" algn="l" defTabSz="1905975" rtl="0" eaLnBrk="1" latinLnBrk="0" hangingPunct="1">
+      <a:defRPr sz="2500" kern="1200">
         <a:solidFill>
           <a:schemeClr val="tx1"/>
         </a:solidFill>
@@ -416,8 +416,8 @@
         <a:cs typeface="+mn-cs"/>
       </a:defRPr>
     </a:lvl5pPr>
-    <a:lvl6pPr marL="3857625" algn="l" defTabSz="1543050" rtl="0" eaLnBrk="1" latinLnBrk="0" hangingPunct="1">
-      <a:defRPr sz="2000" kern="1200">
+    <a:lvl6pPr marL="4764938" algn="l" defTabSz="1905975" rtl="0" eaLnBrk="1" latinLnBrk="0" hangingPunct="1">
+      <a:defRPr sz="2500" kern="1200">
         <a:solidFill>
           <a:schemeClr val="tx1"/>
         </a:solidFill>
@@ -426,8 +426,8 @@
         <a:cs typeface="+mn-cs"/>
       </a:defRPr>
     </a:lvl6pPr>
-    <a:lvl7pPr marL="4629150" algn="l" defTabSz="1543050" rtl="0" eaLnBrk="1" latinLnBrk="0" hangingPunct="1">
-      <a:defRPr sz="2000" kern="1200">
+    <a:lvl7pPr marL="5717926" algn="l" defTabSz="1905975" rtl="0" eaLnBrk="1" latinLnBrk="0" hangingPunct="1">
+      <a:defRPr sz="2500" kern="1200">
         <a:solidFill>
           <a:schemeClr val="tx1"/>
         </a:solidFill>
@@ -436,8 +436,8 @@
         <a:cs typeface="+mn-cs"/>
       </a:defRPr>
     </a:lvl7pPr>
-    <a:lvl8pPr marL="5400675" algn="l" defTabSz="1543050" rtl="0" eaLnBrk="1" latinLnBrk="0" hangingPunct="1">
-      <a:defRPr sz="2000" kern="1200">
+    <a:lvl8pPr marL="6670914" algn="l" defTabSz="1905975" rtl="0" eaLnBrk="1" latinLnBrk="0" hangingPunct="1">
+      <a:defRPr sz="2500" kern="1200">
         <a:solidFill>
           <a:schemeClr val="tx1"/>
         </a:solidFill>
@@ -446,8 +446,8 @@
         <a:cs typeface="+mn-cs"/>
       </a:defRPr>
     </a:lvl8pPr>
-    <a:lvl9pPr marL="6172200" algn="l" defTabSz="1543050" rtl="0" eaLnBrk="1" latinLnBrk="0" hangingPunct="1">
-      <a:defRPr sz="2000" kern="1200">
+    <a:lvl9pPr marL="7623901" algn="l" defTabSz="1905975" rtl="0" eaLnBrk="1" latinLnBrk="0" hangingPunct="1">
+      <a:defRPr sz="2500" kern="1200">
         <a:solidFill>
           <a:schemeClr val="tx1"/>
         </a:solidFill>
@@ -487,7 +487,12 @@
             <p:ph type="sldImg"/>
           </p:nvPr>
         </p:nvSpPr>
-        <p:spPr/>
+        <p:spPr>
+          <a:xfrm>
+            <a:off x="1543050" y="685800"/>
+            <a:ext cx="3771900" cy="3429000"/>
+          </a:xfrm>
+        </p:spPr>
       </p:sp>
       <p:sp>
         <p:nvSpPr>
@@ -573,8 +578,8 @@
         </p:nvSpPr>
         <p:spPr>
           <a:xfrm>
-            <a:off x="945118" y="4473893"/>
-            <a:ext cx="10711339" cy="3087053"/>
+            <a:off x="1485186" y="5592368"/>
+            <a:ext cx="16832105" cy="3858816"/>
           </a:xfrm>
         </p:spPr>
         <p:txBody>
@@ -601,8 +606,8 @@
         </p:nvSpPr>
         <p:spPr>
           <a:xfrm>
-            <a:off x="1890236" y="8161020"/>
-            <a:ext cx="8821103" cy="3680460"/>
+            <a:off x="2970372" y="10201275"/>
+            <a:ext cx="13861733" cy="4600575"/>
           </a:xfrm>
         </p:spPr>
         <p:txBody>
@@ -618,7 +623,7 @@
                 </a:solidFill>
               </a:defRPr>
             </a:lvl1pPr>
-            <a:lvl2pPr marL="771525" indent="0" algn="ctr">
+            <a:lvl2pPr marL="952988" indent="0" algn="ctr">
               <a:buNone/>
               <a:defRPr>
                 <a:solidFill>
@@ -628,7 +633,7 @@
                 </a:solidFill>
               </a:defRPr>
             </a:lvl2pPr>
-            <a:lvl3pPr marL="1543050" indent="0" algn="ctr">
+            <a:lvl3pPr marL="1905975" indent="0" algn="ctr">
               <a:buNone/>
               <a:defRPr>
                 <a:solidFill>
@@ -638,7 +643,7 @@
                 </a:solidFill>
               </a:defRPr>
             </a:lvl3pPr>
-            <a:lvl4pPr marL="2314575" indent="0" algn="ctr">
+            <a:lvl4pPr marL="2858963" indent="0" algn="ctr">
               <a:buNone/>
               <a:defRPr>
                 <a:solidFill>
@@ -648,7 +653,7 @@
                 </a:solidFill>
               </a:defRPr>
             </a:lvl4pPr>
-            <a:lvl5pPr marL="3086100" indent="0" algn="ctr">
+            <a:lvl5pPr marL="3811951" indent="0" algn="ctr">
               <a:buNone/>
               <a:defRPr>
                 <a:solidFill>
@@ -658,7 +663,7 @@
                 </a:solidFill>
               </a:defRPr>
             </a:lvl5pPr>
-            <a:lvl6pPr marL="3857625" indent="0" algn="ctr">
+            <a:lvl6pPr marL="4764938" indent="0" algn="ctr">
               <a:buNone/>
               <a:defRPr>
                 <a:solidFill>
@@ -668,7 +673,7 @@
                 </a:solidFill>
               </a:defRPr>
             </a:lvl6pPr>
-            <a:lvl7pPr marL="4629150" indent="0" algn="ctr">
+            <a:lvl7pPr marL="5717926" indent="0" algn="ctr">
               <a:buNone/>
               <a:defRPr>
                 <a:solidFill>
@@ -678,7 +683,7 @@
                 </a:solidFill>
               </a:defRPr>
             </a:lvl7pPr>
-            <a:lvl8pPr marL="5400675" indent="0" algn="ctr">
+            <a:lvl8pPr marL="6670914" indent="0" algn="ctr">
               <a:buNone/>
               <a:defRPr>
                 <a:solidFill>
@@ -688,7 +693,7 @@
                 </a:solidFill>
               </a:defRPr>
             </a:lvl8pPr>
-            <a:lvl9pPr marL="6172200" indent="0" algn="ctr">
+            <a:lvl9pPr marL="7623901" indent="0" algn="ctr">
               <a:buNone/>
               <a:defRPr>
                 <a:solidFill>
@@ -725,7 +730,7 @@
           <a:p>
             <a:fld id="{68AEE693-7654-4C3E-BEAD-B1DD9C3DAA08}" type="datetimeFigureOut">
               <a:rPr lang="en-GB" smtClean="0"/>
-              <a:t>04/06/2014</a:t>
+              <a:t>10/06/2014</a:t>
             </a:fld>
             <a:endParaRPr lang="en-GB"/>
           </a:p>
@@ -895,7 +900,7 @@
           <a:p>
             <a:fld id="{68AEE693-7654-4C3E-BEAD-B1DD9C3DAA08}" type="datetimeFigureOut">
               <a:rPr lang="en-GB" smtClean="0"/>
-              <a:t>04/06/2014</a:t>
+              <a:t>10/06/2014</a:t>
             </a:fld>
             <a:endParaRPr lang="en-GB"/>
           </a:p>
@@ -985,8 +990,8 @@
         </p:nvSpPr>
         <p:spPr>
           <a:xfrm>
-            <a:off x="12590638" y="1210153"/>
-            <a:ext cx="3907363" cy="25806558"/>
+            <a:off x="19785290" y="1512691"/>
+            <a:ext cx="6140141" cy="32258198"/>
           </a:xfrm>
         </p:spPr>
         <p:txBody>
@@ -1013,8 +1018,8 @@
         </p:nvSpPr>
         <p:spPr>
           <a:xfrm>
-            <a:off x="868547" y="1210153"/>
-            <a:ext cx="11512064" cy="25806558"/>
+            <a:off x="1364860" y="1512691"/>
+            <a:ext cx="18090386" cy="32258198"/>
           </a:xfrm>
         </p:spPr>
         <p:txBody>
@@ -1075,7 +1080,7 @@
           <a:p>
             <a:fld id="{68AEE693-7654-4C3E-BEAD-B1DD9C3DAA08}" type="datetimeFigureOut">
               <a:rPr lang="en-GB" smtClean="0"/>
-              <a:t>04/06/2014</a:t>
+              <a:t>10/06/2014</a:t>
             </a:fld>
             <a:endParaRPr lang="en-GB"/>
           </a:p>
@@ -1245,7 +1250,7 @@
           <a:p>
             <a:fld id="{68AEE693-7654-4C3E-BEAD-B1DD9C3DAA08}" type="datetimeFigureOut">
               <a:rPr lang="en-GB" smtClean="0"/>
-              <a:t>04/06/2014</a:t>
+              <a:t>10/06/2014</a:t>
             </a:fld>
             <a:endParaRPr lang="en-GB"/>
           </a:p>
@@ -1335,15 +1340,15 @@
         </p:nvSpPr>
         <p:spPr>
           <a:xfrm>
-            <a:off x="995437" y="9254491"/>
-            <a:ext cx="10711339" cy="2860358"/>
+            <a:off x="1564259" y="11568114"/>
+            <a:ext cx="16832105" cy="3575448"/>
           </a:xfrm>
         </p:spPr>
         <p:txBody>
           <a:bodyPr anchor="t"/>
           <a:lstStyle>
             <a:lvl1pPr algn="l">
-              <a:defRPr sz="6800" b="1" cap="all"/>
+              <a:defRPr sz="8400" b="1" cap="all"/>
             </a:lvl1pPr>
           </a:lstStyle>
           <a:p>
@@ -1367,8 +1372,8 @@
         </p:nvSpPr>
         <p:spPr>
           <a:xfrm>
-            <a:off x="995437" y="6104098"/>
-            <a:ext cx="10711339" cy="3150393"/>
+            <a:off x="1564259" y="7630125"/>
+            <a:ext cx="16832105" cy="3937991"/>
           </a:xfrm>
         </p:spPr>
         <p:txBody>
@@ -1376,7 +1381,7 @@
           <a:lstStyle>
             <a:lvl1pPr marL="0" indent="0">
               <a:buNone/>
-              <a:defRPr sz="3400">
+              <a:defRPr sz="4200">
                 <a:solidFill>
                   <a:schemeClr val="tx1">
                     <a:tint val="75000"/>
@@ -1384,7 +1389,27 @@
                 </a:solidFill>
               </a:defRPr>
             </a:lvl1pPr>
-            <a:lvl2pPr marL="771525" indent="0">
+            <a:lvl2pPr marL="952988" indent="0">
+              <a:buNone/>
+              <a:defRPr sz="3700">
+                <a:solidFill>
+                  <a:schemeClr val="tx1">
+                    <a:tint val="75000"/>
+                  </a:schemeClr>
+                </a:solidFill>
+              </a:defRPr>
+            </a:lvl2pPr>
+            <a:lvl3pPr marL="1905975" indent="0">
+              <a:buNone/>
+              <a:defRPr sz="3300">
+                <a:solidFill>
+                  <a:schemeClr val="tx1">
+                    <a:tint val="75000"/>
+                  </a:schemeClr>
+                </a:solidFill>
+              </a:defRPr>
+            </a:lvl3pPr>
+            <a:lvl4pPr marL="2858963" indent="0">
               <a:buNone/>
               <a:defRPr sz="3000">
                 <a:solidFill>
@@ -1393,30 +1418,10 @@
                   </a:schemeClr>
                 </a:solidFill>
               </a:defRPr>
-            </a:lvl2pPr>
-            <a:lvl3pPr marL="1543050" indent="0">
+            </a:lvl4pPr>
+            <a:lvl5pPr marL="3811951" indent="0">
               <a:buNone/>
-              <a:defRPr sz="2700">
-                <a:solidFill>
-                  <a:schemeClr val="tx1">
-                    <a:tint val="75000"/>
-                  </a:schemeClr>
-                </a:solidFill>
-              </a:defRPr>
-            </a:lvl3pPr>
-            <a:lvl4pPr marL="2314575" indent="0">
-              <a:buNone/>
-              <a:defRPr sz="2400">
-                <a:solidFill>
-                  <a:schemeClr val="tx1">
-                    <a:tint val="75000"/>
-                  </a:schemeClr>
-                </a:solidFill>
-              </a:defRPr>
-            </a:lvl4pPr>
-            <a:lvl5pPr marL="3086100" indent="0">
-              <a:buNone/>
-              <a:defRPr sz="2400">
+              <a:defRPr sz="3000">
                 <a:solidFill>
                   <a:schemeClr val="tx1">
                     <a:tint val="75000"/>
@@ -1424,9 +1429,9 @@
                 </a:solidFill>
               </a:defRPr>
             </a:lvl5pPr>
-            <a:lvl6pPr marL="3857625" indent="0">
+            <a:lvl6pPr marL="4764938" indent="0">
               <a:buNone/>
-              <a:defRPr sz="2400">
+              <a:defRPr sz="3000">
                 <a:solidFill>
                   <a:schemeClr val="tx1">
                     <a:tint val="75000"/>
@@ -1434,9 +1439,9 @@
                 </a:solidFill>
               </a:defRPr>
             </a:lvl6pPr>
-            <a:lvl7pPr marL="4629150" indent="0">
+            <a:lvl7pPr marL="5717926" indent="0">
               <a:buNone/>
-              <a:defRPr sz="2400">
+              <a:defRPr sz="3000">
                 <a:solidFill>
                   <a:schemeClr val="tx1">
                     <a:tint val="75000"/>
@@ -1444,9 +1449,9 @@
                 </a:solidFill>
               </a:defRPr>
             </a:lvl7pPr>
-            <a:lvl8pPr marL="5400675" indent="0">
+            <a:lvl8pPr marL="6670914" indent="0">
               <a:buNone/>
-              <a:defRPr sz="2400">
+              <a:defRPr sz="3000">
                 <a:solidFill>
                   <a:schemeClr val="tx1">
                     <a:tint val="75000"/>
@@ -1454,9 +1459,9 @@
                 </a:solidFill>
               </a:defRPr>
             </a:lvl8pPr>
-            <a:lvl9pPr marL="6172200" indent="0">
+            <a:lvl9pPr marL="7623901" indent="0">
               <a:buNone/>
-              <a:defRPr sz="2400">
+              <a:defRPr sz="3000">
                 <a:solidFill>
                   <a:schemeClr val="tx1">
                     <a:tint val="75000"/>
@@ -1491,7 +1496,7 @@
           <a:p>
             <a:fld id="{68AEE693-7654-4C3E-BEAD-B1DD9C3DAA08}" type="datetimeFigureOut">
               <a:rPr lang="en-GB" smtClean="0"/>
-              <a:t>04/06/2014</a:t>
+              <a:t>10/06/2014</a:t>
             </a:fld>
             <a:endParaRPr lang="en-GB"/>
           </a:p>
@@ -1604,39 +1609,39 @@
         </p:nvSpPr>
         <p:spPr>
           <a:xfrm>
-            <a:off x="868547" y="7057550"/>
-            <a:ext cx="7709714" cy="19959160"/>
+            <a:off x="1364861" y="8821937"/>
+            <a:ext cx="12115264" cy="24948950"/>
           </a:xfrm>
         </p:spPr>
         <p:txBody>
           <a:bodyPr/>
           <a:lstStyle>
             <a:lvl1pPr>
-              <a:defRPr sz="4700"/>
+              <a:defRPr sz="5800"/>
             </a:lvl1pPr>
             <a:lvl2pPr>
-              <a:defRPr sz="4100"/>
+              <a:defRPr sz="5100"/>
             </a:lvl2pPr>
             <a:lvl3pPr>
-              <a:defRPr sz="3400"/>
+              <a:defRPr sz="4200"/>
             </a:lvl3pPr>
             <a:lvl4pPr>
-              <a:defRPr sz="3000"/>
+              <a:defRPr sz="3700"/>
             </a:lvl4pPr>
             <a:lvl5pPr>
-              <a:defRPr sz="3000"/>
+              <a:defRPr sz="3700"/>
             </a:lvl5pPr>
             <a:lvl6pPr>
-              <a:defRPr sz="3000"/>
+              <a:defRPr sz="3700"/>
             </a:lvl6pPr>
             <a:lvl7pPr>
-              <a:defRPr sz="3000"/>
+              <a:defRPr sz="3700"/>
             </a:lvl7pPr>
             <a:lvl8pPr>
-              <a:defRPr sz="3000"/>
+              <a:defRPr sz="3700"/>
             </a:lvl8pPr>
             <a:lvl9pPr>
-              <a:defRPr sz="3000"/>
+              <a:defRPr sz="3700"/>
             </a:lvl9pPr>
           </a:lstStyle>
           <a:p>
@@ -1689,39 +1694,39 @@
         </p:nvSpPr>
         <p:spPr>
           <a:xfrm>
-            <a:off x="8788286" y="7057550"/>
-            <a:ext cx="7709714" cy="19959160"/>
+            <a:off x="13810165" y="8821937"/>
+            <a:ext cx="12115264" cy="24948950"/>
           </a:xfrm>
         </p:spPr>
         <p:txBody>
           <a:bodyPr/>
           <a:lstStyle>
             <a:lvl1pPr>
-              <a:defRPr sz="4700"/>
+              <a:defRPr sz="5800"/>
             </a:lvl1pPr>
             <a:lvl2pPr>
-              <a:defRPr sz="4100"/>
+              <a:defRPr sz="5100"/>
             </a:lvl2pPr>
             <a:lvl3pPr>
-              <a:defRPr sz="3400"/>
+              <a:defRPr sz="4200"/>
             </a:lvl3pPr>
             <a:lvl4pPr>
-              <a:defRPr sz="3000"/>
+              <a:defRPr sz="3700"/>
             </a:lvl4pPr>
             <a:lvl5pPr>
-              <a:defRPr sz="3000"/>
+              <a:defRPr sz="3700"/>
             </a:lvl5pPr>
             <a:lvl6pPr>
-              <a:defRPr sz="3000"/>
+              <a:defRPr sz="3700"/>
             </a:lvl6pPr>
             <a:lvl7pPr>
-              <a:defRPr sz="3000"/>
+              <a:defRPr sz="3700"/>
             </a:lvl7pPr>
             <a:lvl8pPr>
-              <a:defRPr sz="3000"/>
+              <a:defRPr sz="3700"/>
             </a:lvl8pPr>
             <a:lvl9pPr>
-              <a:defRPr sz="3000"/>
+              <a:defRPr sz="3700"/>
             </a:lvl9pPr>
           </a:lstStyle>
           <a:p>
@@ -1779,7 +1784,7 @@
           <a:p>
             <a:fld id="{68AEE693-7654-4C3E-BEAD-B1DD9C3DAA08}" type="datetimeFigureOut">
               <a:rPr lang="en-GB" smtClean="0"/>
-              <a:t>04/06/2014</a:t>
+              <a:t>10/06/2014</a:t>
             </a:fld>
             <a:endParaRPr lang="en-GB"/>
           </a:p>
@@ -1869,8 +1874,8 @@
         </p:nvSpPr>
         <p:spPr>
           <a:xfrm>
-            <a:off x="630079" y="576740"/>
-            <a:ext cx="11341418" cy="2400300"/>
+            <a:off x="990125" y="720925"/>
+            <a:ext cx="17822228" cy="3000375"/>
           </a:xfrm>
         </p:spPr>
         <p:txBody>
@@ -1901,8 +1906,8 @@
         </p:nvSpPr>
         <p:spPr>
           <a:xfrm>
-            <a:off x="630079" y="3223737"/>
-            <a:ext cx="5567884" cy="1343500"/>
+            <a:off x="990125" y="4029671"/>
+            <a:ext cx="8749532" cy="1679375"/>
           </a:xfrm>
         </p:spPr>
         <p:txBody>
@@ -1910,39 +1915,39 @@
           <a:lstStyle>
             <a:lvl1pPr marL="0" indent="0">
               <a:buNone/>
-              <a:defRPr sz="4100" b="1"/>
+              <a:defRPr sz="5100" b="1"/>
             </a:lvl1pPr>
-            <a:lvl2pPr marL="771525" indent="0">
+            <a:lvl2pPr marL="952988" indent="0">
               <a:buNone/>
-              <a:defRPr sz="3400" b="1"/>
+              <a:defRPr sz="4200" b="1"/>
             </a:lvl2pPr>
-            <a:lvl3pPr marL="1543050" indent="0">
+            <a:lvl3pPr marL="1905975" indent="0">
               <a:buNone/>
-              <a:defRPr sz="3000" b="1"/>
+              <a:defRPr sz="3700" b="1"/>
             </a:lvl3pPr>
-            <a:lvl4pPr marL="2314575" indent="0">
+            <a:lvl4pPr marL="2858963" indent="0">
               <a:buNone/>
-              <a:defRPr sz="2700" b="1"/>
+              <a:defRPr sz="3300" b="1"/>
             </a:lvl4pPr>
-            <a:lvl5pPr marL="3086100" indent="0">
+            <a:lvl5pPr marL="3811951" indent="0">
               <a:buNone/>
-              <a:defRPr sz="2700" b="1"/>
+              <a:defRPr sz="3300" b="1"/>
             </a:lvl5pPr>
-            <a:lvl6pPr marL="3857625" indent="0">
+            <a:lvl6pPr marL="4764938" indent="0">
               <a:buNone/>
-              <a:defRPr sz="2700" b="1"/>
+              <a:defRPr sz="3300" b="1"/>
             </a:lvl6pPr>
-            <a:lvl7pPr marL="4629150" indent="0">
+            <a:lvl7pPr marL="5717926" indent="0">
               <a:buNone/>
-              <a:defRPr sz="2700" b="1"/>
+              <a:defRPr sz="3300" b="1"/>
             </a:lvl7pPr>
-            <a:lvl8pPr marL="5400675" indent="0">
+            <a:lvl8pPr marL="6670914" indent="0">
               <a:buNone/>
-              <a:defRPr sz="2700" b="1"/>
+              <a:defRPr sz="3300" b="1"/>
             </a:lvl8pPr>
-            <a:lvl9pPr marL="6172200" indent="0">
+            <a:lvl9pPr marL="7623901" indent="0">
               <a:buNone/>
-              <a:defRPr sz="2700" b="1"/>
+              <a:defRPr sz="3300" b="1"/>
             </a:lvl9pPr>
           </a:lstStyle>
           <a:p>
@@ -1966,39 +1971,39 @@
         </p:nvSpPr>
         <p:spPr>
           <a:xfrm>
-            <a:off x="630079" y="4567237"/>
-            <a:ext cx="5567884" cy="8297705"/>
+            <a:off x="990125" y="5709048"/>
+            <a:ext cx="8749532" cy="10372131"/>
           </a:xfrm>
         </p:spPr>
         <p:txBody>
           <a:bodyPr/>
           <a:lstStyle>
             <a:lvl1pPr>
-              <a:defRPr sz="4100"/>
+              <a:defRPr sz="5100"/>
             </a:lvl1pPr>
             <a:lvl2pPr>
-              <a:defRPr sz="3400"/>
+              <a:defRPr sz="4200"/>
             </a:lvl2pPr>
             <a:lvl3pPr>
-              <a:defRPr sz="3000"/>
+              <a:defRPr sz="3700"/>
             </a:lvl3pPr>
             <a:lvl4pPr>
-              <a:defRPr sz="2700"/>
+              <a:defRPr sz="3300"/>
             </a:lvl4pPr>
             <a:lvl5pPr>
-              <a:defRPr sz="2700"/>
+              <a:defRPr sz="3300"/>
             </a:lvl5pPr>
             <a:lvl6pPr>
-              <a:defRPr sz="2700"/>
+              <a:defRPr sz="3300"/>
             </a:lvl6pPr>
             <a:lvl7pPr>
-              <a:defRPr sz="2700"/>
+              <a:defRPr sz="3300"/>
             </a:lvl7pPr>
             <a:lvl8pPr>
-              <a:defRPr sz="2700"/>
+              <a:defRPr sz="3300"/>
             </a:lvl8pPr>
             <a:lvl9pPr>
-              <a:defRPr sz="2700"/>
+              <a:defRPr sz="3300"/>
             </a:lvl9pPr>
           </a:lstStyle>
           <a:p>
@@ -2051,8 +2056,8 @@
         </p:nvSpPr>
         <p:spPr>
           <a:xfrm>
-            <a:off x="6401426" y="3223737"/>
-            <a:ext cx="5570071" cy="1343500"/>
+            <a:off x="10059384" y="4029671"/>
+            <a:ext cx="8752969" cy="1679375"/>
           </a:xfrm>
         </p:spPr>
         <p:txBody>
@@ -2060,39 +2065,39 @@
           <a:lstStyle>
             <a:lvl1pPr marL="0" indent="0">
               <a:buNone/>
-              <a:defRPr sz="4100" b="1"/>
+              <a:defRPr sz="5100" b="1"/>
             </a:lvl1pPr>
-            <a:lvl2pPr marL="771525" indent="0">
+            <a:lvl2pPr marL="952988" indent="0">
               <a:buNone/>
-              <a:defRPr sz="3400" b="1"/>
+              <a:defRPr sz="4200" b="1"/>
             </a:lvl2pPr>
-            <a:lvl3pPr marL="1543050" indent="0">
+            <a:lvl3pPr marL="1905975" indent="0">
               <a:buNone/>
-              <a:defRPr sz="3000" b="1"/>
+              <a:defRPr sz="3700" b="1"/>
             </a:lvl3pPr>
-            <a:lvl4pPr marL="2314575" indent="0">
+            <a:lvl4pPr marL="2858963" indent="0">
               <a:buNone/>
-              <a:defRPr sz="2700" b="1"/>
+              <a:defRPr sz="3300" b="1"/>
             </a:lvl4pPr>
-            <a:lvl5pPr marL="3086100" indent="0">
+            <a:lvl5pPr marL="3811951" indent="0">
               <a:buNone/>
-              <a:defRPr sz="2700" b="1"/>
+              <a:defRPr sz="3300" b="1"/>
             </a:lvl5pPr>
-            <a:lvl6pPr marL="3857625" indent="0">
+            <a:lvl6pPr marL="4764938" indent="0">
               <a:buNone/>
-              <a:defRPr sz="2700" b="1"/>
+              <a:defRPr sz="3300" b="1"/>
             </a:lvl6pPr>
-            <a:lvl7pPr marL="4629150" indent="0">
+            <a:lvl7pPr marL="5717926" indent="0">
               <a:buNone/>
-              <a:defRPr sz="2700" b="1"/>
+              <a:defRPr sz="3300" b="1"/>
             </a:lvl7pPr>
-            <a:lvl8pPr marL="5400675" indent="0">
+            <a:lvl8pPr marL="6670914" indent="0">
               <a:buNone/>
-              <a:defRPr sz="2700" b="1"/>
+              <a:defRPr sz="3300" b="1"/>
             </a:lvl8pPr>
-            <a:lvl9pPr marL="6172200" indent="0">
+            <a:lvl9pPr marL="7623901" indent="0">
               <a:buNone/>
-              <a:defRPr sz="2700" b="1"/>
+              <a:defRPr sz="3300" b="1"/>
             </a:lvl9pPr>
           </a:lstStyle>
           <a:p>
@@ -2116,39 +2121,39 @@
         </p:nvSpPr>
         <p:spPr>
           <a:xfrm>
-            <a:off x="6401426" y="4567237"/>
-            <a:ext cx="5570071" cy="8297705"/>
+            <a:off x="10059384" y="5709048"/>
+            <a:ext cx="8752969" cy="10372131"/>
           </a:xfrm>
         </p:spPr>
         <p:txBody>
           <a:bodyPr/>
           <a:lstStyle>
             <a:lvl1pPr>
-              <a:defRPr sz="4100"/>
+              <a:defRPr sz="5100"/>
             </a:lvl1pPr>
             <a:lvl2pPr>
-              <a:defRPr sz="3400"/>
+              <a:defRPr sz="4200"/>
             </a:lvl2pPr>
             <a:lvl3pPr>
-              <a:defRPr sz="3000"/>
+              <a:defRPr sz="3700"/>
             </a:lvl3pPr>
             <a:lvl4pPr>
-              <a:defRPr sz="2700"/>
+              <a:defRPr sz="3300"/>
             </a:lvl4pPr>
             <a:lvl5pPr>
-              <a:defRPr sz="2700"/>
+              <a:defRPr sz="3300"/>
             </a:lvl5pPr>
             <a:lvl6pPr>
-              <a:defRPr sz="2700"/>
+              <a:defRPr sz="3300"/>
             </a:lvl6pPr>
             <a:lvl7pPr>
-              <a:defRPr sz="2700"/>
+              <a:defRPr sz="3300"/>
             </a:lvl7pPr>
             <a:lvl8pPr>
-              <a:defRPr sz="2700"/>
+              <a:defRPr sz="3300"/>
             </a:lvl8pPr>
             <a:lvl9pPr>
-              <a:defRPr sz="2700"/>
+              <a:defRPr sz="3300"/>
             </a:lvl9pPr>
           </a:lstStyle>
           <a:p>
@@ -2206,7 +2211,7 @@
           <a:p>
             <a:fld id="{68AEE693-7654-4C3E-BEAD-B1DD9C3DAA08}" type="datetimeFigureOut">
               <a:rPr lang="en-GB" smtClean="0"/>
-              <a:t>04/06/2014</a:t>
+              <a:t>10/06/2014</a:t>
             </a:fld>
             <a:endParaRPr lang="en-GB"/>
           </a:p>
@@ -2324,7 +2329,7 @@
           <a:p>
             <a:fld id="{68AEE693-7654-4C3E-BEAD-B1DD9C3DAA08}" type="datetimeFigureOut">
               <a:rPr lang="en-GB" smtClean="0"/>
-              <a:t>04/06/2014</a:t>
+              <a:t>10/06/2014</a:t>
             </a:fld>
             <a:endParaRPr lang="en-GB"/>
           </a:p>
@@ -2419,7 +2424,7 @@
           <a:p>
             <a:fld id="{68AEE693-7654-4C3E-BEAD-B1DD9C3DAA08}" type="datetimeFigureOut">
               <a:rPr lang="en-GB" smtClean="0"/>
-              <a:t>04/06/2014</a:t>
+              <a:t>10/06/2014</a:t>
             </a:fld>
             <a:endParaRPr lang="en-GB"/>
           </a:p>
@@ -2509,15 +2514,15 @@
         </p:nvSpPr>
         <p:spPr>
           <a:xfrm>
-            <a:off x="630080" y="573405"/>
-            <a:ext cx="4145831" cy="2440305"/>
+            <a:off x="990127" y="716758"/>
+            <a:ext cx="6514877" cy="3050381"/>
           </a:xfrm>
         </p:spPr>
         <p:txBody>
           <a:bodyPr anchor="b"/>
           <a:lstStyle>
             <a:lvl1pPr algn="l">
-              <a:defRPr sz="3400" b="1"/>
+              <a:defRPr sz="4200" b="1"/>
             </a:lvl1pPr>
           </a:lstStyle>
           <a:p>
@@ -2541,39 +2546,39 @@
         </p:nvSpPr>
         <p:spPr>
           <a:xfrm>
-            <a:off x="4926866" y="573406"/>
-            <a:ext cx="7044630" cy="12291537"/>
+            <a:off x="7742219" y="716760"/>
+            <a:ext cx="11070132" cy="15364421"/>
           </a:xfrm>
         </p:spPr>
         <p:txBody>
           <a:bodyPr/>
           <a:lstStyle>
             <a:lvl1pPr>
-              <a:defRPr sz="5400"/>
+              <a:defRPr sz="6700"/>
             </a:lvl1pPr>
             <a:lvl2pPr>
-              <a:defRPr sz="4700"/>
+              <a:defRPr sz="5800"/>
             </a:lvl2pPr>
             <a:lvl3pPr>
-              <a:defRPr sz="4100"/>
+              <a:defRPr sz="5100"/>
             </a:lvl3pPr>
             <a:lvl4pPr>
-              <a:defRPr sz="3400"/>
+              <a:defRPr sz="4200"/>
             </a:lvl4pPr>
             <a:lvl5pPr>
-              <a:defRPr sz="3400"/>
+              <a:defRPr sz="4200"/>
             </a:lvl5pPr>
             <a:lvl6pPr>
-              <a:defRPr sz="3400"/>
+              <a:defRPr sz="4200"/>
             </a:lvl6pPr>
             <a:lvl7pPr>
-              <a:defRPr sz="3400"/>
+              <a:defRPr sz="4200"/>
             </a:lvl7pPr>
             <a:lvl8pPr>
-              <a:defRPr sz="3400"/>
+              <a:defRPr sz="4200"/>
             </a:lvl8pPr>
             <a:lvl9pPr>
-              <a:defRPr sz="3400"/>
+              <a:defRPr sz="4200"/>
             </a:lvl9pPr>
           </a:lstStyle>
           <a:p>
@@ -2626,8 +2631,8 @@
         </p:nvSpPr>
         <p:spPr>
           <a:xfrm>
-            <a:off x="630080" y="3013711"/>
-            <a:ext cx="4145831" cy="9851232"/>
+            <a:off x="990127" y="3767139"/>
+            <a:ext cx="6514877" cy="12314040"/>
           </a:xfrm>
         </p:spPr>
         <p:txBody>
@@ -2635,39 +2640,39 @@
           <a:lstStyle>
             <a:lvl1pPr marL="0" indent="0">
               <a:buNone/>
-              <a:defRPr sz="2400"/>
+              <a:defRPr sz="3000"/>
             </a:lvl1pPr>
-            <a:lvl2pPr marL="771525" indent="0">
+            <a:lvl2pPr marL="952988" indent="0">
               <a:buNone/>
-              <a:defRPr sz="2000"/>
+              <a:defRPr sz="2500"/>
             </a:lvl2pPr>
-            <a:lvl3pPr marL="1543050" indent="0">
+            <a:lvl3pPr marL="1905975" indent="0">
               <a:buNone/>
-              <a:defRPr sz="1700"/>
+              <a:defRPr sz="2100"/>
             </a:lvl3pPr>
-            <a:lvl4pPr marL="2314575" indent="0">
+            <a:lvl4pPr marL="2858963" indent="0">
               <a:buNone/>
-              <a:defRPr sz="1500"/>
+              <a:defRPr sz="1900"/>
             </a:lvl4pPr>
-            <a:lvl5pPr marL="3086100" indent="0">
+            <a:lvl5pPr marL="3811951" indent="0">
               <a:buNone/>
-              <a:defRPr sz="1500"/>
+              <a:defRPr sz="1900"/>
             </a:lvl5pPr>
-            <a:lvl6pPr marL="3857625" indent="0">
+            <a:lvl6pPr marL="4764938" indent="0">
               <a:buNone/>
-              <a:defRPr sz="1500"/>
+              <a:defRPr sz="1900"/>
             </a:lvl6pPr>
-            <a:lvl7pPr marL="4629150" indent="0">
+            <a:lvl7pPr marL="5717926" indent="0">
               <a:buNone/>
-              <a:defRPr sz="1500"/>
+              <a:defRPr sz="1900"/>
             </a:lvl7pPr>
-            <a:lvl8pPr marL="5400675" indent="0">
+            <a:lvl8pPr marL="6670914" indent="0">
               <a:buNone/>
-              <a:defRPr sz="1500"/>
+              <a:defRPr sz="1900"/>
             </a:lvl8pPr>
-            <a:lvl9pPr marL="6172200" indent="0">
+            <a:lvl9pPr marL="7623901" indent="0">
               <a:buNone/>
-              <a:defRPr sz="1500"/>
+              <a:defRPr sz="1900"/>
             </a:lvl9pPr>
           </a:lstStyle>
           <a:p>
@@ -2696,7 +2701,7 @@
           <a:p>
             <a:fld id="{68AEE693-7654-4C3E-BEAD-B1DD9C3DAA08}" type="datetimeFigureOut">
               <a:rPr lang="en-GB" smtClean="0"/>
-              <a:t>04/06/2014</a:t>
+              <a:t>10/06/2014</a:t>
             </a:fld>
             <a:endParaRPr lang="en-GB"/>
           </a:p>
@@ -2786,15 +2791,15 @@
         </p:nvSpPr>
         <p:spPr>
           <a:xfrm>
-            <a:off x="2469997" y="10081260"/>
-            <a:ext cx="7560945" cy="1190150"/>
+            <a:off x="3881425" y="12601575"/>
+            <a:ext cx="11881485" cy="1487688"/>
           </a:xfrm>
         </p:spPr>
         <p:txBody>
           <a:bodyPr anchor="b"/>
           <a:lstStyle>
             <a:lvl1pPr algn="l">
-              <a:defRPr sz="3400" b="1"/>
+              <a:defRPr sz="4200" b="1"/>
             </a:lvl1pPr>
           </a:lstStyle>
           <a:p>
@@ -2818,8 +2823,8 @@
         </p:nvSpPr>
         <p:spPr>
           <a:xfrm>
-            <a:off x="2469997" y="1286828"/>
-            <a:ext cx="7560945" cy="8641080"/>
+            <a:off x="3881425" y="1608535"/>
+            <a:ext cx="11881485" cy="10801350"/>
           </a:xfrm>
         </p:spPr>
         <p:txBody>
@@ -2827,39 +2832,39 @@
           <a:lstStyle>
             <a:lvl1pPr marL="0" indent="0">
               <a:buNone/>
-              <a:defRPr sz="5400"/>
+              <a:defRPr sz="6700"/>
             </a:lvl1pPr>
-            <a:lvl2pPr marL="771525" indent="0">
+            <a:lvl2pPr marL="952988" indent="0">
               <a:buNone/>
-              <a:defRPr sz="4700"/>
+              <a:defRPr sz="5800"/>
             </a:lvl2pPr>
-            <a:lvl3pPr marL="1543050" indent="0">
+            <a:lvl3pPr marL="1905975" indent="0">
               <a:buNone/>
-              <a:defRPr sz="4100"/>
+              <a:defRPr sz="5100"/>
             </a:lvl3pPr>
-            <a:lvl4pPr marL="2314575" indent="0">
+            <a:lvl4pPr marL="2858963" indent="0">
               <a:buNone/>
-              <a:defRPr sz="3400"/>
+              <a:defRPr sz="4200"/>
             </a:lvl4pPr>
-            <a:lvl5pPr marL="3086100" indent="0">
+            <a:lvl5pPr marL="3811951" indent="0">
               <a:buNone/>
-              <a:defRPr sz="3400"/>
+              <a:defRPr sz="4200"/>
             </a:lvl5pPr>
-            <a:lvl6pPr marL="3857625" indent="0">
+            <a:lvl6pPr marL="4764938" indent="0">
               <a:buNone/>
-              <a:defRPr sz="3400"/>
+              <a:defRPr sz="4200"/>
             </a:lvl6pPr>
-            <a:lvl7pPr marL="4629150" indent="0">
+            <a:lvl7pPr marL="5717926" indent="0">
               <a:buNone/>
-              <a:defRPr sz="3400"/>
+              <a:defRPr sz="4200"/>
             </a:lvl7pPr>
-            <a:lvl8pPr marL="5400675" indent="0">
+            <a:lvl8pPr marL="6670914" indent="0">
               <a:buNone/>
-              <a:defRPr sz="3400"/>
+              <a:defRPr sz="4200"/>
             </a:lvl8pPr>
-            <a:lvl9pPr marL="6172200" indent="0">
+            <a:lvl9pPr marL="7623901" indent="0">
               <a:buNone/>
-              <a:defRPr sz="3400"/>
+              <a:defRPr sz="4200"/>
             </a:lvl9pPr>
           </a:lstStyle>
           <a:p>
@@ -2879,8 +2884,8 @@
         </p:nvSpPr>
         <p:spPr>
           <a:xfrm>
-            <a:off x="2469997" y="11271410"/>
-            <a:ext cx="7560945" cy="1690210"/>
+            <a:off x="3881425" y="14089262"/>
+            <a:ext cx="11881485" cy="2112763"/>
           </a:xfrm>
         </p:spPr>
         <p:txBody>
@@ -2888,39 +2893,39 @@
           <a:lstStyle>
             <a:lvl1pPr marL="0" indent="0">
               <a:buNone/>
-              <a:defRPr sz="2400"/>
+              <a:defRPr sz="3000"/>
             </a:lvl1pPr>
-            <a:lvl2pPr marL="771525" indent="0">
+            <a:lvl2pPr marL="952988" indent="0">
               <a:buNone/>
-              <a:defRPr sz="2000"/>
+              <a:defRPr sz="2500"/>
             </a:lvl2pPr>
-            <a:lvl3pPr marL="1543050" indent="0">
+            <a:lvl3pPr marL="1905975" indent="0">
               <a:buNone/>
-              <a:defRPr sz="1700"/>
+              <a:defRPr sz="2100"/>
             </a:lvl3pPr>
-            <a:lvl4pPr marL="2314575" indent="0">
+            <a:lvl4pPr marL="2858963" indent="0">
               <a:buNone/>
-              <a:defRPr sz="1500"/>
+              <a:defRPr sz="1900"/>
             </a:lvl4pPr>
-            <a:lvl5pPr marL="3086100" indent="0">
+            <a:lvl5pPr marL="3811951" indent="0">
               <a:buNone/>
-              <a:defRPr sz="1500"/>
+              <a:defRPr sz="1900"/>
             </a:lvl5pPr>
-            <a:lvl6pPr marL="3857625" indent="0">
+            <a:lvl6pPr marL="4764938" indent="0">
               <a:buNone/>
-              <a:defRPr sz="1500"/>
+              <a:defRPr sz="1900"/>
             </a:lvl6pPr>
-            <a:lvl7pPr marL="4629150" indent="0">
+            <a:lvl7pPr marL="5717926" indent="0">
               <a:buNone/>
-              <a:defRPr sz="1500"/>
+              <a:defRPr sz="1900"/>
             </a:lvl7pPr>
-            <a:lvl8pPr marL="5400675" indent="0">
+            <a:lvl8pPr marL="6670914" indent="0">
               <a:buNone/>
-              <a:defRPr sz="1500"/>
+              <a:defRPr sz="1900"/>
             </a:lvl8pPr>
-            <a:lvl9pPr marL="6172200" indent="0">
+            <a:lvl9pPr marL="7623901" indent="0">
               <a:buNone/>
-              <a:defRPr sz="1500"/>
+              <a:defRPr sz="1900"/>
             </a:lvl9pPr>
           </a:lstStyle>
           <a:p>
@@ -2949,7 +2954,7 @@
           <a:p>
             <a:fld id="{68AEE693-7654-4C3E-BEAD-B1DD9C3DAA08}" type="datetimeFigureOut">
               <a:rPr lang="en-GB" smtClean="0"/>
-              <a:t>04/06/2014</a:t>
+              <a:t>10/06/2014</a:t>
             </a:fld>
             <a:endParaRPr lang="en-GB"/>
           </a:p>
@@ -3044,15 +3049,15 @@
         </p:nvSpPr>
         <p:spPr>
           <a:xfrm>
-            <a:off x="630079" y="576740"/>
-            <a:ext cx="11341418" cy="2400300"/>
+            <a:off x="990125" y="720925"/>
+            <a:ext cx="17822228" cy="3000375"/>
           </a:xfrm>
           <a:prstGeom prst="rect">
             <a:avLst/>
           </a:prstGeom>
         </p:spPr>
         <p:txBody>
-          <a:bodyPr vert="horz" lIns="154305" tIns="77153" rIns="154305" bIns="77153" rtlCol="0" anchor="ctr">
+          <a:bodyPr vert="horz" lIns="190598" tIns="95299" rIns="190598" bIns="95299" rtlCol="0" anchor="ctr">
             <a:normAutofit/>
           </a:bodyPr>
           <a:lstStyle/>
@@ -3077,15 +3082,15 @@
         </p:nvSpPr>
         <p:spPr>
           <a:xfrm>
-            <a:off x="630079" y="3360421"/>
-            <a:ext cx="11341418" cy="9504522"/>
+            <a:off x="990125" y="4200526"/>
+            <a:ext cx="17822228" cy="11880653"/>
           </a:xfrm>
           <a:prstGeom prst="rect">
             <a:avLst/>
           </a:prstGeom>
         </p:spPr>
         <p:txBody>
-          <a:bodyPr vert="horz" lIns="154305" tIns="77153" rIns="154305" bIns="77153" rtlCol="0">
+          <a:bodyPr vert="horz" lIns="190598" tIns="95299" rIns="190598" bIns="95299" rtlCol="0">
             <a:normAutofit/>
           </a:bodyPr>
           <a:lstStyle/>
@@ -3139,18 +3144,18 @@
         </p:nvSpPr>
         <p:spPr>
           <a:xfrm>
-            <a:off x="630079" y="13348336"/>
-            <a:ext cx="2940368" cy="766763"/>
+            <a:off x="990125" y="16685422"/>
+            <a:ext cx="4620578" cy="958454"/>
           </a:xfrm>
           <a:prstGeom prst="rect">
             <a:avLst/>
           </a:prstGeom>
         </p:spPr>
         <p:txBody>
-          <a:bodyPr vert="horz" lIns="154305" tIns="77153" rIns="154305" bIns="77153" rtlCol="0" anchor="ctr"/>
+          <a:bodyPr vert="horz" lIns="190598" tIns="95299" rIns="190598" bIns="95299" rtlCol="0" anchor="ctr"/>
           <a:lstStyle>
             <a:lvl1pPr algn="l">
-              <a:defRPr sz="2000">
+              <a:defRPr sz="2500">
                 <a:solidFill>
                   <a:schemeClr val="tx1">
                     <a:tint val="75000"/>
@@ -3162,7 +3167,7 @@
           <a:p>
             <a:fld id="{68AEE693-7654-4C3E-BEAD-B1DD9C3DAA08}" type="datetimeFigureOut">
               <a:rPr lang="en-GB" smtClean="0"/>
-              <a:t>04/06/2014</a:t>
+              <a:t>10/06/2014</a:t>
             </a:fld>
             <a:endParaRPr lang="en-GB"/>
           </a:p>
@@ -3180,18 +3185,18 @@
         </p:nvSpPr>
         <p:spPr>
           <a:xfrm>
-            <a:off x="4305538" y="13348336"/>
-            <a:ext cx="3990499" cy="766763"/>
+            <a:off x="6765846" y="16685422"/>
+            <a:ext cx="6270785" cy="958454"/>
           </a:xfrm>
           <a:prstGeom prst="rect">
             <a:avLst/>
           </a:prstGeom>
         </p:spPr>
         <p:txBody>
-          <a:bodyPr vert="horz" lIns="154305" tIns="77153" rIns="154305" bIns="77153" rtlCol="0" anchor="ctr"/>
+          <a:bodyPr vert="horz" lIns="190598" tIns="95299" rIns="190598" bIns="95299" rtlCol="0" anchor="ctr"/>
           <a:lstStyle>
             <a:lvl1pPr algn="ctr">
-              <a:defRPr sz="2000">
+              <a:defRPr sz="2500">
                 <a:solidFill>
                   <a:schemeClr val="tx1">
                     <a:tint val="75000"/>
@@ -3217,18 +3222,18 @@
         </p:nvSpPr>
         <p:spPr>
           <a:xfrm>
-            <a:off x="9031129" y="13348336"/>
-            <a:ext cx="2940368" cy="766763"/>
+            <a:off x="14191775" y="16685422"/>
+            <a:ext cx="4620578" cy="958454"/>
           </a:xfrm>
           <a:prstGeom prst="rect">
             <a:avLst/>
           </a:prstGeom>
         </p:spPr>
         <p:txBody>
-          <a:bodyPr vert="horz" lIns="154305" tIns="77153" rIns="154305" bIns="77153" rtlCol="0" anchor="ctr"/>
+          <a:bodyPr vert="horz" lIns="190598" tIns="95299" rIns="190598" bIns="95299" rtlCol="0" anchor="ctr"/>
           <a:lstStyle>
             <a:lvl1pPr algn="r">
-              <a:defRPr sz="2000">
+              <a:defRPr sz="2500">
                 <a:solidFill>
                   <a:schemeClr val="tx1">
                     <a:tint val="75000"/>
@@ -3269,12 +3274,12 @@
   </p:sldLayoutIdLst>
   <p:txStyles>
     <p:titleStyle>
-      <a:lvl1pPr algn="ctr" defTabSz="1543050" rtl="0" eaLnBrk="1" latinLnBrk="0" hangingPunct="1">
+      <a:lvl1pPr algn="ctr" defTabSz="1905975" rtl="0" eaLnBrk="1" latinLnBrk="0" hangingPunct="1">
         <a:spcBef>
           <a:spcPct val="0"/>
         </a:spcBef>
         <a:buNone/>
-        <a:defRPr sz="7400" kern="1200">
+        <a:defRPr sz="9100" kern="1200">
           <a:solidFill>
             <a:schemeClr val="tx1"/>
           </a:solidFill>
@@ -3285,13 +3290,13 @@
       </a:lvl1pPr>
     </p:titleStyle>
     <p:bodyStyle>
-      <a:lvl1pPr marL="578644" indent="-578644" algn="l" defTabSz="1543050" rtl="0" eaLnBrk="1" latinLnBrk="0" hangingPunct="1">
+      <a:lvl1pPr marL="714741" indent="-714741" algn="l" defTabSz="1905975" rtl="0" eaLnBrk="1" latinLnBrk="0" hangingPunct="1">
         <a:spcBef>
           <a:spcPct val="20000"/>
         </a:spcBef>
         <a:buFont typeface="Arial" panose="020B0604020202020204" pitchFamily="34" charset="0"/>
         <a:buChar char="•"/>
-        <a:defRPr sz="5400" kern="1200">
+        <a:defRPr sz="6700" kern="1200">
           <a:solidFill>
             <a:schemeClr val="tx1"/>
           </a:solidFill>
@@ -3300,13 +3305,13 @@
           <a:cs typeface="+mn-cs"/>
         </a:defRPr>
       </a:lvl1pPr>
-      <a:lvl2pPr marL="1253728" indent="-482203" algn="l" defTabSz="1543050" rtl="0" eaLnBrk="1" latinLnBrk="0" hangingPunct="1">
+      <a:lvl2pPr marL="1548605" indent="-595617" algn="l" defTabSz="1905975" rtl="0" eaLnBrk="1" latinLnBrk="0" hangingPunct="1">
         <a:spcBef>
           <a:spcPct val="20000"/>
         </a:spcBef>
         <a:buFont typeface="Arial" panose="020B0604020202020204" pitchFamily="34" charset="0"/>
         <a:buChar char="–"/>
-        <a:defRPr sz="4700" kern="1200">
+        <a:defRPr sz="5800" kern="1200">
           <a:solidFill>
             <a:schemeClr val="tx1"/>
           </a:solidFill>
@@ -3315,13 +3320,13 @@
           <a:cs typeface="+mn-cs"/>
         </a:defRPr>
       </a:lvl2pPr>
-      <a:lvl3pPr marL="1928813" indent="-385763" algn="l" defTabSz="1543050" rtl="0" eaLnBrk="1" latinLnBrk="0" hangingPunct="1">
+      <a:lvl3pPr marL="2382470" indent="-476494" algn="l" defTabSz="1905975" rtl="0" eaLnBrk="1" latinLnBrk="0" hangingPunct="1">
         <a:spcBef>
           <a:spcPct val="20000"/>
         </a:spcBef>
         <a:buFont typeface="Arial" panose="020B0604020202020204" pitchFamily="34" charset="0"/>
         <a:buChar char="•"/>
-        <a:defRPr sz="4100" kern="1200">
+        <a:defRPr sz="5100" kern="1200">
           <a:solidFill>
             <a:schemeClr val="tx1"/>
           </a:solidFill>
@@ -3330,13 +3335,13 @@
           <a:cs typeface="+mn-cs"/>
         </a:defRPr>
       </a:lvl3pPr>
-      <a:lvl4pPr marL="2700338" indent="-385763" algn="l" defTabSz="1543050" rtl="0" eaLnBrk="1" latinLnBrk="0" hangingPunct="1">
+      <a:lvl4pPr marL="3335457" indent="-476494" algn="l" defTabSz="1905975" rtl="0" eaLnBrk="1" latinLnBrk="0" hangingPunct="1">
         <a:spcBef>
           <a:spcPct val="20000"/>
         </a:spcBef>
         <a:buFont typeface="Arial" panose="020B0604020202020204" pitchFamily="34" charset="0"/>
         <a:buChar char="–"/>
-        <a:defRPr sz="3400" kern="1200">
+        <a:defRPr sz="4200" kern="1200">
           <a:solidFill>
             <a:schemeClr val="tx1"/>
           </a:solidFill>
@@ -3345,13 +3350,13 @@
           <a:cs typeface="+mn-cs"/>
         </a:defRPr>
       </a:lvl4pPr>
-      <a:lvl5pPr marL="3471863" indent="-385763" algn="l" defTabSz="1543050" rtl="0" eaLnBrk="1" latinLnBrk="0" hangingPunct="1">
+      <a:lvl5pPr marL="4288445" indent="-476494" algn="l" defTabSz="1905975" rtl="0" eaLnBrk="1" latinLnBrk="0" hangingPunct="1">
         <a:spcBef>
           <a:spcPct val="20000"/>
         </a:spcBef>
         <a:buFont typeface="Arial" panose="020B0604020202020204" pitchFamily="34" charset="0"/>
         <a:buChar char="»"/>
-        <a:defRPr sz="3400" kern="1200">
+        <a:defRPr sz="4200" kern="1200">
           <a:solidFill>
             <a:schemeClr val="tx1"/>
           </a:solidFill>
@@ -3360,13 +3365,13 @@
           <a:cs typeface="+mn-cs"/>
         </a:defRPr>
       </a:lvl5pPr>
-      <a:lvl6pPr marL="4243388" indent="-385763" algn="l" defTabSz="1543050" rtl="0" eaLnBrk="1" latinLnBrk="0" hangingPunct="1">
+      <a:lvl6pPr marL="5241433" indent="-476494" algn="l" defTabSz="1905975" rtl="0" eaLnBrk="1" latinLnBrk="0" hangingPunct="1">
         <a:spcBef>
           <a:spcPct val="20000"/>
         </a:spcBef>
         <a:buFont typeface="Arial" panose="020B0604020202020204" pitchFamily="34" charset="0"/>
         <a:buChar char="•"/>
-        <a:defRPr sz="3400" kern="1200">
+        <a:defRPr sz="4200" kern="1200">
           <a:solidFill>
             <a:schemeClr val="tx1"/>
           </a:solidFill>
@@ -3375,13 +3380,13 @@
           <a:cs typeface="+mn-cs"/>
         </a:defRPr>
       </a:lvl6pPr>
-      <a:lvl7pPr marL="5014913" indent="-385763" algn="l" defTabSz="1543050" rtl="0" eaLnBrk="1" latinLnBrk="0" hangingPunct="1">
+      <a:lvl7pPr marL="6194421" indent="-476494" algn="l" defTabSz="1905975" rtl="0" eaLnBrk="1" latinLnBrk="0" hangingPunct="1">
         <a:spcBef>
           <a:spcPct val="20000"/>
         </a:spcBef>
         <a:buFont typeface="Arial" panose="020B0604020202020204" pitchFamily="34" charset="0"/>
         <a:buChar char="•"/>
-        <a:defRPr sz="3400" kern="1200">
+        <a:defRPr sz="4200" kern="1200">
           <a:solidFill>
             <a:schemeClr val="tx1"/>
           </a:solidFill>
@@ -3390,13 +3395,13 @@
           <a:cs typeface="+mn-cs"/>
         </a:defRPr>
       </a:lvl7pPr>
-      <a:lvl8pPr marL="5786438" indent="-385763" algn="l" defTabSz="1543050" rtl="0" eaLnBrk="1" latinLnBrk="0" hangingPunct="1">
+      <a:lvl8pPr marL="7147408" indent="-476494" algn="l" defTabSz="1905975" rtl="0" eaLnBrk="1" latinLnBrk="0" hangingPunct="1">
         <a:spcBef>
           <a:spcPct val="20000"/>
         </a:spcBef>
         <a:buFont typeface="Arial" panose="020B0604020202020204" pitchFamily="34" charset="0"/>
         <a:buChar char="•"/>
-        <a:defRPr sz="3400" kern="1200">
+        <a:defRPr sz="4200" kern="1200">
           <a:solidFill>
             <a:schemeClr val="tx1"/>
           </a:solidFill>
@@ -3405,13 +3410,13 @@
           <a:cs typeface="+mn-cs"/>
         </a:defRPr>
       </a:lvl8pPr>
-      <a:lvl9pPr marL="6557963" indent="-385763" algn="l" defTabSz="1543050" rtl="0" eaLnBrk="1" latinLnBrk="0" hangingPunct="1">
+      <a:lvl9pPr marL="8100396" indent="-476494" algn="l" defTabSz="1905975" rtl="0" eaLnBrk="1" latinLnBrk="0" hangingPunct="1">
         <a:spcBef>
           <a:spcPct val="20000"/>
         </a:spcBef>
         <a:buFont typeface="Arial" panose="020B0604020202020204" pitchFamily="34" charset="0"/>
         <a:buChar char="•"/>
-        <a:defRPr sz="3400" kern="1200">
+        <a:defRPr sz="4200" kern="1200">
           <a:solidFill>
             <a:schemeClr val="tx1"/>
           </a:solidFill>
@@ -3425,8 +3430,8 @@
       <a:defPPr>
         <a:defRPr lang="en-US"/>
       </a:defPPr>
-      <a:lvl1pPr marL="0" algn="l" defTabSz="1543050" rtl="0" eaLnBrk="1" latinLnBrk="0" hangingPunct="1">
-        <a:defRPr sz="3000" kern="1200">
+      <a:lvl1pPr marL="0" algn="l" defTabSz="1905975" rtl="0" eaLnBrk="1" latinLnBrk="0" hangingPunct="1">
+        <a:defRPr sz="3700" kern="1200">
           <a:solidFill>
             <a:schemeClr val="tx1"/>
           </a:solidFill>
@@ -3435,8 +3440,8 @@
           <a:cs typeface="+mn-cs"/>
         </a:defRPr>
       </a:lvl1pPr>
-      <a:lvl2pPr marL="771525" algn="l" defTabSz="1543050" rtl="0" eaLnBrk="1" latinLnBrk="0" hangingPunct="1">
-        <a:defRPr sz="3000" kern="1200">
+      <a:lvl2pPr marL="952988" algn="l" defTabSz="1905975" rtl="0" eaLnBrk="1" latinLnBrk="0" hangingPunct="1">
+        <a:defRPr sz="3700" kern="1200">
           <a:solidFill>
             <a:schemeClr val="tx1"/>
           </a:solidFill>
@@ -3445,8 +3450,8 @@
           <a:cs typeface="+mn-cs"/>
         </a:defRPr>
       </a:lvl2pPr>
-      <a:lvl3pPr marL="1543050" algn="l" defTabSz="1543050" rtl="0" eaLnBrk="1" latinLnBrk="0" hangingPunct="1">
-        <a:defRPr sz="3000" kern="1200">
+      <a:lvl3pPr marL="1905975" algn="l" defTabSz="1905975" rtl="0" eaLnBrk="1" latinLnBrk="0" hangingPunct="1">
+        <a:defRPr sz="3700" kern="1200">
           <a:solidFill>
             <a:schemeClr val="tx1"/>
           </a:solidFill>
@@ -3455,8 +3460,8 @@
           <a:cs typeface="+mn-cs"/>
         </a:defRPr>
       </a:lvl3pPr>
-      <a:lvl4pPr marL="2314575" algn="l" defTabSz="1543050" rtl="0" eaLnBrk="1" latinLnBrk="0" hangingPunct="1">
-        <a:defRPr sz="3000" kern="1200">
+      <a:lvl4pPr marL="2858963" algn="l" defTabSz="1905975" rtl="0" eaLnBrk="1" latinLnBrk="0" hangingPunct="1">
+        <a:defRPr sz="3700" kern="1200">
           <a:solidFill>
             <a:schemeClr val="tx1"/>
           </a:solidFill>
@@ -3465,8 +3470,8 @@
           <a:cs typeface="+mn-cs"/>
         </a:defRPr>
       </a:lvl4pPr>
-      <a:lvl5pPr marL="3086100" algn="l" defTabSz="1543050" rtl="0" eaLnBrk="1" latinLnBrk="0" hangingPunct="1">
-        <a:defRPr sz="3000" kern="1200">
+      <a:lvl5pPr marL="3811951" algn="l" defTabSz="1905975" rtl="0" eaLnBrk="1" latinLnBrk="0" hangingPunct="1">
+        <a:defRPr sz="3700" kern="1200">
           <a:solidFill>
             <a:schemeClr val="tx1"/>
           </a:solidFill>
@@ -3475,8 +3480,8 @@
           <a:cs typeface="+mn-cs"/>
         </a:defRPr>
       </a:lvl5pPr>
-      <a:lvl6pPr marL="3857625" algn="l" defTabSz="1543050" rtl="0" eaLnBrk="1" latinLnBrk="0" hangingPunct="1">
-        <a:defRPr sz="3000" kern="1200">
+      <a:lvl6pPr marL="4764938" algn="l" defTabSz="1905975" rtl="0" eaLnBrk="1" latinLnBrk="0" hangingPunct="1">
+        <a:defRPr sz="3700" kern="1200">
           <a:solidFill>
             <a:schemeClr val="tx1"/>
           </a:solidFill>
@@ -3485,8 +3490,8 @@
           <a:cs typeface="+mn-cs"/>
         </a:defRPr>
       </a:lvl6pPr>
-      <a:lvl7pPr marL="4629150" algn="l" defTabSz="1543050" rtl="0" eaLnBrk="1" latinLnBrk="0" hangingPunct="1">
-        <a:defRPr sz="3000" kern="1200">
+      <a:lvl7pPr marL="5717926" algn="l" defTabSz="1905975" rtl="0" eaLnBrk="1" latinLnBrk="0" hangingPunct="1">
+        <a:defRPr sz="3700" kern="1200">
           <a:solidFill>
             <a:schemeClr val="tx1"/>
           </a:solidFill>
@@ -3495,8 +3500,8 @@
           <a:cs typeface="+mn-cs"/>
         </a:defRPr>
       </a:lvl7pPr>
-      <a:lvl8pPr marL="5400675" algn="l" defTabSz="1543050" rtl="0" eaLnBrk="1" latinLnBrk="0" hangingPunct="1">
-        <a:defRPr sz="3000" kern="1200">
+      <a:lvl8pPr marL="6670914" algn="l" defTabSz="1905975" rtl="0" eaLnBrk="1" latinLnBrk="0" hangingPunct="1">
+        <a:defRPr sz="3700" kern="1200">
           <a:solidFill>
             <a:schemeClr val="tx1"/>
           </a:solidFill>
@@ -3505,8 +3510,8 @@
           <a:cs typeface="+mn-cs"/>
         </a:defRPr>
       </a:lvl8pPr>
-      <a:lvl9pPr marL="6172200" algn="l" defTabSz="1543050" rtl="0" eaLnBrk="1" latinLnBrk="0" hangingPunct="1">
-        <a:defRPr sz="3000" kern="1200">
+      <a:lvl9pPr marL="7623901" algn="l" defTabSz="1905975" rtl="0" eaLnBrk="1" latinLnBrk="0" hangingPunct="1">
+        <a:defRPr sz="3700" kern="1200">
           <a:solidFill>
             <a:schemeClr val="tx1"/>
           </a:solidFill>
@@ -3539,7 +3544,7 @@
       </p:grpSpPr>
       <p:pic>
         <p:nvPicPr>
-          <p:cNvPr id="1027" name="Picture 3" descr="E:\GitHub\IPAC2014\MKIImpedancePoster\figures\mki8-temps-post-ts3.png"/>
+          <p:cNvPr id="88" name="Picture 3" descr="E:\GitHub\IPAC2014\MKIImpedancePoster\figures\mki8-temps-post-ts3.png"/>
           <p:cNvPicPr>
             <a:picLocks noChangeAspect="1" noChangeArrowheads="1"/>
           </p:cNvPicPr>
@@ -3560,8 +3565,8 @@
         </p:blipFill>
         <p:spPr bwMode="auto">
           <a:xfrm>
-            <a:off x="324123" y="9577164"/>
-            <a:ext cx="7945496" cy="4595190"/>
+            <a:off x="10109263" y="3100607"/>
+            <a:ext cx="9626863" cy="5328040"/>
           </a:xfrm>
           <a:prstGeom prst="rect">
             <a:avLst/>
@@ -3580,14 +3585,14 @@
       </p:pic>
       <p:sp>
         <p:nvSpPr>
-          <p:cNvPr id="91" name="TextBox 90"/>
+          <p:cNvPr id="89" name="TextBox 88"/>
           <p:cNvSpPr txBox="1"/>
           <p:nvPr/>
         </p:nvSpPr>
         <p:spPr>
           <a:xfrm>
-            <a:off x="180107" y="432148"/>
-            <a:ext cx="11665296" cy="1477328"/>
+            <a:off x="180107" y="0"/>
+            <a:ext cx="16021918" cy="2400657"/>
           </a:xfrm>
           <a:prstGeom prst="rect">
             <a:avLst/>
@@ -3697,23 +3702,182 @@
               <a:t>device</a:t>
             </a:r>
             <a:r>
-              <a:rPr lang="fr-CA" dirty="0" smtClean="0"/>
-              <a:t>.</a:t>
+              <a:rPr lang="fr-CA" dirty="0"/>
+              <a:t>. The </a:t>
+            </a:r>
+            <a:r>
+              <a:rPr lang="fr-CA" dirty="0" err="1"/>
+              <a:t>MKIs</a:t>
+            </a:r>
+            <a:r>
+              <a:rPr lang="fr-CA" dirty="0"/>
+              <a:t> </a:t>
+            </a:r>
+            <a:r>
+              <a:rPr lang="fr-CA" dirty="0" err="1"/>
+              <a:t>contain</a:t>
+            </a:r>
+            <a:r>
+              <a:rPr lang="fr-CA" dirty="0"/>
+              <a:t> a </a:t>
+            </a:r>
+            <a:r>
+              <a:rPr lang="fr-CA" dirty="0" err="1"/>
+              <a:t>beam</a:t>
+            </a:r>
+            <a:r>
+              <a:rPr lang="fr-CA" dirty="0"/>
+              <a:t> </a:t>
+            </a:r>
+            <a:r>
+              <a:rPr lang="fr-CA" dirty="0" err="1"/>
+              <a:t>screen</a:t>
+            </a:r>
+            <a:r>
+              <a:rPr lang="fr-CA" dirty="0"/>
+              <a:t> </a:t>
+            </a:r>
+            <a:r>
+              <a:rPr lang="fr-CA" dirty="0" err="1"/>
+              <a:t>inserted</a:t>
+            </a:r>
+            <a:r>
+              <a:rPr lang="fr-CA" dirty="0"/>
+              <a:t> </a:t>
+            </a:r>
+            <a:r>
+              <a:rPr lang="fr-CA" dirty="0" err="1"/>
+              <a:t>into</a:t>
+            </a:r>
+            <a:r>
+              <a:rPr lang="fr-CA" dirty="0"/>
+              <a:t> the ferrite </a:t>
+            </a:r>
+            <a:r>
+              <a:rPr lang="fr-CA" dirty="0" err="1"/>
+              <a:t>yoke</a:t>
+            </a:r>
+            <a:r>
+              <a:rPr lang="fr-CA" dirty="0"/>
+              <a:t> </a:t>
+            </a:r>
+            <a:r>
+              <a:rPr lang="fr-CA" dirty="0" err="1"/>
+              <a:t>consisting</a:t>
+            </a:r>
+            <a:r>
+              <a:rPr lang="fr-CA" dirty="0"/>
+              <a:t> of a </a:t>
+            </a:r>
+            <a:r>
+              <a:rPr lang="fr-CA" dirty="0" err="1"/>
+              <a:t>ceramic</a:t>
+            </a:r>
+            <a:r>
+              <a:rPr lang="fr-CA" dirty="0"/>
+              <a:t> </a:t>
+            </a:r>
+            <a:r>
+              <a:rPr lang="fr-CA" dirty="0" err="1"/>
+              <a:t>cylinder</a:t>
+            </a:r>
+            <a:r>
+              <a:rPr lang="fr-CA" dirty="0"/>
+              <a:t> </a:t>
+            </a:r>
+            <a:r>
+              <a:rPr lang="fr-CA" dirty="0" err="1"/>
+              <a:t>supporting</a:t>
+            </a:r>
+            <a:r>
+              <a:rPr lang="fr-CA" dirty="0"/>
+              <a:t>  </a:t>
+            </a:r>
+            <a:r>
+              <a:rPr lang="fr-CA" dirty="0" err="1"/>
+              <a:t>metal</a:t>
+            </a:r>
+            <a:r>
+              <a:rPr lang="fr-CA" dirty="0"/>
+              <a:t> </a:t>
+            </a:r>
+            <a:r>
+              <a:rPr lang="fr-CA" dirty="0" err="1"/>
+              <a:t>wires</a:t>
+            </a:r>
+            <a:r>
+              <a:rPr lang="fr-CA" dirty="0"/>
+              <a:t> running the </a:t>
+            </a:r>
+            <a:r>
+              <a:rPr lang="fr-CA" dirty="0" err="1"/>
+              <a:t>length</a:t>
+            </a:r>
+            <a:r>
+              <a:rPr lang="fr-CA" dirty="0"/>
+              <a:t> of the kicker </a:t>
+            </a:r>
+            <a:r>
+              <a:rPr lang="fr-CA" dirty="0" err="1"/>
+              <a:t>magnet</a:t>
+            </a:r>
+            <a:r>
+              <a:rPr lang="fr-CA" dirty="0"/>
+              <a:t> to </a:t>
+            </a:r>
+            <a:r>
+              <a:rPr lang="fr-CA" dirty="0" err="1"/>
+              <a:t>give</a:t>
+            </a:r>
+            <a:r>
+              <a:rPr lang="fr-CA" dirty="0"/>
+              <a:t> a good </a:t>
+            </a:r>
+            <a:r>
+              <a:rPr lang="fr-CA" dirty="0" err="1"/>
+              <a:t>conducting</a:t>
+            </a:r>
+            <a:r>
+              <a:rPr lang="fr-CA" dirty="0"/>
+              <a:t> </a:t>
+            </a:r>
+            <a:r>
+              <a:rPr lang="fr-CA" dirty="0" err="1"/>
+              <a:t>path</a:t>
+            </a:r>
+            <a:r>
+              <a:rPr lang="fr-CA" dirty="0"/>
+              <a:t> for the </a:t>
+            </a:r>
+            <a:r>
+              <a:rPr lang="fr-CA" dirty="0" err="1"/>
+              <a:t>beam</a:t>
+            </a:r>
+            <a:r>
+              <a:rPr lang="fr-CA" dirty="0"/>
+              <a:t> image </a:t>
+            </a:r>
+            <a:r>
+              <a:rPr lang="fr-CA" dirty="0" err="1"/>
+              <a:t>currents</a:t>
             </a:r>
             <a:endParaRPr lang="en-GB" dirty="0"/>
           </a:p>
-        </p:txBody>
-      </p:sp>
-      <p:sp>
-        <p:nvSpPr>
-          <p:cNvPr id="96" name="TextBox 95"/>
+          <a:p>
+            <a:endParaRPr lang="en-GB" dirty="0"/>
+          </a:p>
+        </p:txBody>
+      </p:sp>
+      <p:sp>
+        <p:nvSpPr>
+          <p:cNvPr id="90" name="TextBox 89"/>
           <p:cNvSpPr txBox="1"/>
           <p:nvPr/>
         </p:nvSpPr>
         <p:spPr>
           <a:xfrm>
-            <a:off x="324123" y="12529492"/>
-            <a:ext cx="11665296" cy="1477328"/>
+            <a:off x="9695061" y="8785101"/>
+            <a:ext cx="10041066" cy="5216813"/>
           </a:xfrm>
           <a:prstGeom prst="rect">
             <a:avLst/>
@@ -3776,7 +3940,215 @@
             </a:r>
             <a:r>
               <a:rPr lang="fr-CA" dirty="0" smtClean="0"/>
-              <a:t> – MKI8D (at IP8 injection point, </a:t>
+              <a:t> – MKI8D </a:t>
+            </a:r>
+            <a:r>
+              <a:rPr lang="fr-CA" dirty="0" smtClean="0"/>
+              <a:t>(the </a:t>
+            </a:r>
+            <a:r>
+              <a:rPr lang="fr-CA" dirty="0" err="1" smtClean="0"/>
+              <a:t>solid</a:t>
+            </a:r>
+            <a:r>
+              <a:rPr lang="fr-CA" dirty="0" smtClean="0"/>
+              <a:t> </a:t>
+            </a:r>
+            <a:r>
+              <a:rPr lang="fr-CA" dirty="0" err="1" smtClean="0"/>
+              <a:t>red</a:t>
+            </a:r>
+            <a:r>
+              <a:rPr lang="fr-CA" dirty="0" smtClean="0"/>
+              <a:t> line </a:t>
+            </a:r>
+            <a:r>
+              <a:rPr lang="fr-CA" smtClean="0"/>
+              <a:t>above). </a:t>
+            </a:r>
+            <a:r>
+              <a:rPr lang="fr-CA" dirty="0" smtClean="0"/>
+              <a:t>This </a:t>
+            </a:r>
+            <a:r>
+              <a:rPr lang="fr-CA" dirty="0" err="1" smtClean="0"/>
+              <a:t>was</a:t>
+            </a:r>
+            <a:r>
+              <a:rPr lang="fr-CA" dirty="0" smtClean="0"/>
+              <a:t> </a:t>
+            </a:r>
+            <a:r>
+              <a:rPr lang="fr-CA" dirty="0" err="1" smtClean="0"/>
+              <a:t>replaced</a:t>
+            </a:r>
+            <a:r>
+              <a:rPr lang="fr-CA" dirty="0" smtClean="0"/>
+              <a:t> in </a:t>
+            </a:r>
+            <a:r>
+              <a:rPr lang="fr-CA" dirty="0" err="1" smtClean="0"/>
+              <a:t>September</a:t>
+            </a:r>
+            <a:r>
+              <a:rPr lang="fr-CA" dirty="0" smtClean="0"/>
+              <a:t> 2012 </a:t>
+            </a:r>
+            <a:r>
+              <a:rPr lang="fr-CA" dirty="0" err="1" smtClean="0"/>
+              <a:t>during</a:t>
+            </a:r>
+            <a:r>
+              <a:rPr lang="fr-CA" dirty="0" smtClean="0"/>
+              <a:t> a </a:t>
+            </a:r>
+            <a:r>
+              <a:rPr lang="fr-CA" dirty="0" err="1" smtClean="0"/>
+              <a:t>technical</a:t>
+            </a:r>
+            <a:r>
+              <a:rPr lang="fr-CA" dirty="0" smtClean="0"/>
+              <a:t> stop </a:t>
+            </a:r>
+            <a:r>
+              <a:rPr lang="fr-CA" dirty="0" smtClean="0"/>
+              <a:t> 3 (TS3) </a:t>
+            </a:r>
+            <a:r>
+              <a:rPr lang="fr-CA" dirty="0" err="1" smtClean="0"/>
+              <a:t>with</a:t>
+            </a:r>
+            <a:r>
+              <a:rPr lang="fr-CA" dirty="0" smtClean="0"/>
+              <a:t> a </a:t>
+            </a:r>
+            <a:r>
+              <a:rPr lang="fr-CA" dirty="0" err="1" smtClean="0"/>
+              <a:t>beam</a:t>
+            </a:r>
+            <a:r>
+              <a:rPr lang="fr-CA" dirty="0" smtClean="0"/>
+              <a:t> </a:t>
+            </a:r>
+            <a:r>
+              <a:rPr lang="fr-CA" dirty="0" err="1" smtClean="0"/>
+              <a:t>screen</a:t>
+            </a:r>
+            <a:r>
+              <a:rPr lang="fr-CA" dirty="0" smtClean="0"/>
+              <a:t> </a:t>
+            </a:r>
+            <a:r>
+              <a:rPr lang="fr-CA" dirty="0" err="1" smtClean="0"/>
+              <a:t>with</a:t>
+            </a:r>
+            <a:r>
+              <a:rPr lang="fr-CA" dirty="0" smtClean="0"/>
+              <a:t> 19 </a:t>
+            </a:r>
+            <a:r>
+              <a:rPr lang="fr-CA" dirty="0" err="1" smtClean="0"/>
+              <a:t>conductors</a:t>
+            </a:r>
+            <a:r>
+              <a:rPr lang="fr-CA" dirty="0" smtClean="0"/>
+              <a:t> (in the </a:t>
+            </a:r>
+            <a:r>
+              <a:rPr lang="fr-CA" dirty="0" err="1" smtClean="0"/>
+              <a:t>red</a:t>
+            </a:r>
+            <a:r>
+              <a:rPr lang="fr-CA" dirty="0" smtClean="0"/>
+              <a:t> box </a:t>
+            </a:r>
+            <a:r>
+              <a:rPr lang="fr-CA" dirty="0" err="1" smtClean="0"/>
+              <a:t>above</a:t>
+            </a:r>
+            <a:r>
+              <a:rPr lang="fr-CA" dirty="0" smtClean="0"/>
+              <a:t>), </a:t>
+            </a:r>
+            <a:r>
+              <a:rPr lang="fr-CA" dirty="0" err="1" smtClean="0"/>
+              <a:t>which</a:t>
+            </a:r>
+            <a:r>
+              <a:rPr lang="fr-CA" dirty="0" smtClean="0"/>
+              <a:t> </a:t>
+            </a:r>
+            <a:r>
+              <a:rPr lang="fr-CA" dirty="0" err="1" smtClean="0"/>
+              <a:t>was</a:t>
+            </a:r>
+            <a:r>
+              <a:rPr lang="fr-CA" dirty="0" smtClean="0"/>
+              <a:t> </a:t>
+            </a:r>
+            <a:r>
+              <a:rPr lang="fr-CA" dirty="0" err="1" smtClean="0"/>
+              <a:t>predicted</a:t>
+            </a:r>
+            <a:r>
+              <a:rPr lang="fr-CA" dirty="0" smtClean="0"/>
+              <a:t> to have a </a:t>
+            </a:r>
+            <a:r>
+              <a:rPr lang="fr-CA" dirty="0" err="1" smtClean="0"/>
+              <a:t>much</a:t>
+            </a:r>
+            <a:r>
+              <a:rPr lang="fr-CA" dirty="0" smtClean="0"/>
+              <a:t> </a:t>
+            </a:r>
+            <a:r>
+              <a:rPr lang="fr-CA" dirty="0" err="1" smtClean="0"/>
+              <a:t>lower</a:t>
+            </a:r>
+            <a:r>
+              <a:rPr lang="fr-CA" dirty="0" smtClean="0"/>
+              <a:t> power </a:t>
+            </a:r>
+            <a:r>
+              <a:rPr lang="fr-CA" dirty="0" err="1" smtClean="0"/>
+              <a:t>loss</a:t>
+            </a:r>
+            <a:r>
+              <a:rPr lang="fr-CA" dirty="0" smtClean="0"/>
+              <a:t> due to </a:t>
+            </a:r>
+            <a:r>
+              <a:rPr lang="fr-CA" dirty="0" err="1" smtClean="0"/>
+              <a:t>improved</a:t>
+            </a:r>
+            <a:r>
+              <a:rPr lang="fr-CA" dirty="0" smtClean="0"/>
+              <a:t> screening of the ferrite </a:t>
+            </a:r>
+            <a:r>
+              <a:rPr lang="fr-CA" dirty="0" err="1" smtClean="0"/>
+              <a:t>yoke</a:t>
+            </a:r>
+            <a:r>
+              <a:rPr lang="fr-CA" dirty="0" smtClean="0"/>
+              <a:t> </a:t>
+            </a:r>
+            <a:r>
+              <a:rPr lang="fr-CA" dirty="0" err="1" smtClean="0"/>
+              <a:t>from</a:t>
+            </a:r>
+            <a:r>
+              <a:rPr lang="fr-CA" dirty="0" smtClean="0"/>
+              <a:t> the </a:t>
+            </a:r>
+            <a:r>
+              <a:rPr lang="fr-CA" dirty="0" err="1" smtClean="0"/>
+              <a:t>beam</a:t>
+            </a:r>
+            <a:r>
+              <a:rPr lang="fr-CA" dirty="0" smtClean="0"/>
+              <a:t>. This </a:t>
             </a:r>
             <a:r>
               <a:rPr lang="fr-CA" dirty="0" err="1" smtClean="0"/>
@@ -3784,63 +4156,39 @@
             </a:r>
             <a:r>
               <a:rPr lang="fr-CA" dirty="0" smtClean="0"/>
-              <a:t> D of 4 </a:t>
-            </a:r>
-            <a:r>
-              <a:rPr lang="fr-CA" dirty="0" err="1" smtClean="0"/>
-              <a:t>magnets</a:t>
-            </a:r>
-            <a:r>
-              <a:rPr lang="fr-CA" dirty="0" smtClean="0"/>
-              <a:t> at </a:t>
-            </a:r>
-            <a:r>
-              <a:rPr lang="fr-CA" dirty="0" err="1" smtClean="0"/>
-              <a:t>that</a:t>
-            </a:r>
-            <a:r>
-              <a:rPr lang="fr-CA" dirty="0" smtClean="0"/>
-              <a:t> injection point). This </a:t>
-            </a:r>
-            <a:r>
-              <a:rPr lang="fr-CA" dirty="0" err="1" smtClean="0"/>
-              <a:t>was</a:t>
-            </a:r>
-            <a:r>
-              <a:rPr lang="fr-CA" dirty="0" smtClean="0"/>
               <a:t> </a:t>
             </a:r>
             <a:r>
               <a:rPr lang="fr-CA" dirty="0" err="1" smtClean="0"/>
-              <a:t>replaced</a:t>
-            </a:r>
-            <a:r>
-              <a:rPr lang="fr-CA" dirty="0" smtClean="0"/>
-              <a:t> in </a:t>
-            </a:r>
-            <a:r>
-              <a:rPr lang="fr-CA" dirty="0" err="1" smtClean="0"/>
-              <a:t>September</a:t>
-            </a:r>
-            <a:r>
-              <a:rPr lang="fr-CA" dirty="0" smtClean="0"/>
-              <a:t> 2012 </a:t>
-            </a:r>
-            <a:r>
-              <a:rPr lang="fr-CA" dirty="0" err="1" smtClean="0"/>
-              <a:t>during</a:t>
-            </a:r>
-            <a:r>
-              <a:rPr lang="fr-CA" dirty="0" smtClean="0"/>
-              <a:t> a </a:t>
-            </a:r>
-            <a:r>
-              <a:rPr lang="fr-CA" dirty="0" err="1" smtClean="0"/>
-              <a:t>technical</a:t>
-            </a:r>
-            <a:r>
-              <a:rPr lang="fr-CA" dirty="0" smtClean="0"/>
-              <a:t> stop </a:t>
+              <a:t>had</a:t>
+            </a:r>
+            <a:r>
+              <a:rPr lang="fr-CA" dirty="0" smtClean="0"/>
+              <a:t> the </a:t>
+            </a:r>
+            <a:r>
+              <a:rPr lang="fr-CA" dirty="0" err="1" smtClean="0"/>
+              <a:t>lowest</a:t>
+            </a:r>
+            <a:r>
+              <a:rPr lang="fr-CA" dirty="0" smtClean="0"/>
+              <a:t> </a:t>
+            </a:r>
+            <a:r>
+              <a:rPr lang="fr-CA" dirty="0" err="1" smtClean="0"/>
+              <a:t>temperature</a:t>
+            </a:r>
+            <a:r>
+              <a:rPr lang="fr-CA" dirty="0" smtClean="0"/>
+              <a:t> </a:t>
+            </a:r>
+            <a:r>
+              <a:rPr lang="fr-CA" dirty="0" err="1" smtClean="0"/>
+              <a:t>after</a:t>
+            </a:r>
+            <a:r>
+              <a:rPr lang="fr-CA" dirty="0" smtClean="0"/>
+              <a:t> TS3.</a:t>
             </a:r>
             <a:endParaRPr lang="en-GB" dirty="0"/>
           </a:p>
@@ -3848,199 +4196,13 @@
       </p:sp>
       <p:sp>
         <p:nvSpPr>
-          <p:cNvPr id="97" name="TextBox 96"/>
-          <p:cNvSpPr txBox="1"/>
-          <p:nvPr/>
-        </p:nvSpPr>
-        <p:spPr>
-          <a:xfrm>
-            <a:off x="3708499" y="2088332"/>
-            <a:ext cx="8893076" cy="1938992"/>
-          </a:xfrm>
-          <a:prstGeom prst="rect">
-            <a:avLst/>
-          </a:prstGeom>
-          <a:noFill/>
-        </p:spPr>
-        <p:txBody>
-          <a:bodyPr wrap="square" rtlCol="0">
-            <a:spAutoFit/>
-          </a:bodyPr>
-          <a:lstStyle/>
-          <a:p>
-            <a:r>
-              <a:rPr lang="fr-CA" dirty="0" smtClean="0"/>
-              <a:t>The </a:t>
-            </a:r>
-            <a:r>
-              <a:rPr lang="fr-CA" dirty="0" err="1" smtClean="0"/>
-              <a:t>MKIs</a:t>
-            </a:r>
-            <a:r>
-              <a:rPr lang="fr-CA" dirty="0" smtClean="0"/>
-              <a:t> </a:t>
-            </a:r>
-            <a:r>
-              <a:rPr lang="fr-CA" dirty="0" err="1" smtClean="0"/>
-              <a:t>contain</a:t>
-            </a:r>
-            <a:r>
-              <a:rPr lang="fr-CA" dirty="0" smtClean="0"/>
-              <a:t> a </a:t>
-            </a:r>
-            <a:r>
-              <a:rPr lang="fr-CA" dirty="0" err="1" smtClean="0"/>
-              <a:t>beam</a:t>
-            </a:r>
-            <a:r>
-              <a:rPr lang="fr-CA" dirty="0" smtClean="0"/>
-              <a:t> </a:t>
-            </a:r>
-            <a:r>
-              <a:rPr lang="fr-CA" dirty="0" err="1" smtClean="0"/>
-              <a:t>screen</a:t>
-            </a:r>
-            <a:r>
-              <a:rPr lang="fr-CA" dirty="0" smtClean="0"/>
-              <a:t> </a:t>
-            </a:r>
-            <a:r>
-              <a:rPr lang="fr-CA" dirty="0" err="1" smtClean="0"/>
-              <a:t>inserted</a:t>
-            </a:r>
-            <a:r>
-              <a:rPr lang="fr-CA" dirty="0" smtClean="0"/>
-              <a:t> </a:t>
-            </a:r>
-            <a:r>
-              <a:rPr lang="fr-CA" dirty="0" err="1" smtClean="0"/>
-              <a:t>into</a:t>
-            </a:r>
-            <a:r>
-              <a:rPr lang="fr-CA" dirty="0" smtClean="0"/>
-              <a:t> the ferrite </a:t>
-            </a:r>
-            <a:r>
-              <a:rPr lang="fr-CA" dirty="0" err="1" smtClean="0"/>
-              <a:t>yoke</a:t>
-            </a:r>
-            <a:r>
-              <a:rPr lang="fr-CA" dirty="0" smtClean="0"/>
-              <a:t> </a:t>
-            </a:r>
-            <a:r>
-              <a:rPr lang="fr-CA" dirty="0" err="1" smtClean="0"/>
-              <a:t>consisting</a:t>
-            </a:r>
-            <a:r>
-              <a:rPr lang="fr-CA" dirty="0" smtClean="0"/>
-              <a:t> of a </a:t>
-            </a:r>
-            <a:r>
-              <a:rPr lang="fr-CA" dirty="0" err="1" smtClean="0"/>
-              <a:t>ceramic</a:t>
-            </a:r>
-            <a:r>
-              <a:rPr lang="fr-CA" dirty="0" smtClean="0"/>
-              <a:t> </a:t>
-            </a:r>
-            <a:r>
-              <a:rPr lang="fr-CA" dirty="0" err="1" smtClean="0"/>
-              <a:t>cylinder</a:t>
-            </a:r>
-            <a:r>
-              <a:rPr lang="fr-CA" dirty="0" smtClean="0"/>
-              <a:t> </a:t>
-            </a:r>
-            <a:r>
-              <a:rPr lang="fr-CA" dirty="0" err="1" smtClean="0"/>
-              <a:t>supporting</a:t>
-            </a:r>
-            <a:r>
-              <a:rPr lang="fr-CA" dirty="0" smtClean="0"/>
-              <a:t>  </a:t>
-            </a:r>
-            <a:r>
-              <a:rPr lang="fr-CA" dirty="0" err="1" smtClean="0"/>
-              <a:t>metal</a:t>
-            </a:r>
-            <a:r>
-              <a:rPr lang="fr-CA" dirty="0" smtClean="0"/>
-              <a:t> </a:t>
-            </a:r>
-            <a:r>
-              <a:rPr lang="fr-CA" dirty="0" err="1" smtClean="0"/>
-              <a:t>wires</a:t>
-            </a:r>
-            <a:r>
-              <a:rPr lang="fr-CA" dirty="0" smtClean="0"/>
-              <a:t> running the </a:t>
-            </a:r>
-            <a:r>
-              <a:rPr lang="fr-CA" dirty="0" err="1" smtClean="0"/>
-              <a:t>length</a:t>
-            </a:r>
-            <a:r>
-              <a:rPr lang="fr-CA" dirty="0" smtClean="0"/>
-              <a:t> of the kicker </a:t>
-            </a:r>
-            <a:r>
-              <a:rPr lang="fr-CA" dirty="0" err="1" smtClean="0"/>
-              <a:t>magnet</a:t>
-            </a:r>
-            <a:r>
-              <a:rPr lang="fr-CA" dirty="0" smtClean="0"/>
-              <a:t> to </a:t>
-            </a:r>
-            <a:r>
-              <a:rPr lang="fr-CA" dirty="0" err="1" smtClean="0"/>
-              <a:t>give</a:t>
-            </a:r>
-            <a:r>
-              <a:rPr lang="fr-CA" dirty="0" smtClean="0"/>
-              <a:t> a good </a:t>
-            </a:r>
-            <a:r>
-              <a:rPr lang="fr-CA" dirty="0" err="1" smtClean="0"/>
-              <a:t>conducting</a:t>
-            </a:r>
-            <a:r>
-              <a:rPr lang="fr-CA" dirty="0" smtClean="0"/>
-              <a:t> </a:t>
-            </a:r>
-            <a:r>
-              <a:rPr lang="fr-CA" dirty="0" err="1" smtClean="0"/>
-              <a:t>path</a:t>
-            </a:r>
-            <a:r>
-              <a:rPr lang="fr-CA" dirty="0" smtClean="0"/>
-              <a:t> for the </a:t>
-            </a:r>
-            <a:r>
-              <a:rPr lang="fr-CA" dirty="0" err="1" smtClean="0"/>
-              <a:t>beam</a:t>
-            </a:r>
-            <a:r>
-              <a:rPr lang="fr-CA" dirty="0" smtClean="0"/>
-              <a:t> image </a:t>
-            </a:r>
-            <a:r>
-              <a:rPr lang="fr-CA" dirty="0" err="1" smtClean="0"/>
-              <a:t>currents</a:t>
-            </a:r>
-            <a:endParaRPr lang="en-GB" dirty="0"/>
-          </a:p>
-        </p:txBody>
-      </p:sp>
-      <p:sp>
-        <p:nvSpPr>
-          <p:cNvPr id="98" name="Oval 97"/>
+          <p:cNvPr id="92" name="Oval 91"/>
           <p:cNvSpPr/>
           <p:nvPr/>
         </p:nvSpPr>
         <p:spPr>
           <a:xfrm>
-            <a:off x="7812955" y="4548587"/>
+            <a:off x="4969554" y="3498239"/>
             <a:ext cx="3144984" cy="3144985"/>
           </a:xfrm>
           <a:prstGeom prst="ellipse">
@@ -4082,13 +4244,13 @@
       </p:sp>
       <p:sp>
         <p:nvSpPr>
-          <p:cNvPr id="99" name="Rectangle 98"/>
+          <p:cNvPr id="93" name="Rectangle 92"/>
           <p:cNvSpPr/>
           <p:nvPr/>
         </p:nvSpPr>
         <p:spPr>
           <a:xfrm>
-            <a:off x="9253115" y="4668603"/>
+            <a:off x="6409714" y="3618255"/>
             <a:ext cx="216024" cy="72008"/>
           </a:xfrm>
           <a:prstGeom prst="rect">
@@ -4130,13 +4292,13 @@
       </p:sp>
       <p:sp>
         <p:nvSpPr>
-          <p:cNvPr id="100" name="Rectangle 99"/>
+          <p:cNvPr id="95" name="Rectangle 94"/>
           <p:cNvSpPr/>
           <p:nvPr/>
         </p:nvSpPr>
         <p:spPr>
           <a:xfrm rot="9722556">
-            <a:off x="8897561" y="4718454"/>
+            <a:off x="6054160" y="3668106"/>
             <a:ext cx="216024" cy="80391"/>
           </a:xfrm>
           <a:prstGeom prst="rect">
@@ -4178,13 +4340,13 @@
       </p:sp>
       <p:sp>
         <p:nvSpPr>
-          <p:cNvPr id="101" name="Rectangle 100"/>
+          <p:cNvPr id="128" name="Rectangle 127"/>
           <p:cNvSpPr/>
           <p:nvPr/>
         </p:nvSpPr>
         <p:spPr>
           <a:xfrm rot="8209251">
-            <a:off x="8290039" y="5076143"/>
+            <a:off x="5446638" y="4025795"/>
             <a:ext cx="216025" cy="72008"/>
           </a:xfrm>
           <a:prstGeom prst="rect">
@@ -4226,13 +4388,13 @@
       </p:sp>
       <p:sp>
         <p:nvSpPr>
-          <p:cNvPr id="102" name="Rectangle 101"/>
+          <p:cNvPr id="130" name="Rectangle 129"/>
           <p:cNvSpPr/>
           <p:nvPr/>
         </p:nvSpPr>
         <p:spPr>
           <a:xfrm rot="7196690">
-            <a:off x="8075744" y="5384750"/>
+            <a:off x="5232343" y="4334402"/>
             <a:ext cx="216025" cy="72008"/>
           </a:xfrm>
           <a:prstGeom prst="rect">
@@ -4274,13 +4436,13 @@
       </p:sp>
       <p:sp>
         <p:nvSpPr>
-          <p:cNvPr id="103" name="Rectangle 102"/>
+          <p:cNvPr id="134" name="Rectangle 133"/>
           <p:cNvSpPr/>
           <p:nvPr/>
         </p:nvSpPr>
         <p:spPr>
           <a:xfrm rot="9190614">
-            <a:off x="8573319" y="4869570"/>
+            <a:off x="5729918" y="3819222"/>
             <a:ext cx="216024" cy="72008"/>
           </a:xfrm>
           <a:prstGeom prst="rect">
@@ -4322,13 +4484,13 @@
       </p:sp>
       <p:sp>
         <p:nvSpPr>
-          <p:cNvPr id="104" name="Rectangle 103"/>
+          <p:cNvPr id="135" name="Rectangle 134"/>
           <p:cNvSpPr/>
           <p:nvPr/>
         </p:nvSpPr>
         <p:spPr>
           <a:xfrm rot="6509065">
-            <a:off x="7921705" y="5724933"/>
+            <a:off x="5078304" y="4674585"/>
             <a:ext cx="216025" cy="72008"/>
           </a:xfrm>
           <a:prstGeom prst="rect">
@@ -4370,13 +4532,13 @@
       </p:sp>
       <p:sp>
         <p:nvSpPr>
-          <p:cNvPr id="105" name="Rectangle 104"/>
+          <p:cNvPr id="136" name="Rectangle 135"/>
           <p:cNvSpPr/>
           <p:nvPr/>
         </p:nvSpPr>
         <p:spPr>
           <a:xfrm>
-            <a:off x="9253115" y="7508158"/>
+            <a:off x="6409714" y="6457810"/>
             <a:ext cx="216024" cy="72008"/>
           </a:xfrm>
           <a:prstGeom prst="rect">
@@ -4418,13 +4580,13 @@
       </p:sp>
       <p:sp>
         <p:nvSpPr>
-          <p:cNvPr id="106" name="Rectangle 105"/>
+          <p:cNvPr id="137" name="Rectangle 136"/>
           <p:cNvSpPr/>
           <p:nvPr/>
         </p:nvSpPr>
         <p:spPr>
           <a:xfrm rot="7979625" flipV="1">
-            <a:off x="10255035" y="7118205"/>
+            <a:off x="7411634" y="6067857"/>
             <a:ext cx="208755" cy="68211"/>
           </a:xfrm>
           <a:prstGeom prst="rect">
@@ -4466,13 +4628,13 @@
       </p:sp>
       <p:sp>
         <p:nvSpPr>
-          <p:cNvPr id="107" name="Rectangle 106"/>
+          <p:cNvPr id="138" name="Rectangle 137"/>
           <p:cNvSpPr/>
           <p:nvPr/>
         </p:nvSpPr>
         <p:spPr>
           <a:xfrm rot="6502455">
-            <a:off x="10628302" y="6508222"/>
+            <a:off x="7784901" y="5457874"/>
             <a:ext cx="216025" cy="72008"/>
           </a:xfrm>
           <a:prstGeom prst="rect">
@@ -4514,13 +4676,13 @@
       </p:sp>
       <p:sp>
         <p:nvSpPr>
-          <p:cNvPr id="108" name="Rectangle 107"/>
+          <p:cNvPr id="139" name="Rectangle 138"/>
           <p:cNvSpPr/>
           <p:nvPr/>
         </p:nvSpPr>
         <p:spPr>
           <a:xfrm rot="15203973">
-            <a:off x="7918677" y="6497104"/>
+            <a:off x="5075276" y="5446756"/>
             <a:ext cx="216025" cy="72008"/>
           </a:xfrm>
           <a:prstGeom prst="rect">
@@ -4562,13 +4724,13 @@
       </p:sp>
       <p:sp>
         <p:nvSpPr>
-          <p:cNvPr id="109" name="Rectangle 108"/>
+          <p:cNvPr id="140" name="Rectangle 139"/>
           <p:cNvSpPr/>
           <p:nvPr/>
         </p:nvSpPr>
         <p:spPr>
           <a:xfrm rot="7385526">
-            <a:off x="10467526" y="6832786"/>
+            <a:off x="7624125" y="5782438"/>
             <a:ext cx="216024" cy="72008"/>
           </a:xfrm>
           <a:prstGeom prst="rect">
@@ -4610,13 +4772,13 @@
       </p:sp>
       <p:sp>
         <p:nvSpPr>
-          <p:cNvPr id="110" name="Rectangle 109"/>
+          <p:cNvPr id="141" name="Rectangle 140"/>
           <p:cNvSpPr/>
           <p:nvPr/>
         </p:nvSpPr>
         <p:spPr>
           <a:xfrm rot="5400000">
-            <a:off x="10695152" y="6130459"/>
+            <a:off x="7851751" y="5080111"/>
             <a:ext cx="216025" cy="72008"/>
           </a:xfrm>
           <a:prstGeom prst="rect">
@@ -4658,13 +4820,13 @@
       </p:sp>
       <p:sp>
         <p:nvSpPr>
-          <p:cNvPr id="111" name="Rectangle 110"/>
+          <p:cNvPr id="142" name="Rectangle 141"/>
           <p:cNvSpPr/>
           <p:nvPr/>
         </p:nvSpPr>
         <p:spPr>
           <a:xfrm rot="15229357">
-            <a:off x="10652384" y="5720474"/>
+            <a:off x="7808983" y="4670126"/>
             <a:ext cx="216025" cy="72008"/>
           </a:xfrm>
           <a:prstGeom prst="rect">
@@ -4706,13 +4868,13 @@
       </p:sp>
       <p:sp>
         <p:nvSpPr>
-          <p:cNvPr id="112" name="Rectangle 111"/>
+          <p:cNvPr id="143" name="Rectangle 142"/>
           <p:cNvSpPr/>
           <p:nvPr/>
         </p:nvSpPr>
         <p:spPr>
           <a:xfrm rot="12811241" flipV="1">
-            <a:off x="9978214" y="4861670"/>
+            <a:off x="7134813" y="3811322"/>
             <a:ext cx="208755" cy="68211"/>
           </a:xfrm>
           <a:prstGeom prst="rect">
@@ -4754,13 +4916,13 @@
       </p:sp>
       <p:sp>
         <p:nvSpPr>
-          <p:cNvPr id="113" name="Rectangle 112"/>
+          <p:cNvPr id="144" name="Rectangle 143"/>
           <p:cNvSpPr/>
           <p:nvPr/>
         </p:nvSpPr>
         <p:spPr>
           <a:xfrm rot="14380017">
-            <a:off x="10517337" y="5392660"/>
+            <a:off x="7673936" y="4342312"/>
             <a:ext cx="216025" cy="72008"/>
           </a:xfrm>
           <a:prstGeom prst="rect">
@@ -4802,13 +4964,13 @@
       </p:sp>
       <p:sp>
         <p:nvSpPr>
-          <p:cNvPr id="114" name="Rectangle 113"/>
+          <p:cNvPr id="145" name="Rectangle 144"/>
           <p:cNvSpPr/>
           <p:nvPr/>
         </p:nvSpPr>
         <p:spPr>
           <a:xfrm rot="11821362">
-            <a:off x="9645123" y="4722647"/>
+            <a:off x="6801722" y="3672299"/>
             <a:ext cx="216024" cy="72008"/>
           </a:xfrm>
           <a:prstGeom prst="rect">
@@ -4850,13 +5012,13 @@
       </p:sp>
       <p:sp>
         <p:nvSpPr>
-          <p:cNvPr id="115" name="Rectangle 114"/>
+          <p:cNvPr id="146" name="Rectangle 145"/>
           <p:cNvSpPr/>
           <p:nvPr/>
         </p:nvSpPr>
         <p:spPr>
           <a:xfrm rot="13322342">
-            <a:off x="10287046" y="5083749"/>
+            <a:off x="7443645" y="4033401"/>
             <a:ext cx="216025" cy="72008"/>
           </a:xfrm>
           <a:prstGeom prst="rect">
@@ -4898,13 +5060,13 @@
       </p:sp>
       <p:sp>
         <p:nvSpPr>
-          <p:cNvPr id="116" name="Rectangle 115"/>
+          <p:cNvPr id="147" name="Rectangle 146"/>
           <p:cNvSpPr/>
           <p:nvPr/>
         </p:nvSpPr>
         <p:spPr>
           <a:xfrm rot="14553433">
-            <a:off x="8078317" y="6829489"/>
+            <a:off x="5234916" y="5779141"/>
             <a:ext cx="216025" cy="72008"/>
           </a:xfrm>
           <a:prstGeom prst="rect">
@@ -4946,13 +5108,13 @@
       </p:sp>
       <p:sp>
         <p:nvSpPr>
-          <p:cNvPr id="117" name="Rectangle 116"/>
+          <p:cNvPr id="148" name="Rectangle 147"/>
           <p:cNvSpPr/>
           <p:nvPr/>
         </p:nvSpPr>
         <p:spPr>
           <a:xfrm rot="16200000">
-            <a:off x="7870375" y="6130458"/>
+            <a:off x="5026974" y="5080110"/>
             <a:ext cx="216025" cy="72008"/>
           </a:xfrm>
           <a:prstGeom prst="rect">
@@ -4994,13 +5156,13 @@
       </p:sp>
       <p:sp>
         <p:nvSpPr>
-          <p:cNvPr id="118" name="Rectangle 117"/>
+          <p:cNvPr id="149" name="Rectangle 148"/>
           <p:cNvSpPr/>
           <p:nvPr/>
         </p:nvSpPr>
         <p:spPr>
           <a:xfrm rot="12624710">
-            <a:off x="8590320" y="7326713"/>
+            <a:off x="5746919" y="6276365"/>
             <a:ext cx="216024" cy="72008"/>
           </a:xfrm>
           <a:prstGeom prst="rect">
@@ -5042,13 +5204,13 @@
       </p:sp>
       <p:sp>
         <p:nvSpPr>
-          <p:cNvPr id="119" name="Rectangle 118"/>
+          <p:cNvPr id="150" name="Rectangle 149"/>
           <p:cNvSpPr/>
           <p:nvPr/>
         </p:nvSpPr>
         <p:spPr>
           <a:xfrm rot="13526096">
-            <a:off x="8290039" y="7103172"/>
+            <a:off x="5446638" y="6052824"/>
             <a:ext cx="216024" cy="72008"/>
           </a:xfrm>
           <a:prstGeom prst="rect">
@@ -5090,14 +5252,14 @@
       </p:sp>
       <p:sp>
         <p:nvSpPr>
-          <p:cNvPr id="120" name="Rectangle 119"/>
+          <p:cNvPr id="151" name="Rectangle 150"/>
           <p:cNvSpPr/>
           <p:nvPr/>
         </p:nvSpPr>
         <p:spPr>
           <a:xfrm>
-            <a:off x="4065461" y="4738579"/>
-            <a:ext cx="216024" cy="268891"/>
+            <a:off x="143617" y="3581070"/>
+            <a:ext cx="219942" cy="254461"/>
           </a:xfrm>
           <a:prstGeom prst="rect">
             <a:avLst/>
@@ -5142,13 +5304,13 @@
       </p:sp>
       <p:sp>
         <p:nvSpPr>
-          <p:cNvPr id="121" name="Rectangle 120"/>
+          <p:cNvPr id="152" name="Rectangle 151"/>
           <p:cNvSpPr/>
           <p:nvPr/>
         </p:nvSpPr>
         <p:spPr>
           <a:xfrm>
-            <a:off x="4065461" y="5143368"/>
+            <a:off x="143617" y="4090891"/>
             <a:ext cx="216024" cy="243283"/>
           </a:xfrm>
           <a:prstGeom prst="rect">
@@ -5196,14 +5358,14 @@
       </p:sp>
       <p:sp>
         <p:nvSpPr>
-          <p:cNvPr id="122" name="TextBox 121"/>
+          <p:cNvPr id="153" name="TextBox 152"/>
           <p:cNvSpPr txBox="1"/>
           <p:nvPr/>
         </p:nvSpPr>
         <p:spPr>
           <a:xfrm>
-            <a:off x="4281486" y="4601748"/>
-            <a:ext cx="944554" cy="369332"/>
+            <a:off x="406107" y="3359403"/>
+            <a:ext cx="1875285" cy="661720"/>
           </a:xfrm>
           <a:prstGeom prst="rect">
             <a:avLst/>
@@ -5211,7 +5373,7 @@
           <a:noFill/>
         </p:spPr>
         <p:txBody>
-          <a:bodyPr wrap="none" rtlCol="0">
+          <a:bodyPr wrap="square" rtlCol="0">
             <a:spAutoFit/>
           </a:bodyPr>
           <a:lstStyle/>
@@ -5226,14 +5388,14 @@
       </p:sp>
       <p:sp>
         <p:nvSpPr>
-          <p:cNvPr id="123" name="TextBox 122"/>
+          <p:cNvPr id="154" name="TextBox 153"/>
           <p:cNvSpPr txBox="1"/>
           <p:nvPr/>
         </p:nvSpPr>
         <p:spPr>
           <a:xfrm>
-            <a:off x="4281486" y="5018521"/>
-            <a:ext cx="1169872" cy="369332"/>
+            <a:off x="387518" y="3899321"/>
+            <a:ext cx="2484812" cy="661720"/>
           </a:xfrm>
           <a:prstGeom prst="rect">
             <a:avLst/>
@@ -5241,7 +5403,7 @@
           <a:noFill/>
         </p:spPr>
         <p:txBody>
-          <a:bodyPr wrap="none" rtlCol="0">
+          <a:bodyPr wrap="square" rtlCol="0">
             <a:spAutoFit/>
           </a:bodyPr>
           <a:lstStyle/>
@@ -5256,13 +5418,13 @@
       </p:sp>
       <p:sp>
         <p:nvSpPr>
-          <p:cNvPr id="124" name="Rectangle 123"/>
+          <p:cNvPr id="155" name="Rectangle 154"/>
           <p:cNvSpPr/>
           <p:nvPr/>
         </p:nvSpPr>
         <p:spPr>
           <a:xfrm rot="20808089">
-            <a:off x="9597611" y="7472154"/>
+            <a:off x="6754210" y="6421806"/>
             <a:ext cx="216024" cy="72008"/>
           </a:xfrm>
           <a:prstGeom prst="rect">
@@ -5304,13 +5466,13 @@
       </p:sp>
       <p:sp>
         <p:nvSpPr>
-          <p:cNvPr id="125" name="Rectangle 124"/>
+          <p:cNvPr id="156" name="Rectangle 155"/>
           <p:cNvSpPr/>
           <p:nvPr/>
         </p:nvSpPr>
         <p:spPr>
           <a:xfrm rot="11852315">
-            <a:off x="8899116" y="7455578"/>
+            <a:off x="6055715" y="6405230"/>
             <a:ext cx="216024" cy="72008"/>
           </a:xfrm>
           <a:prstGeom prst="rect">
@@ -5352,13 +5514,13 @@
       </p:sp>
       <p:sp>
         <p:nvSpPr>
-          <p:cNvPr id="126" name="Rectangle 125"/>
+          <p:cNvPr id="157" name="Rectangle 156"/>
           <p:cNvSpPr/>
           <p:nvPr/>
         </p:nvSpPr>
         <p:spPr>
           <a:xfrm rot="20317571">
-            <a:off x="9947365" y="7342298"/>
+            <a:off x="7103964" y="6291950"/>
             <a:ext cx="216024" cy="72008"/>
           </a:xfrm>
           <a:prstGeom prst="rect">
@@ -5400,14 +5562,14 @@
       </p:sp>
       <p:sp>
         <p:nvSpPr>
-          <p:cNvPr id="94" name="Rectangle 93"/>
+          <p:cNvPr id="158" name="Rectangle 157"/>
           <p:cNvSpPr/>
           <p:nvPr/>
         </p:nvSpPr>
         <p:spPr>
           <a:xfrm>
-            <a:off x="6156771" y="4548587"/>
-            <a:ext cx="1166494" cy="4524521"/>
+            <a:off x="3333819" y="3380793"/>
+            <a:ext cx="1166494" cy="4767668"/>
           </a:xfrm>
           <a:prstGeom prst="rect">
             <a:avLst/>
@@ -5446,14 +5608,14 @@
       </p:sp>
       <p:sp>
         <p:nvSpPr>
-          <p:cNvPr id="129" name="Rectangle 128"/>
+          <p:cNvPr id="159" name="Rectangle 158"/>
           <p:cNvSpPr/>
           <p:nvPr/>
         </p:nvSpPr>
         <p:spPr>
           <a:xfrm>
-            <a:off x="7172026" y="7943679"/>
-            <a:ext cx="4234146" cy="1129429"/>
+            <a:off x="4349074" y="7269224"/>
+            <a:ext cx="4234146" cy="879236"/>
           </a:xfrm>
           <a:prstGeom prst="rect">
             <a:avLst/>
@@ -5492,14 +5654,14 @@
       </p:sp>
       <p:sp>
         <p:nvSpPr>
-          <p:cNvPr id="131" name="Rectangle 130"/>
+          <p:cNvPr id="160" name="Rectangle 159"/>
           <p:cNvSpPr/>
           <p:nvPr/>
         </p:nvSpPr>
         <p:spPr>
           <a:xfrm>
-            <a:off x="11406172" y="4548586"/>
-            <a:ext cx="1166494" cy="4524521"/>
+            <a:off x="8583220" y="3380794"/>
+            <a:ext cx="1166494" cy="4767666"/>
           </a:xfrm>
           <a:prstGeom prst="rect">
             <a:avLst/>
@@ -5538,14 +5700,14 @@
       </p:sp>
       <p:sp>
         <p:nvSpPr>
-          <p:cNvPr id="127" name="Rectangle 126"/>
+          <p:cNvPr id="161" name="Rectangle 160"/>
           <p:cNvSpPr/>
           <p:nvPr/>
         </p:nvSpPr>
         <p:spPr>
           <a:xfrm>
-            <a:off x="7596931" y="6705477"/>
-            <a:ext cx="3600400" cy="1296144"/>
+            <a:off x="4753530" y="5655129"/>
+            <a:ext cx="3600400" cy="988095"/>
           </a:xfrm>
           <a:prstGeom prst="rect">
             <a:avLst/>
@@ -5588,13 +5750,13 @@
       </p:sp>
       <p:sp>
         <p:nvSpPr>
-          <p:cNvPr id="132" name="Rectangle 131"/>
+          <p:cNvPr id="162" name="Rectangle 161"/>
           <p:cNvSpPr/>
           <p:nvPr/>
         </p:nvSpPr>
         <p:spPr>
           <a:xfrm>
-            <a:off x="4065462" y="5539504"/>
+            <a:off x="143617" y="4561041"/>
             <a:ext cx="216024" cy="243283"/>
           </a:xfrm>
           <a:prstGeom prst="rect">
@@ -5642,14 +5804,14 @@
       </p:sp>
       <p:sp>
         <p:nvSpPr>
-          <p:cNvPr id="133" name="TextBox 132"/>
+          <p:cNvPr id="163" name="TextBox 162"/>
           <p:cNvSpPr txBox="1"/>
           <p:nvPr/>
         </p:nvSpPr>
         <p:spPr>
           <a:xfrm>
-            <a:off x="4309363" y="5420754"/>
-            <a:ext cx="1218475" cy="553998"/>
+            <a:off x="387518" y="4442291"/>
+            <a:ext cx="1847407" cy="661720"/>
           </a:xfrm>
           <a:prstGeom prst="rect">
             <a:avLst/>
@@ -5657,7 +5819,7 @@
           <a:noFill/>
         </p:spPr>
         <p:txBody>
-          <a:bodyPr wrap="none" rtlCol="0">
+          <a:bodyPr wrap="square" rtlCol="0">
             <a:spAutoFit/>
           </a:bodyPr>
           <a:lstStyle/>
@@ -5665,6 +5827,471 @@
             <a:r>
               <a:rPr lang="en-GB" dirty="0" smtClean="0"/>
               <a:t>Ferrite</a:t>
+            </a:r>
+            <a:endParaRPr lang="en-GB" dirty="0"/>
+          </a:p>
+        </p:txBody>
+      </p:sp>
+      <p:sp>
+        <p:nvSpPr>
+          <p:cNvPr id="164" name="TextBox 163"/>
+          <p:cNvSpPr txBox="1"/>
+          <p:nvPr/>
+        </p:nvSpPr>
+        <p:spPr>
+          <a:xfrm>
+            <a:off x="321502" y="8569077"/>
+            <a:ext cx="8340276" cy="4078039"/>
+          </a:xfrm>
+          <a:prstGeom prst="rect">
+            <a:avLst/>
+          </a:prstGeom>
+          <a:noFill/>
+        </p:spPr>
+        <p:txBody>
+          <a:bodyPr wrap="square" rtlCol="0">
+            <a:spAutoFit/>
+          </a:bodyPr>
+          <a:lstStyle/>
+          <a:p>
+            <a:r>
+              <a:rPr lang="fr-CA" dirty="0" smtClean="0"/>
+              <a:t>Cross-section of </a:t>
+            </a:r>
+            <a:r>
+              <a:rPr lang="fr-CA" dirty="0" err="1" smtClean="0"/>
+              <a:t>beam</a:t>
+            </a:r>
+            <a:r>
+              <a:rPr lang="fr-CA" dirty="0" smtClean="0"/>
+              <a:t> </a:t>
+            </a:r>
+            <a:r>
+              <a:rPr lang="fr-CA" dirty="0" err="1" smtClean="0"/>
+              <a:t>screen</a:t>
+            </a:r>
+            <a:r>
+              <a:rPr lang="fr-CA" dirty="0" smtClean="0"/>
+              <a:t> and ferrite </a:t>
+            </a:r>
+            <a:r>
+              <a:rPr lang="fr-CA" dirty="0" err="1" smtClean="0"/>
+              <a:t>yoke</a:t>
+            </a:r>
+            <a:r>
+              <a:rPr lang="fr-CA" dirty="0" smtClean="0"/>
+              <a:t>, </a:t>
+            </a:r>
+            <a:r>
+              <a:rPr lang="fr-CA" dirty="0" err="1" smtClean="0"/>
+              <a:t>showing</a:t>
+            </a:r>
+            <a:r>
+              <a:rPr lang="fr-CA" dirty="0" smtClean="0"/>
+              <a:t> the </a:t>
+            </a:r>
+            <a:r>
+              <a:rPr lang="fr-CA" dirty="0" err="1" smtClean="0"/>
+              <a:t>screen</a:t>
+            </a:r>
+            <a:r>
+              <a:rPr lang="fr-CA" dirty="0" smtClean="0"/>
+              <a:t> </a:t>
+            </a:r>
+            <a:r>
+              <a:rPr lang="fr-CA" dirty="0" err="1" smtClean="0"/>
+              <a:t>conductors</a:t>
+            </a:r>
+            <a:r>
+              <a:rPr lang="fr-CA" dirty="0" smtClean="0"/>
+              <a:t> on the </a:t>
+            </a:r>
+            <a:r>
+              <a:rPr lang="fr-CA" dirty="0" err="1" smtClean="0"/>
+              <a:t>internal</a:t>
+            </a:r>
+            <a:r>
+              <a:rPr lang="fr-CA" dirty="0" smtClean="0"/>
+              <a:t> face of the </a:t>
+            </a:r>
+            <a:r>
+              <a:rPr lang="fr-CA" dirty="0" err="1" smtClean="0"/>
+              <a:t>ceramic</a:t>
+            </a:r>
+            <a:r>
+              <a:rPr lang="fr-CA" dirty="0" smtClean="0"/>
+              <a:t> tube. Due to </a:t>
+            </a:r>
+            <a:r>
+              <a:rPr lang="fr-CA" dirty="0" err="1" smtClean="0"/>
+              <a:t>poor</a:t>
+            </a:r>
+            <a:r>
+              <a:rPr lang="fr-CA" dirty="0" smtClean="0"/>
+              <a:t> high </a:t>
+            </a:r>
+            <a:r>
+              <a:rPr lang="fr-CA" dirty="0"/>
+              <a:t>v</a:t>
+            </a:r>
+            <a:r>
+              <a:rPr lang="fr-CA" dirty="0" smtClean="0"/>
+              <a:t>oltage performance 9 </a:t>
+            </a:r>
+            <a:r>
+              <a:rPr lang="fr-CA" dirty="0" err="1" smtClean="0"/>
+              <a:t>conductors</a:t>
+            </a:r>
+            <a:r>
+              <a:rPr lang="fr-CA" dirty="0" smtClean="0"/>
+              <a:t>  (in the black box) </a:t>
+            </a:r>
+            <a:r>
+              <a:rPr lang="fr-CA" dirty="0" err="1" smtClean="0"/>
+              <a:t>were</a:t>
+            </a:r>
+            <a:r>
+              <a:rPr lang="fr-CA" dirty="0" smtClean="0"/>
+              <a:t> </a:t>
+            </a:r>
+            <a:r>
+              <a:rPr lang="fr-CA" dirty="0" err="1" smtClean="0"/>
+              <a:t>removed</a:t>
+            </a:r>
+            <a:r>
+              <a:rPr lang="fr-CA" dirty="0" smtClean="0"/>
+              <a:t> to </a:t>
+            </a:r>
+            <a:r>
+              <a:rPr lang="fr-CA" dirty="0" err="1" smtClean="0"/>
+              <a:t>prevent</a:t>
+            </a:r>
+            <a:r>
+              <a:rPr lang="fr-CA" dirty="0" smtClean="0"/>
+              <a:t> </a:t>
+            </a:r>
+            <a:r>
+              <a:rPr lang="fr-CA" dirty="0" err="1" smtClean="0"/>
+              <a:t>electrical</a:t>
+            </a:r>
+            <a:r>
+              <a:rPr lang="fr-CA" dirty="0" smtClean="0"/>
+              <a:t> breakdown </a:t>
+            </a:r>
+            <a:r>
+              <a:rPr lang="fr-CA" dirty="0" err="1" smtClean="0"/>
+              <a:t>during</a:t>
+            </a:r>
+            <a:r>
+              <a:rPr lang="fr-CA" dirty="0" smtClean="0"/>
+              <a:t> </a:t>
+            </a:r>
+            <a:r>
+              <a:rPr lang="fr-CA" dirty="0" err="1" smtClean="0"/>
+              <a:t>pulsing</a:t>
+            </a:r>
+            <a:r>
+              <a:rPr lang="fr-CA" dirty="0" smtClean="0"/>
+              <a:t>.</a:t>
+            </a:r>
+            <a:endParaRPr lang="en-GB" dirty="0"/>
+          </a:p>
+        </p:txBody>
+      </p:sp>
+      <p:sp>
+        <p:nvSpPr>
+          <p:cNvPr id="165" name="Rectangle 164"/>
+          <p:cNvSpPr/>
+          <p:nvPr/>
+        </p:nvSpPr>
+        <p:spPr>
+          <a:xfrm>
+            <a:off x="4500872" y="6981192"/>
+            <a:ext cx="4082348" cy="288031"/>
+          </a:xfrm>
+          <a:prstGeom prst="rect">
+            <a:avLst/>
+          </a:prstGeom>
+          <a:solidFill>
+            <a:schemeClr val="tx1"/>
+          </a:solidFill>
+          <a:ln>
+            <a:solidFill>
+              <a:schemeClr val="tx1"/>
+            </a:solidFill>
+          </a:ln>
+        </p:spPr>
+        <p:style>
+          <a:lnRef idx="2">
+            <a:schemeClr val="accent1">
+              <a:shade val="50000"/>
+            </a:schemeClr>
+          </a:lnRef>
+          <a:fillRef idx="1">
+            <a:schemeClr val="accent1"/>
+          </a:fillRef>
+          <a:effectRef idx="0">
+            <a:schemeClr val="accent1"/>
+          </a:effectRef>
+          <a:fontRef idx="minor">
+            <a:schemeClr val="lt1"/>
+          </a:fontRef>
+        </p:style>
+        <p:txBody>
+          <a:bodyPr rtlCol="0" anchor="ctr"/>
+          <a:lstStyle/>
+          <a:p>
+            <a:pPr algn="ctr"/>
+            <a:endParaRPr lang="en-GB"/>
+          </a:p>
+        </p:txBody>
+      </p:sp>
+      <p:sp>
+        <p:nvSpPr>
+          <p:cNvPr id="166" name="Rectangle 165"/>
+          <p:cNvSpPr/>
+          <p:nvPr/>
+        </p:nvSpPr>
+        <p:spPr>
+          <a:xfrm>
+            <a:off x="5658053" y="6149176"/>
+            <a:ext cx="1761835" cy="494048"/>
+          </a:xfrm>
+          <a:prstGeom prst="rect">
+            <a:avLst/>
+          </a:prstGeom>
+          <a:noFill/>
+          <a:ln w="57150">
+            <a:solidFill>
+              <a:srgbClr val="FF0000"/>
+            </a:solidFill>
+          </a:ln>
+        </p:spPr>
+        <p:style>
+          <a:lnRef idx="2">
+            <a:schemeClr val="accent1">
+              <a:shade val="50000"/>
+            </a:schemeClr>
+          </a:lnRef>
+          <a:fillRef idx="1">
+            <a:schemeClr val="accent1"/>
+          </a:fillRef>
+          <a:effectRef idx="0">
+            <a:schemeClr val="accent1"/>
+          </a:effectRef>
+          <a:fontRef idx="minor">
+            <a:schemeClr val="lt1"/>
+          </a:fontRef>
+        </p:style>
+        <p:txBody>
+          <a:bodyPr rtlCol="0" anchor="ctr"/>
+          <a:lstStyle/>
+          <a:p>
+            <a:pPr algn="ctr"/>
+            <a:endParaRPr lang="en-GB">
+              <a:solidFill>
+                <a:schemeClr val="tx2"/>
+              </a:solidFill>
+            </a:endParaRPr>
+          </a:p>
+        </p:txBody>
+      </p:sp>
+      <p:pic>
+        <p:nvPicPr>
+          <p:cNvPr id="167" name="Picture 2" descr="E:\GitHub\IPAC2014\MKIImpedancePoster\IMG_20130723_111952.jpg"/>
+          <p:cNvPicPr>
+            <a:picLocks noChangeAspect="1" noChangeArrowheads="1"/>
+          </p:cNvPicPr>
+          <p:nvPr/>
+        </p:nvPicPr>
+        <p:blipFill rotWithShape="1">
+          <a:blip r:embed="rId4">
+            <a:extLst>
+              <a:ext uri="{28A0092B-C50C-407E-A947-70E740481C1C}">
+                <a14:useLocalDpi xmlns:a14="http://schemas.microsoft.com/office/drawing/2010/main" val="0"/>
+              </a:ext>
+            </a:extLst>
+          </a:blip>
+          <a:srcRect l="29359" t="40254" r="42945" b="26656"/>
+          <a:stretch/>
+        </p:blipFill>
+        <p:spPr bwMode="auto">
+          <a:xfrm>
+            <a:off x="1026902" y="12889557"/>
+            <a:ext cx="5420534" cy="4857511"/>
+          </a:xfrm>
+          <a:prstGeom prst="rect">
+            <a:avLst/>
+          </a:prstGeom>
+          <a:noFill/>
+          <a:extLst>
+            <a:ext uri="{909E8E84-426E-40DD-AFC4-6F175D3DCCD1}">
+              <a14:hiddenFill xmlns:a14="http://schemas.microsoft.com/office/drawing/2010/main">
+                <a:solidFill>
+                  <a:srgbClr val="FFFFFF"/>
+                </a:solidFill>
+              </a14:hiddenFill>
+            </a:ext>
+          </a:extLst>
+        </p:spPr>
+      </p:pic>
+      <p:sp>
+        <p:nvSpPr>
+          <p:cNvPr id="5" name="TextBox 4"/>
+          <p:cNvSpPr txBox="1"/>
+          <p:nvPr/>
+        </p:nvSpPr>
+        <p:spPr>
+          <a:xfrm>
+            <a:off x="6735326" y="14185701"/>
+            <a:ext cx="8664229" cy="2939266"/>
+          </a:xfrm>
+          <a:prstGeom prst="rect">
+            <a:avLst/>
+          </a:prstGeom>
+          <a:noFill/>
+        </p:spPr>
+        <p:txBody>
+          <a:bodyPr wrap="square" rtlCol="0">
+            <a:spAutoFit/>
+          </a:bodyPr>
+          <a:lstStyle/>
+          <a:p>
+            <a:r>
+              <a:rPr lang="fr-CA" dirty="0" smtClean="0"/>
+              <a:t>MKI8D </a:t>
+            </a:r>
+            <a:r>
+              <a:rPr lang="fr-CA" dirty="0" err="1" smtClean="0"/>
+              <a:t>was</a:t>
+            </a:r>
+            <a:r>
+              <a:rPr lang="fr-CA" dirty="0" smtClean="0"/>
+              <a:t> </a:t>
+            </a:r>
+            <a:r>
+              <a:rPr lang="fr-CA" dirty="0" err="1" smtClean="0"/>
+              <a:t>found</a:t>
+            </a:r>
+            <a:r>
+              <a:rPr lang="fr-CA" dirty="0" smtClean="0"/>
+              <a:t> to have a 90⁰ twist in </a:t>
+            </a:r>
+            <a:r>
+              <a:rPr lang="fr-CA" dirty="0" err="1" smtClean="0"/>
+              <a:t>its</a:t>
+            </a:r>
+            <a:r>
+              <a:rPr lang="fr-CA" dirty="0" smtClean="0"/>
+              <a:t> </a:t>
+            </a:r>
+            <a:r>
+              <a:rPr lang="fr-CA" dirty="0" err="1" smtClean="0"/>
+              <a:t>ceramic</a:t>
+            </a:r>
+            <a:r>
+              <a:rPr lang="fr-CA" dirty="0" smtClean="0"/>
+              <a:t> </a:t>
+            </a:r>
+            <a:r>
+              <a:rPr lang="fr-CA" dirty="0" err="1" smtClean="0"/>
+              <a:t>screen</a:t>
+            </a:r>
+            <a:r>
+              <a:rPr lang="fr-CA" dirty="0" smtClean="0"/>
+              <a:t>. This cause a </a:t>
+            </a:r>
+            <a:r>
+              <a:rPr lang="fr-CA" dirty="0" err="1" smtClean="0"/>
+              <a:t>significant</a:t>
+            </a:r>
+            <a:r>
+              <a:rPr lang="fr-CA" dirty="0" smtClean="0"/>
+              <a:t> portion of </a:t>
+            </a:r>
+            <a:r>
+              <a:rPr lang="fr-CA" dirty="0" err="1" smtClean="0"/>
+              <a:t>it’s</a:t>
+            </a:r>
+            <a:r>
+              <a:rPr lang="fr-CA" dirty="0" smtClean="0"/>
+              <a:t> ferrite </a:t>
+            </a:r>
+            <a:r>
+              <a:rPr lang="fr-CA" dirty="0" err="1" smtClean="0"/>
+              <a:t>yoke</a:t>
+            </a:r>
+            <a:r>
+              <a:rPr lang="fr-CA" dirty="0" smtClean="0"/>
+              <a:t> to </a:t>
+            </a:r>
+            <a:r>
+              <a:rPr lang="fr-CA" dirty="0" err="1" smtClean="0"/>
+              <a:t>be</a:t>
+            </a:r>
+            <a:r>
+              <a:rPr lang="fr-CA" dirty="0" smtClean="0"/>
+              <a:t> </a:t>
+            </a:r>
+            <a:r>
+              <a:rPr lang="fr-CA" dirty="0" err="1" smtClean="0"/>
+              <a:t>directly</a:t>
+            </a:r>
+            <a:r>
+              <a:rPr lang="fr-CA" dirty="0" smtClean="0"/>
+              <a:t> </a:t>
+            </a:r>
+            <a:r>
+              <a:rPr lang="fr-CA" dirty="0" err="1" smtClean="0"/>
+              <a:t>exposed</a:t>
+            </a:r>
+            <a:r>
+              <a:rPr lang="fr-CA" dirty="0" smtClean="0"/>
+              <a:t> to the </a:t>
+            </a:r>
+            <a:r>
+              <a:rPr lang="fr-CA" dirty="0" err="1" smtClean="0"/>
+              <a:t>beam</a:t>
+            </a:r>
+            <a:r>
+              <a:rPr lang="fr-CA" dirty="0" smtClean="0"/>
+              <a:t>, </a:t>
+            </a:r>
+            <a:r>
+              <a:rPr lang="fr-CA" dirty="0" err="1" smtClean="0"/>
+              <a:t>causing</a:t>
+            </a:r>
+            <a:r>
+              <a:rPr lang="fr-CA" dirty="0" smtClean="0"/>
+              <a:t> a </a:t>
+            </a:r>
+            <a:r>
+              <a:rPr lang="fr-CA" dirty="0" err="1" smtClean="0"/>
+              <a:t>very</a:t>
+            </a:r>
+            <a:r>
+              <a:rPr lang="fr-CA" dirty="0" smtClean="0"/>
+              <a:t> high </a:t>
+            </a:r>
+            <a:r>
+              <a:rPr lang="fr-CA" dirty="0" err="1" smtClean="0"/>
+              <a:t>beam</a:t>
+            </a:r>
+            <a:r>
+              <a:rPr lang="fr-CA" dirty="0" smtClean="0"/>
+              <a:t> </a:t>
+            </a:r>
+            <a:r>
+              <a:rPr lang="fr-CA" dirty="0" err="1" smtClean="0"/>
+              <a:t>coupling</a:t>
+            </a:r>
+            <a:r>
+              <a:rPr lang="fr-CA" dirty="0" smtClean="0"/>
+              <a:t> </a:t>
+            </a:r>
+            <a:r>
+              <a:rPr lang="fr-CA" dirty="0" err="1" smtClean="0"/>
+              <a:t>impedance</a:t>
             </a:r>
             <a:endParaRPr lang="en-GB" dirty="0"/>
           </a:p>

--- a/MKIImpedancePoster/introductionPicture.pptx
+++ b/MKIImpedancePoster/introductionPicture.pptx
@@ -192,7 +192,7 @@
           <a:p>
             <a:fld id="{09973353-A222-4BB2-9810-F11B29D6B68C}" type="datetimeFigureOut">
               <a:rPr lang="en-GB" smtClean="0"/>
-              <a:t>10/06/2014</a:t>
+              <a:t>11/06/2014</a:t>
             </a:fld>
             <a:endParaRPr lang="en-GB"/>
           </a:p>
@@ -730,7 +730,7 @@
           <a:p>
             <a:fld id="{68AEE693-7654-4C3E-BEAD-B1DD9C3DAA08}" type="datetimeFigureOut">
               <a:rPr lang="en-GB" smtClean="0"/>
-              <a:t>10/06/2014</a:t>
+              <a:t>11/06/2014</a:t>
             </a:fld>
             <a:endParaRPr lang="en-GB"/>
           </a:p>
@@ -900,7 +900,7 @@
           <a:p>
             <a:fld id="{68AEE693-7654-4C3E-BEAD-B1DD9C3DAA08}" type="datetimeFigureOut">
               <a:rPr lang="en-GB" smtClean="0"/>
-              <a:t>10/06/2014</a:t>
+              <a:t>11/06/2014</a:t>
             </a:fld>
             <a:endParaRPr lang="en-GB"/>
           </a:p>
@@ -1080,7 +1080,7 @@
           <a:p>
             <a:fld id="{68AEE693-7654-4C3E-BEAD-B1DD9C3DAA08}" type="datetimeFigureOut">
               <a:rPr lang="en-GB" smtClean="0"/>
-              <a:t>10/06/2014</a:t>
+              <a:t>11/06/2014</a:t>
             </a:fld>
             <a:endParaRPr lang="en-GB"/>
           </a:p>
@@ -1250,7 +1250,7 @@
           <a:p>
             <a:fld id="{68AEE693-7654-4C3E-BEAD-B1DD9C3DAA08}" type="datetimeFigureOut">
               <a:rPr lang="en-GB" smtClean="0"/>
-              <a:t>10/06/2014</a:t>
+              <a:t>11/06/2014</a:t>
             </a:fld>
             <a:endParaRPr lang="en-GB"/>
           </a:p>
@@ -1496,7 +1496,7 @@
           <a:p>
             <a:fld id="{68AEE693-7654-4C3E-BEAD-B1DD9C3DAA08}" type="datetimeFigureOut">
               <a:rPr lang="en-GB" smtClean="0"/>
-              <a:t>10/06/2014</a:t>
+              <a:t>11/06/2014</a:t>
             </a:fld>
             <a:endParaRPr lang="en-GB"/>
           </a:p>
@@ -1784,7 +1784,7 @@
           <a:p>
             <a:fld id="{68AEE693-7654-4C3E-BEAD-B1DD9C3DAA08}" type="datetimeFigureOut">
               <a:rPr lang="en-GB" smtClean="0"/>
-              <a:t>10/06/2014</a:t>
+              <a:t>11/06/2014</a:t>
             </a:fld>
             <a:endParaRPr lang="en-GB"/>
           </a:p>
@@ -2211,7 +2211,7 @@
           <a:p>
             <a:fld id="{68AEE693-7654-4C3E-BEAD-B1DD9C3DAA08}" type="datetimeFigureOut">
               <a:rPr lang="en-GB" smtClean="0"/>
-              <a:t>10/06/2014</a:t>
+              <a:t>11/06/2014</a:t>
             </a:fld>
             <a:endParaRPr lang="en-GB"/>
           </a:p>
@@ -2329,7 +2329,7 @@
           <a:p>
             <a:fld id="{68AEE693-7654-4C3E-BEAD-B1DD9C3DAA08}" type="datetimeFigureOut">
               <a:rPr lang="en-GB" smtClean="0"/>
-              <a:t>10/06/2014</a:t>
+              <a:t>11/06/2014</a:t>
             </a:fld>
             <a:endParaRPr lang="en-GB"/>
           </a:p>
@@ -2424,7 +2424,7 @@
           <a:p>
             <a:fld id="{68AEE693-7654-4C3E-BEAD-B1DD9C3DAA08}" type="datetimeFigureOut">
               <a:rPr lang="en-GB" smtClean="0"/>
-              <a:t>10/06/2014</a:t>
+              <a:t>11/06/2014</a:t>
             </a:fld>
             <a:endParaRPr lang="en-GB"/>
           </a:p>
@@ -2701,7 +2701,7 @@
           <a:p>
             <a:fld id="{68AEE693-7654-4C3E-BEAD-B1DD9C3DAA08}" type="datetimeFigureOut">
               <a:rPr lang="en-GB" smtClean="0"/>
-              <a:t>10/06/2014</a:t>
+              <a:t>11/06/2014</a:t>
             </a:fld>
             <a:endParaRPr lang="en-GB"/>
           </a:p>
@@ -2954,7 +2954,7 @@
           <a:p>
             <a:fld id="{68AEE693-7654-4C3E-BEAD-B1DD9C3DAA08}" type="datetimeFigureOut">
               <a:rPr lang="en-GB" smtClean="0"/>
-              <a:t>10/06/2014</a:t>
+              <a:t>11/06/2014</a:t>
             </a:fld>
             <a:endParaRPr lang="en-GB"/>
           </a:p>
@@ -3167,7 +3167,7 @@
           <a:p>
             <a:fld id="{68AEE693-7654-4C3E-BEAD-B1DD9C3DAA08}" type="datetimeFigureOut">
               <a:rPr lang="en-GB" smtClean="0"/>
-              <a:t>10/06/2014</a:t>
+              <a:t>11/06/2014</a:t>
             </a:fld>
             <a:endParaRPr lang="en-GB"/>
           </a:p>
@@ -3592,7 +3592,7 @@
         <p:spPr>
           <a:xfrm>
             <a:off x="180107" y="0"/>
-            <a:ext cx="16021918" cy="2400657"/>
+            <a:ext cx="16021918" cy="3508653"/>
           </a:xfrm>
           <a:prstGeom prst="rect">
             <a:avLst/>
@@ -3730,8 +3730,16 @@
               <a:t> </a:t>
             </a:r>
             <a:r>
+              <a:rPr lang="fr-CA" dirty="0" err="1" smtClean="0"/>
+              <a:t>screen</a:t>
+            </a:r>
+            <a:r>
+              <a:rPr lang="fr-CA" dirty="0" smtClean="0"/>
+              <a:t>, </a:t>
+            </a:r>
+            <a:r>
               <a:rPr lang="fr-CA" dirty="0" err="1"/>
-              <a:t>screen</a:t>
+              <a:t>inserted</a:t>
             </a:r>
             <a:r>
               <a:rPr lang="fr-CA" dirty="0"/>
@@ -3739,14 +3747,6 @@
             </a:r>
             <a:r>
               <a:rPr lang="fr-CA" dirty="0" err="1"/>
-              <a:t>inserted</a:t>
-            </a:r>
-            <a:r>
-              <a:rPr lang="fr-CA" dirty="0"/>
-              <a:t> </a:t>
-            </a:r>
-            <a:r>
-              <a:rPr lang="fr-CA" dirty="0" err="1"/>
               <a:t>into</a:t>
             </a:r>
             <a:r>
@@ -3754,11 +3754,11 @@
               <a:t> the ferrite </a:t>
             </a:r>
             <a:r>
-              <a:rPr lang="fr-CA" dirty="0" err="1"/>
-              <a:t>yoke</a:t>
-            </a:r>
-            <a:r>
-              <a:rPr lang="fr-CA" dirty="0"/>
+              <a:rPr lang="fr-CA" dirty="0" smtClean="0"/>
+              <a:t>aperture,</a:t>
+            </a:r>
+            <a:r>
+              <a:rPr lang="fr-CA" dirty="0" smtClean="0"/>
               <a:t> </a:t>
             </a:r>
             <a:r>
@@ -3940,11 +3940,7 @@
             </a:r>
             <a:r>
               <a:rPr lang="fr-CA" dirty="0" smtClean="0"/>
-              <a:t> – MKI8D </a:t>
-            </a:r>
-            <a:r>
-              <a:rPr lang="fr-CA" dirty="0" smtClean="0"/>
-              <a:t>(the </a:t>
+              <a:t> – MKI8D (the </a:t>
             </a:r>
             <a:r>
               <a:rPr lang="fr-CA" dirty="0" err="1" smtClean="0"/>
@@ -3963,112 +3959,108 @@
               <a:t> line </a:t>
             </a:r>
             <a:r>
+              <a:rPr lang="fr-CA" dirty="0" err="1" smtClean="0"/>
+              <a:t>above</a:t>
+            </a:r>
+            <a:r>
+              <a:rPr lang="fr-CA" dirty="0" smtClean="0"/>
+              <a:t>). This </a:t>
+            </a:r>
+            <a:r>
+              <a:rPr lang="fr-CA" dirty="0" err="1" smtClean="0"/>
+              <a:t>was</a:t>
+            </a:r>
+            <a:r>
+              <a:rPr lang="fr-CA" dirty="0" smtClean="0"/>
+              <a:t> </a:t>
+            </a:r>
+            <a:r>
+              <a:rPr lang="fr-CA" dirty="0" err="1" smtClean="0"/>
+              <a:t>replaced</a:t>
+            </a:r>
+            <a:r>
+              <a:rPr lang="fr-CA" dirty="0" smtClean="0"/>
+              <a:t> in </a:t>
+            </a:r>
+            <a:r>
+              <a:rPr lang="fr-CA" dirty="0" err="1" smtClean="0"/>
+              <a:t>September</a:t>
+            </a:r>
+            <a:r>
+              <a:rPr lang="fr-CA" dirty="0" smtClean="0"/>
+              <a:t> 2012 </a:t>
+            </a:r>
+            <a:r>
+              <a:rPr lang="fr-CA" dirty="0" err="1" smtClean="0"/>
+              <a:t>during</a:t>
+            </a:r>
+            <a:r>
+              <a:rPr lang="fr-CA" dirty="0" smtClean="0"/>
+              <a:t>, </a:t>
+            </a:r>
+            <a:r>
+              <a:rPr lang="fr-CA" dirty="0" err="1" smtClean="0"/>
+              <a:t>technical</a:t>
+            </a:r>
+            <a:r>
+              <a:rPr lang="fr-CA" dirty="0" smtClean="0"/>
+              <a:t> stop  3 (TS3</a:t>
+            </a:r>
+            <a:r>
+              <a:rPr lang="fr-CA" dirty="0" smtClean="0"/>
+              <a:t>), </a:t>
+            </a:r>
+            <a:r>
+              <a:rPr lang="fr-CA" dirty="0" err="1" smtClean="0"/>
+              <a:t>with</a:t>
+            </a:r>
+            <a:r>
+              <a:rPr lang="fr-CA" dirty="0" smtClean="0"/>
+              <a:t> a </a:t>
+            </a:r>
+            <a:r>
+              <a:rPr lang="fr-CA" dirty="0" err="1" smtClean="0"/>
+              <a:t>beam</a:t>
+            </a:r>
+            <a:r>
+              <a:rPr lang="fr-CA" dirty="0" smtClean="0"/>
+              <a:t> </a:t>
+            </a:r>
+            <a:r>
+              <a:rPr lang="fr-CA" dirty="0" err="1" smtClean="0"/>
+              <a:t>screen</a:t>
+            </a:r>
+            <a:r>
+              <a:rPr lang="fr-CA" dirty="0" smtClean="0"/>
+              <a:t> </a:t>
+            </a:r>
+            <a:r>
+              <a:rPr lang="fr-CA" dirty="0" err="1" smtClean="0"/>
+              <a:t>with</a:t>
+            </a:r>
+            <a:r>
+              <a:rPr lang="fr-CA" dirty="0" smtClean="0"/>
+              <a:t> 19 </a:t>
+            </a:r>
+            <a:r>
+              <a:rPr lang="fr-CA" dirty="0" err="1" smtClean="0"/>
+              <a:t>conductors</a:t>
+            </a:r>
+            <a:r>
+              <a:rPr lang="fr-CA" dirty="0" smtClean="0"/>
+              <a:t> (in the </a:t>
+            </a:r>
+            <a:r>
+              <a:rPr lang="fr-CA" dirty="0" err="1" smtClean="0"/>
+              <a:t>red</a:t>
+            </a:r>
+            <a:r>
+              <a:rPr lang="fr-CA" dirty="0" smtClean="0"/>
+              <a:t> box </a:t>
+            </a:r>
+            <a:r>
               <a:rPr lang="fr-CA" smtClean="0"/>
-              <a:t>above). </a:t>
-            </a:r>
-            <a:r>
-              <a:rPr lang="fr-CA" dirty="0" smtClean="0"/>
-              <a:t>This </a:t>
-            </a:r>
-            <a:r>
-              <a:rPr lang="fr-CA" dirty="0" err="1" smtClean="0"/>
-              <a:t>was</a:t>
-            </a:r>
-            <a:r>
-              <a:rPr lang="fr-CA" dirty="0" smtClean="0"/>
-              <a:t> </a:t>
-            </a:r>
-            <a:r>
-              <a:rPr lang="fr-CA" dirty="0" err="1" smtClean="0"/>
-              <a:t>replaced</a:t>
-            </a:r>
-            <a:r>
-              <a:rPr lang="fr-CA" dirty="0" smtClean="0"/>
-              <a:t> in </a:t>
-            </a:r>
-            <a:r>
-              <a:rPr lang="fr-CA" dirty="0" err="1" smtClean="0"/>
-              <a:t>September</a:t>
-            </a:r>
-            <a:r>
-              <a:rPr lang="fr-CA" dirty="0" smtClean="0"/>
-              <a:t> 2012 </a:t>
-            </a:r>
-            <a:r>
-              <a:rPr lang="fr-CA" dirty="0" err="1" smtClean="0"/>
-              <a:t>during</a:t>
-            </a:r>
-            <a:r>
-              <a:rPr lang="fr-CA" dirty="0" smtClean="0"/>
-              <a:t> a </a:t>
-            </a:r>
-            <a:r>
-              <a:rPr lang="fr-CA" dirty="0" err="1" smtClean="0"/>
-              <a:t>technical</a:t>
-            </a:r>
-            <a:r>
-              <a:rPr lang="fr-CA" dirty="0" smtClean="0"/>
-              <a:t> stop </a:t>
-            </a:r>
-            <a:r>
-              <a:rPr lang="fr-CA" dirty="0" smtClean="0"/>
-              <a:t> 3 (TS3) </a:t>
-            </a:r>
-            <a:r>
-              <a:rPr lang="fr-CA" dirty="0" err="1" smtClean="0"/>
-              <a:t>with</a:t>
-            </a:r>
-            <a:r>
-              <a:rPr lang="fr-CA" dirty="0" smtClean="0"/>
-              <a:t> a </a:t>
-            </a:r>
-            <a:r>
-              <a:rPr lang="fr-CA" dirty="0" err="1" smtClean="0"/>
-              <a:t>beam</a:t>
-            </a:r>
-            <a:r>
-              <a:rPr lang="fr-CA" dirty="0" smtClean="0"/>
-              <a:t> </a:t>
-            </a:r>
-            <a:r>
-              <a:rPr lang="fr-CA" dirty="0" err="1" smtClean="0"/>
-              <a:t>screen</a:t>
-            </a:r>
-            <a:r>
-              <a:rPr lang="fr-CA" dirty="0" smtClean="0"/>
-              <a:t> </a:t>
-            </a:r>
-            <a:r>
-              <a:rPr lang="fr-CA" dirty="0" err="1" smtClean="0"/>
-              <a:t>with</a:t>
-            </a:r>
-            <a:r>
-              <a:rPr lang="fr-CA" dirty="0" smtClean="0"/>
-              <a:t> 19 </a:t>
-            </a:r>
-            <a:r>
-              <a:rPr lang="fr-CA" dirty="0" err="1" smtClean="0"/>
-              <a:t>conductors</a:t>
-            </a:r>
-            <a:r>
-              <a:rPr lang="fr-CA" dirty="0" smtClean="0"/>
-              <a:t> (in the </a:t>
-            </a:r>
-            <a:r>
-              <a:rPr lang="fr-CA" dirty="0" err="1" smtClean="0"/>
-              <a:t>red</a:t>
-            </a:r>
-            <a:r>
-              <a:rPr lang="fr-CA" dirty="0" smtClean="0"/>
-              <a:t> box </a:t>
-            </a:r>
-            <a:r>
-              <a:rPr lang="fr-CA" dirty="0" err="1" smtClean="0"/>
-              <a:t>above</a:t>
-            </a:r>
-            <a:r>
-              <a:rPr lang="fr-CA" dirty="0" smtClean="0"/>
-              <a:t>), </a:t>
+              <a:t>above-left), </a:t>
             </a:r>
             <a:r>
               <a:rPr lang="fr-CA" dirty="0" err="1" smtClean="0"/>
@@ -5953,6 +5945,14 @@
             <a:r>
               <a:rPr lang="fr-CA" dirty="0" smtClean="0"/>
               <a:t> </a:t>
+            </a:r>
+            <a:r>
+              <a:rPr lang="fr-CA" dirty="0" err="1" smtClean="0"/>
+              <a:t>originally</a:t>
+            </a:r>
+            <a:r>
+              <a:rPr lang="fr-CA" dirty="0" smtClean="0"/>
+              <a:t>  </a:t>
             </a:r>
             <a:r>
               <a:rPr lang="fr-CA" dirty="0" err="1" smtClean="0"/>
